--- a/Slides/PH223_Lecture_27.pptx
+++ b/Slides/PH223_Lecture_27.pptx
@@ -194,16 +194,24 @@
 </p:presentation>
 </file>
 
-<file path=ppt/revisionInfo.xml><?xml version="1.0" encoding="utf-8"?>
-<p1510:revInfo xmlns:a="http://schemas.openxmlformats.org/drawingml/2006/main" xmlns:r="http://schemas.openxmlformats.org/officeDocument/2006/relationships" xmlns:p1510="http://schemas.microsoft.com/office/powerpoint/2015/10/main">
-  <p1510:revLst>
-    <p1510:client id="{98D44E52-7238-4C18-B488-DABE61B489F8}" v="85" dt="2023-10-24T23:25:54.516"/>
-  </p1510:revLst>
-</p1510:revInfo>
-</file>
-
 <file path=ppt/changesInfos/changesInfo1.xml><?xml version="1.0" encoding="utf-8"?>
 <pc:chgInfo xmlns:a="http://schemas.openxmlformats.org/drawingml/2006/main" xmlns:r="http://schemas.openxmlformats.org/officeDocument/2006/relationships" xmlns:ac="http://schemas.microsoft.com/office/drawing/2013/main/command" xmlns:pc="http://schemas.microsoft.com/office/powerpoint/2013/main/command">
+  <pc:docChgLst>
+    <pc:chgData name="Lines, Todd" userId="afaf7c3a-e8aa-4568-882a-02ad8f9e19b0" providerId="ADAL" clId="{AA731A97-1A1C-405C-8CA0-A0EC68C6BA1E}"/>
+    <pc:docChg chg="modSld sldOrd">
+      <pc:chgData name="Lines, Todd" userId="afaf7c3a-e8aa-4568-882a-02ad8f9e19b0" providerId="ADAL" clId="{AA731A97-1A1C-405C-8CA0-A0EC68C6BA1E}" dt="2024-02-27T00:52:55.058" v="4"/>
+      <pc:docMkLst>
+        <pc:docMk/>
+      </pc:docMkLst>
+      <pc:sldChg chg="ord">
+        <pc:chgData name="Lines, Todd" userId="afaf7c3a-e8aa-4568-882a-02ad8f9e19b0" providerId="ADAL" clId="{AA731A97-1A1C-405C-8CA0-A0EC68C6BA1E}" dt="2024-02-27T00:52:55.058" v="4"/>
+        <pc:sldMkLst>
+          <pc:docMk/>
+          <pc:sldMk cId="0" sldId="496"/>
+        </pc:sldMkLst>
+      </pc:sldChg>
+    </pc:docChg>
+  </pc:docChgLst>
   <pc:docChgLst>
     <pc:chgData name="Lines, Todd" userId="afaf7c3a-e8aa-4568-882a-02ad8f9e19b0" providerId="ADAL" clId="{98D44E52-7238-4C18-B488-DABE61B489F8}"/>
     <pc:docChg chg="undo custSel addSld delSld modSld sldOrd">
@@ -612,13 +620,6 @@
           </ac:spMkLst>
         </pc:spChg>
       </pc:sldChg>
-      <pc:sldChg chg="add del">
-        <pc:chgData name="Lines, Todd" userId="afaf7c3a-e8aa-4568-882a-02ad8f9e19b0" providerId="ADAL" clId="{98D44E52-7238-4C18-B488-DABE61B489F8}" dt="2023-10-24T22:42:52.352" v="13"/>
-        <pc:sldMkLst>
-          <pc:docMk/>
-          <pc:sldMk cId="0" sldId="738"/>
-        </pc:sldMkLst>
-      </pc:sldChg>
       <pc:sldChg chg="addSp delSp modSp add mod">
         <pc:chgData name="Lines, Todd" userId="afaf7c3a-e8aa-4568-882a-02ad8f9e19b0" providerId="ADAL" clId="{98D44E52-7238-4C18-B488-DABE61B489F8}" dt="2023-10-24T22:58:54.951" v="414" actId="20577"/>
         <pc:sldMkLst>
@@ -758,7 +759,7 @@
         <pc:chgData name="Lines, Todd" userId="afaf7c3a-e8aa-4568-882a-02ad8f9e19b0" providerId="ADAL" clId="{98D44E52-7238-4C18-B488-DABE61B489F8}" dt="2023-10-24T22:42:52.352" v="13"/>
         <pc:sldMkLst>
           <pc:docMk/>
-          <pc:sldMk cId="0" sldId="739"/>
+          <pc:sldMk cId="3048959145" sldId="738"/>
         </pc:sldMkLst>
       </pc:sldChg>
       <pc:sldChg chg="addSp delSp modSp new mod">
@@ -1116,7 +1117,14 @@
         <pc:chgData name="Lines, Todd" userId="afaf7c3a-e8aa-4568-882a-02ad8f9e19b0" providerId="ADAL" clId="{98D44E52-7238-4C18-B488-DABE61B489F8}" dt="2023-10-24T22:42:52.352" v="13"/>
         <pc:sldMkLst>
           <pc:docMk/>
-          <pc:sldMk cId="0" sldId="740"/>
+          <pc:sldMk cId="2992101028" sldId="739"/>
+        </pc:sldMkLst>
+      </pc:sldChg>
+      <pc:sldChg chg="add del">
+        <pc:chgData name="Lines, Todd" userId="afaf7c3a-e8aa-4568-882a-02ad8f9e19b0" providerId="ADAL" clId="{98D44E52-7238-4C18-B488-DABE61B489F8}" dt="2023-10-24T22:42:52.352" v="13"/>
+        <pc:sldMkLst>
+          <pc:docMk/>
+          <pc:sldMk cId="3323069392" sldId="740"/>
         </pc:sldMkLst>
       </pc:sldChg>
       <pc:sldChg chg="addSp delSp modSp add mod">
@@ -1534,21 +1542,6 @@
           </ac:cxnSpMkLst>
         </pc:cxnChg>
       </pc:sldChg>
-      <pc:sldChg chg="modSp add del mod">
-        <pc:chgData name="Lines, Todd" userId="afaf7c3a-e8aa-4568-882a-02ad8f9e19b0" providerId="ADAL" clId="{98D44E52-7238-4C18-B488-DABE61B489F8}" dt="2023-10-24T22:42:52.352" v="13"/>
-        <pc:sldMkLst>
-          <pc:docMk/>
-          <pc:sldMk cId="0" sldId="741"/>
-        </pc:sldMkLst>
-        <pc:spChg chg="mod">
-          <ac:chgData name="Lines, Todd" userId="afaf7c3a-e8aa-4568-882a-02ad8f9e19b0" providerId="ADAL" clId="{98D44E52-7238-4C18-B488-DABE61B489F8}" dt="2023-10-24T22:42:52.352" v="13"/>
-          <ac:spMkLst>
-            <pc:docMk/>
-            <pc:sldMk cId="0" sldId="741"/>
-            <ac:spMk id="2402307" creationId="{00000000-0000-0000-0000-000000000000}"/>
-          </ac:spMkLst>
-        </pc:spChg>
-      </pc:sldChg>
       <pc:sldChg chg="delSp modSp add mod">
         <pc:chgData name="Lines, Todd" userId="afaf7c3a-e8aa-4568-882a-02ad8f9e19b0" providerId="ADAL" clId="{98D44E52-7238-4C18-B488-DABE61B489F8}" dt="2023-10-24T23:09:13.069" v="597" actId="20577"/>
         <pc:sldMkLst>
@@ -1955,6 +1948,21 @@
             <ac:cxnSpMk id="78" creationId="{8B96A118-115F-A808-66B4-9F4D6608E7C2}"/>
           </ac:cxnSpMkLst>
         </pc:cxnChg>
+      </pc:sldChg>
+      <pc:sldChg chg="modSp add del mod">
+        <pc:chgData name="Lines, Todd" userId="afaf7c3a-e8aa-4568-882a-02ad8f9e19b0" providerId="ADAL" clId="{98D44E52-7238-4C18-B488-DABE61B489F8}" dt="2023-10-24T22:42:52.352" v="13"/>
+        <pc:sldMkLst>
+          <pc:docMk/>
+          <pc:sldMk cId="808484976" sldId="741"/>
+        </pc:sldMkLst>
+        <pc:spChg chg="mod">
+          <ac:chgData name="Lines, Todd" userId="afaf7c3a-e8aa-4568-882a-02ad8f9e19b0" providerId="ADAL" clId="{98D44E52-7238-4C18-B488-DABE61B489F8}" dt="2023-10-24T22:42:52.352" v="13"/>
+          <ac:spMkLst>
+            <pc:docMk/>
+            <pc:sldMk cId="808484976" sldId="741"/>
+            <ac:spMk id="2402307" creationId="{00000000-0000-0000-0000-000000000000}"/>
+          </ac:spMkLst>
+        </pc:spChg>
       </pc:sldChg>
       <pc:sldChg chg="addSp modSp add mod chgLayout">
         <pc:chgData name="Lines, Todd" userId="afaf7c3a-e8aa-4568-882a-02ad8f9e19b0" providerId="ADAL" clId="{98D44E52-7238-4C18-B488-DABE61B489F8}" dt="2023-10-24T23:17:09.640" v="772" actId="20577"/>
@@ -8156,8 +8164,8 @@
           </a:p>
         </p:txBody>
       </p:sp>
-      <mc:AlternateContent xmlns:mc="http://schemas.openxmlformats.org/markup-compatibility/2006">
-        <mc:Choice xmlns:a14="http://schemas.microsoft.com/office/drawing/2010/main" Requires="a14">
+      <mc:AlternateContent xmlns:mc="http://schemas.openxmlformats.org/markup-compatibility/2006" xmlns:a14="http://schemas.microsoft.com/office/drawing/2010/main">
+        <mc:Choice Requires="a14">
           <p:sp>
             <p:nvSpPr>
               <p:cNvPr id="3" name="Content Placeholder 2">
@@ -8447,7 +8455,7 @@
             </p:txBody>
           </p:sp>
         </mc:Choice>
-        <mc:Fallback>
+        <mc:Fallback xmlns="">
           <p:sp>
             <p:nvSpPr>
               <p:cNvPr id="3" name="Content Placeholder 2">
@@ -11794,8 +11802,8 @@
           </a:p>
         </p:txBody>
       </p:sp>
-      <mc:AlternateContent xmlns:mc="http://schemas.openxmlformats.org/markup-compatibility/2006">
-        <mc:Choice xmlns:a14="http://schemas.microsoft.com/office/drawing/2010/main" Requires="a14">
+      <mc:AlternateContent xmlns:mc="http://schemas.openxmlformats.org/markup-compatibility/2006" xmlns:a14="http://schemas.microsoft.com/office/drawing/2010/main">
+        <mc:Choice Requires="a14">
           <p:sp>
             <p:nvSpPr>
               <p:cNvPr id="3" name="Content Placeholder 2">
@@ -12085,7 +12093,7 @@
             </p:txBody>
           </p:sp>
         </mc:Choice>
-        <mc:Fallback>
+        <mc:Fallback xmlns="">
           <p:sp>
             <p:nvSpPr>
               <p:cNvPr id="3" name="Content Placeholder 2">
@@ -24073,8 +24081,8 @@
           </a:p>
         </p:txBody>
       </p:sp>
-      <mc:AlternateContent xmlns:mc="http://schemas.openxmlformats.org/markup-compatibility/2006">
-        <mc:Choice xmlns:a14="http://schemas.microsoft.com/office/drawing/2010/main" Requires="a14">
+      <mc:AlternateContent xmlns:mc="http://schemas.openxmlformats.org/markup-compatibility/2006" xmlns:a14="http://schemas.microsoft.com/office/drawing/2010/main">
+        <mc:Choice Requires="a14">
           <p:sp>
             <p:nvSpPr>
               <p:cNvPr id="3" name="Content Placeholder 2">
@@ -24633,7 +24641,7 @@
             </p:txBody>
           </p:sp>
         </mc:Choice>
-        <mc:Fallback>
+        <mc:Fallback xmlns="">
           <p:sp>
             <p:nvSpPr>
               <p:cNvPr id="3" name="Content Placeholder 2">
@@ -45222,8 +45230,8 @@
           </a:p>
         </p:txBody>
       </p:sp>
-      <mc:AlternateContent xmlns:mc="http://schemas.openxmlformats.org/markup-compatibility/2006">
-        <mc:Choice xmlns:a14="http://schemas.microsoft.com/office/drawing/2010/main" Requires="a14">
+      <mc:AlternateContent xmlns:mc="http://schemas.openxmlformats.org/markup-compatibility/2006" xmlns:a14="http://schemas.microsoft.com/office/drawing/2010/main">
+        <mc:Choice Requires="a14">
           <p:sp>
             <p:nvSpPr>
               <p:cNvPr id="3" name="Content Placeholder 2">
@@ -45513,7 +45521,7 @@
             </p:txBody>
           </p:sp>
         </mc:Choice>
-        <mc:Fallback>
+        <mc:Fallback xmlns="">
           <p:sp>
             <p:nvSpPr>
               <p:cNvPr id="3" name="Content Placeholder 2">

--- a/Slides/PH223_Lecture_27.pptx
+++ b/Slides/PH223_Lecture_27.pptx
@@ -5,7 +5,7 @@
     <p:sldMasterId id="2147483653" r:id="rId1"/>
   </p:sldMasterIdLst>
   <p:notesMasterIdLst>
-    <p:notesMasterId r:id="rId41"/>
+    <p:notesMasterId r:id="rId42"/>
   </p:notesMasterIdLst>
   <p:sldIdLst>
     <p:sldId id="732" r:id="rId2"/>
@@ -21,32 +21,33 @@
     <p:sldId id="499" r:id="rId12"/>
     <p:sldId id="741" r:id="rId13"/>
     <p:sldId id="437" r:id="rId14"/>
-    <p:sldId id="734" r:id="rId15"/>
-    <p:sldId id="505" r:id="rId16"/>
-    <p:sldId id="506" r:id="rId17"/>
-    <p:sldId id="438" r:id="rId18"/>
-    <p:sldId id="507" r:id="rId19"/>
-    <p:sldId id="510" r:id="rId20"/>
-    <p:sldId id="439" r:id="rId21"/>
-    <p:sldId id="742" r:id="rId22"/>
-    <p:sldId id="500" r:id="rId23"/>
-    <p:sldId id="736" r:id="rId24"/>
-    <p:sldId id="508" r:id="rId25"/>
-    <p:sldId id="743" r:id="rId26"/>
-    <p:sldId id="744" r:id="rId27"/>
-    <p:sldId id="441" r:id="rId28"/>
-    <p:sldId id="442" r:id="rId29"/>
-    <p:sldId id="443" r:id="rId30"/>
-    <p:sldId id="444" r:id="rId31"/>
-    <p:sldId id="445" r:id="rId32"/>
-    <p:sldId id="509" r:id="rId33"/>
-    <p:sldId id="501" r:id="rId34"/>
-    <p:sldId id="745" r:id="rId35"/>
-    <p:sldId id="737" r:id="rId36"/>
-    <p:sldId id="746" r:id="rId37"/>
-    <p:sldId id="502" r:id="rId38"/>
-    <p:sldId id="504" r:id="rId39"/>
-    <p:sldId id="503" r:id="rId40"/>
+    <p:sldId id="747" r:id="rId15"/>
+    <p:sldId id="734" r:id="rId16"/>
+    <p:sldId id="505" r:id="rId17"/>
+    <p:sldId id="506" r:id="rId18"/>
+    <p:sldId id="438" r:id="rId19"/>
+    <p:sldId id="507" r:id="rId20"/>
+    <p:sldId id="510" r:id="rId21"/>
+    <p:sldId id="439" r:id="rId22"/>
+    <p:sldId id="742" r:id="rId23"/>
+    <p:sldId id="500" r:id="rId24"/>
+    <p:sldId id="736" r:id="rId25"/>
+    <p:sldId id="508" r:id="rId26"/>
+    <p:sldId id="743" r:id="rId27"/>
+    <p:sldId id="744" r:id="rId28"/>
+    <p:sldId id="441" r:id="rId29"/>
+    <p:sldId id="442" r:id="rId30"/>
+    <p:sldId id="443" r:id="rId31"/>
+    <p:sldId id="444" r:id="rId32"/>
+    <p:sldId id="445" r:id="rId33"/>
+    <p:sldId id="509" r:id="rId34"/>
+    <p:sldId id="501" r:id="rId35"/>
+    <p:sldId id="745" r:id="rId36"/>
+    <p:sldId id="737" r:id="rId37"/>
+    <p:sldId id="746" r:id="rId38"/>
+    <p:sldId id="502" r:id="rId39"/>
+    <p:sldId id="504" r:id="rId40"/>
+    <p:sldId id="503" r:id="rId41"/>
   </p:sldIdLst>
   <p:sldSz cx="9144000" cy="6858000" type="screen4x3"/>
   <p:notesSz cx="6858000" cy="9144000"/>
@@ -194,6 +195,14 @@
 </p:presentation>
 </file>
 
+<file path=ppt/revisionInfo.xml><?xml version="1.0" encoding="utf-8"?>
+<p1510:revInfo xmlns:a="http://schemas.openxmlformats.org/drawingml/2006/main" xmlns:r="http://schemas.openxmlformats.org/officeDocument/2006/relationships" xmlns:p1510="http://schemas.microsoft.com/office/powerpoint/2015/10/main">
+  <p1510:revLst>
+    <p1510:client id="{6C834937-053C-4B4E-BFF1-A81537BB7B9F}" v="1" dt="2024-06-05T16:15:51.429"/>
+  </p1510:revLst>
+</p1510:revInfo>
+</file>
+
 <file path=ppt/changesInfos/changesInfo1.xml><?xml version="1.0" encoding="utf-8"?>
 <pc:chgInfo xmlns:a="http://schemas.openxmlformats.org/drawingml/2006/main" xmlns:r="http://schemas.openxmlformats.org/officeDocument/2006/relationships" xmlns:ac="http://schemas.microsoft.com/office/drawing/2013/main/command" xmlns:pc="http://schemas.microsoft.com/office/powerpoint/2013/main/command">
   <pc:docChgLst>
@@ -209,6 +218,99 @@
           <pc:docMk/>
           <pc:sldMk cId="0" sldId="496"/>
         </pc:sldMkLst>
+      </pc:sldChg>
+    </pc:docChg>
+  </pc:docChgLst>
+  <pc:docChgLst>
+    <pc:chgData name="Lines, Todd" userId="afaf7c3a-e8aa-4568-882a-02ad8f9e19b0" providerId="ADAL" clId="{6C834937-053C-4B4E-BFF1-A81537BB7B9F}"/>
+    <pc:docChg chg="custSel addSld modSld">
+      <pc:chgData name="Lines, Todd" userId="afaf7c3a-e8aa-4568-882a-02ad8f9e19b0" providerId="ADAL" clId="{6C834937-053C-4B4E-BFF1-A81537BB7B9F}" dt="2024-06-05T16:16:40.475" v="85" actId="20577"/>
+      <pc:docMkLst>
+        <pc:docMk/>
+      </pc:docMkLst>
+      <pc:sldChg chg="modSp mod">
+        <pc:chgData name="Lines, Todd" userId="afaf7c3a-e8aa-4568-882a-02ad8f9e19b0" providerId="ADAL" clId="{6C834937-053C-4B4E-BFF1-A81537BB7B9F}" dt="2024-06-05T16:16:40.475" v="85" actId="20577"/>
+        <pc:sldMkLst>
+          <pc:docMk/>
+          <pc:sldMk cId="2632341857" sldId="510"/>
+        </pc:sldMkLst>
+        <pc:spChg chg="mod">
+          <ac:chgData name="Lines, Todd" userId="afaf7c3a-e8aa-4568-882a-02ad8f9e19b0" providerId="ADAL" clId="{6C834937-053C-4B4E-BFF1-A81537BB7B9F}" dt="2024-06-05T16:16:40.475" v="85" actId="20577"/>
+          <ac:spMkLst>
+            <pc:docMk/>
+            <pc:sldMk cId="2632341857" sldId="510"/>
+            <ac:spMk id="168963" creationId="{00000000-0000-0000-0000-000000000000}"/>
+          </ac:spMkLst>
+        </pc:spChg>
+      </pc:sldChg>
+      <pc:sldChg chg="modSp mod">
+        <pc:chgData name="Lines, Todd" userId="afaf7c3a-e8aa-4568-882a-02ad8f9e19b0" providerId="ADAL" clId="{6C834937-053C-4B4E-BFF1-A81537BB7B9F}" dt="2024-06-05T16:14:21.739" v="21" actId="404"/>
+        <pc:sldMkLst>
+          <pc:docMk/>
+          <pc:sldMk cId="3323069392" sldId="740"/>
+        </pc:sldMkLst>
+        <pc:spChg chg="mod">
+          <ac:chgData name="Lines, Todd" userId="afaf7c3a-e8aa-4568-882a-02ad8f9e19b0" providerId="ADAL" clId="{6C834937-053C-4B4E-BFF1-A81537BB7B9F}" dt="2024-06-05T16:14:21.739" v="21" actId="404"/>
+          <ac:spMkLst>
+            <pc:docMk/>
+            <pc:sldMk cId="3323069392" sldId="740"/>
+            <ac:spMk id="3" creationId="{2C3A4D7A-94B2-9930-B692-5ECBD5A1C747}"/>
+          </ac:spMkLst>
+        </pc:spChg>
+      </pc:sldChg>
+      <pc:sldChg chg="modSp mod">
+        <pc:chgData name="Lines, Todd" userId="afaf7c3a-e8aa-4568-882a-02ad8f9e19b0" providerId="ADAL" clId="{6C834937-053C-4B4E-BFF1-A81537BB7B9F}" dt="2024-06-05T16:14:14.107" v="19" actId="404"/>
+        <pc:sldMkLst>
+          <pc:docMk/>
+          <pc:sldMk cId="808484976" sldId="741"/>
+        </pc:sldMkLst>
+        <pc:spChg chg="mod">
+          <ac:chgData name="Lines, Todd" userId="afaf7c3a-e8aa-4568-882a-02ad8f9e19b0" providerId="ADAL" clId="{6C834937-053C-4B4E-BFF1-A81537BB7B9F}" dt="2024-06-05T16:14:14.107" v="19" actId="404"/>
+          <ac:spMkLst>
+            <pc:docMk/>
+            <pc:sldMk cId="808484976" sldId="741"/>
+            <ac:spMk id="3" creationId="{2C3A4D7A-94B2-9930-B692-5ECBD5A1C747}"/>
+          </ac:spMkLst>
+        </pc:spChg>
+      </pc:sldChg>
+      <pc:sldChg chg="addSp delSp modSp new mod modClrScheme chgLayout">
+        <pc:chgData name="Lines, Todd" userId="afaf7c3a-e8aa-4568-882a-02ad8f9e19b0" providerId="ADAL" clId="{6C834937-053C-4B4E-BFF1-A81537BB7B9F}" dt="2024-06-05T16:15:07.175" v="49" actId="20577"/>
+        <pc:sldMkLst>
+          <pc:docMk/>
+          <pc:sldMk cId="4265386314" sldId="747"/>
+        </pc:sldMkLst>
+        <pc:spChg chg="del mod ord">
+          <ac:chgData name="Lines, Todd" userId="afaf7c3a-e8aa-4568-882a-02ad8f9e19b0" providerId="ADAL" clId="{6C834937-053C-4B4E-BFF1-A81537BB7B9F}" dt="2024-06-05T16:14:55.766" v="23" actId="700"/>
+          <ac:spMkLst>
+            <pc:docMk/>
+            <pc:sldMk cId="4265386314" sldId="747"/>
+            <ac:spMk id="2" creationId="{ECB5E4AE-EA81-F608-0DCA-C7737437A0B6}"/>
+          </ac:spMkLst>
+        </pc:spChg>
+        <pc:spChg chg="del mod ord">
+          <ac:chgData name="Lines, Todd" userId="afaf7c3a-e8aa-4568-882a-02ad8f9e19b0" providerId="ADAL" clId="{6C834937-053C-4B4E-BFF1-A81537BB7B9F}" dt="2024-06-05T16:14:55.766" v="23" actId="700"/>
+          <ac:spMkLst>
+            <pc:docMk/>
+            <pc:sldMk cId="4265386314" sldId="747"/>
+            <ac:spMk id="3" creationId="{2F01BC83-BC8B-9589-BD15-6070B21C7A89}"/>
+          </ac:spMkLst>
+        </pc:spChg>
+        <pc:spChg chg="add mod ord">
+          <ac:chgData name="Lines, Todd" userId="afaf7c3a-e8aa-4568-882a-02ad8f9e19b0" providerId="ADAL" clId="{6C834937-053C-4B4E-BFF1-A81537BB7B9F}" dt="2024-06-05T16:15:07.175" v="49" actId="20577"/>
+          <ac:spMkLst>
+            <pc:docMk/>
+            <pc:sldMk cId="4265386314" sldId="747"/>
+            <ac:spMk id="4" creationId="{FE8FCA8D-F239-B8E2-E6DA-C7226B220FD9}"/>
+          </ac:spMkLst>
+        </pc:spChg>
+        <pc:spChg chg="add mod ord">
+          <ac:chgData name="Lines, Todd" userId="afaf7c3a-e8aa-4568-882a-02ad8f9e19b0" providerId="ADAL" clId="{6C834937-053C-4B4E-BFF1-A81537BB7B9F}" dt="2024-06-05T16:14:55.766" v="23" actId="700"/>
+          <ac:spMkLst>
+            <pc:docMk/>
+            <pc:sldMk cId="4265386314" sldId="747"/>
+            <ac:spMk id="5" creationId="{AC09E6C5-0623-3AF4-EF12-70F64E747772}"/>
+          </ac:spMkLst>
+        </pc:spChg>
       </pc:sldChg>
     </pc:docChg>
   </pc:docChgLst>
@@ -620,8 +722,8 @@
           </ac:spMkLst>
         </pc:spChg>
       </pc:sldChg>
-      <pc:sldChg chg="addSp delSp modSp add mod">
-        <pc:chgData name="Lines, Todd" userId="afaf7c3a-e8aa-4568-882a-02ad8f9e19b0" providerId="ADAL" clId="{98D44E52-7238-4C18-B488-DABE61B489F8}" dt="2023-10-24T22:58:54.951" v="414" actId="20577"/>
+      <pc:sldChg chg="add del">
+        <pc:chgData name="Lines, Todd" userId="afaf7c3a-e8aa-4568-882a-02ad8f9e19b0" providerId="ADAL" clId="{98D44E52-7238-4C18-B488-DABE61B489F8}" dt="2023-10-24T22:42:52.352" v="13"/>
         <pc:sldMkLst>
           <pc:docMk/>
           <pc:sldMk cId="3048959145" sldId="738"/>
@@ -757,13 +859,6 @@
       </pc:sldChg>
       <pc:sldChg chg="add del">
         <pc:chgData name="Lines, Todd" userId="afaf7c3a-e8aa-4568-882a-02ad8f9e19b0" providerId="ADAL" clId="{98D44E52-7238-4C18-B488-DABE61B489F8}" dt="2023-10-24T22:42:52.352" v="13"/>
-        <pc:sldMkLst>
-          <pc:docMk/>
-          <pc:sldMk cId="3048959145" sldId="738"/>
-        </pc:sldMkLst>
-      </pc:sldChg>
-      <pc:sldChg chg="addSp delSp modSp new mod">
-        <pc:chgData name="Lines, Todd" userId="afaf7c3a-e8aa-4568-882a-02ad8f9e19b0" providerId="ADAL" clId="{98D44E52-7238-4C18-B488-DABE61B489F8}" dt="2023-10-24T23:05:09.247" v="546" actId="1076"/>
         <pc:sldMkLst>
           <pc:docMk/>
           <pc:sldMk cId="2992101028" sldId="739"/>
@@ -1112,20 +1207,6 @@
             <ac:cxnSpMk id="42" creationId="{0A5ACB37-9916-6CD2-CB44-F17D7FBC4302}"/>
           </ac:cxnSpMkLst>
         </pc:cxnChg>
-      </pc:sldChg>
-      <pc:sldChg chg="add del">
-        <pc:chgData name="Lines, Todd" userId="afaf7c3a-e8aa-4568-882a-02ad8f9e19b0" providerId="ADAL" clId="{98D44E52-7238-4C18-B488-DABE61B489F8}" dt="2023-10-24T22:42:52.352" v="13"/>
-        <pc:sldMkLst>
-          <pc:docMk/>
-          <pc:sldMk cId="2992101028" sldId="739"/>
-        </pc:sldMkLst>
-      </pc:sldChg>
-      <pc:sldChg chg="add del">
-        <pc:chgData name="Lines, Todd" userId="afaf7c3a-e8aa-4568-882a-02ad8f9e19b0" providerId="ADAL" clId="{98D44E52-7238-4C18-B488-DABE61B489F8}" dt="2023-10-24T22:42:52.352" v="13"/>
-        <pc:sldMkLst>
-          <pc:docMk/>
-          <pc:sldMk cId="3323069392" sldId="740"/>
-        </pc:sldMkLst>
       </pc:sldChg>
       <pc:sldChg chg="addSp delSp modSp add mod">
         <pc:chgData name="Lines, Todd" userId="afaf7c3a-e8aa-4568-882a-02ad8f9e19b0" providerId="ADAL" clId="{98D44E52-7238-4C18-B488-DABE61B489F8}" dt="2023-10-24T23:09:05.305" v="591" actId="20577"/>
@@ -1542,8 +1623,8 @@
           </ac:cxnSpMkLst>
         </pc:cxnChg>
       </pc:sldChg>
-      <pc:sldChg chg="delSp modSp add mod">
-        <pc:chgData name="Lines, Todd" userId="afaf7c3a-e8aa-4568-882a-02ad8f9e19b0" providerId="ADAL" clId="{98D44E52-7238-4C18-B488-DABE61B489F8}" dt="2023-10-24T23:09:13.069" v="597" actId="20577"/>
+      <pc:sldChg chg="modSp add del mod">
+        <pc:chgData name="Lines, Todd" userId="afaf7c3a-e8aa-4568-882a-02ad8f9e19b0" providerId="ADAL" clId="{98D44E52-7238-4C18-B488-DABE61B489F8}" dt="2023-10-24T22:42:52.352" v="13"/>
         <pc:sldMkLst>
           <pc:docMk/>
           <pc:sldMk cId="808484976" sldId="741"/>
@@ -1602,6 +1683,14 @@
             <pc:docMk/>
             <pc:sldMk cId="808484976" sldId="741"/>
             <ac:spMk id="62" creationId="{C2A03138-B997-A462-C7CD-4246BC29EA8F}"/>
+          </ac:spMkLst>
+        </pc:spChg>
+        <pc:spChg chg="mod">
+          <ac:chgData name="Lines, Todd" userId="afaf7c3a-e8aa-4568-882a-02ad8f9e19b0" providerId="ADAL" clId="{98D44E52-7238-4C18-B488-DABE61B489F8}" dt="2023-10-24T22:42:52.352" v="13"/>
+          <ac:spMkLst>
+            <pc:docMk/>
+            <pc:sldMk cId="808484976" sldId="741"/>
+            <ac:spMk id="2402307" creationId="{00000000-0000-0000-0000-000000000000}"/>
           </ac:spMkLst>
         </pc:spChg>
         <pc:grpChg chg="del">
@@ -1948,21 +2037,6 @@
             <ac:cxnSpMk id="78" creationId="{8B96A118-115F-A808-66B4-9F4D6608E7C2}"/>
           </ac:cxnSpMkLst>
         </pc:cxnChg>
-      </pc:sldChg>
-      <pc:sldChg chg="modSp add del mod">
-        <pc:chgData name="Lines, Todd" userId="afaf7c3a-e8aa-4568-882a-02ad8f9e19b0" providerId="ADAL" clId="{98D44E52-7238-4C18-B488-DABE61B489F8}" dt="2023-10-24T22:42:52.352" v="13"/>
-        <pc:sldMkLst>
-          <pc:docMk/>
-          <pc:sldMk cId="808484976" sldId="741"/>
-        </pc:sldMkLst>
-        <pc:spChg chg="mod">
-          <ac:chgData name="Lines, Todd" userId="afaf7c3a-e8aa-4568-882a-02ad8f9e19b0" providerId="ADAL" clId="{98D44E52-7238-4C18-B488-DABE61B489F8}" dt="2023-10-24T22:42:52.352" v="13"/>
-          <ac:spMkLst>
-            <pc:docMk/>
-            <pc:sldMk cId="808484976" sldId="741"/>
-            <ac:spMk id="2402307" creationId="{00000000-0000-0000-0000-000000000000}"/>
-          </ac:spMkLst>
-        </pc:spChg>
       </pc:sldChg>
       <pc:sldChg chg="addSp modSp add mod chgLayout">
         <pc:chgData name="Lines, Todd" userId="afaf7c3a-e8aa-4568-882a-02ad8f9e19b0" providerId="ADAL" clId="{98D44E52-7238-4C18-B488-DABE61B489F8}" dt="2023-10-24T23:17:09.640" v="772" actId="20577"/>
@@ -8164,8 +8238,8 @@
           </a:p>
         </p:txBody>
       </p:sp>
-      <mc:AlternateContent xmlns:mc="http://schemas.openxmlformats.org/markup-compatibility/2006" xmlns:a14="http://schemas.microsoft.com/office/drawing/2010/main">
-        <mc:Choice Requires="a14">
+      <mc:AlternateContent xmlns:mc="http://schemas.openxmlformats.org/markup-compatibility/2006">
+        <mc:Choice xmlns:a14="http://schemas.microsoft.com/office/drawing/2010/main" Requires="a14">
           <p:sp>
             <p:nvSpPr>
               <p:cNvPr id="3" name="Content Placeholder 2">
@@ -8184,7 +8258,7 @@
             </p:nvSpPr>
             <p:spPr>
               <a:xfrm>
-                <a:off x="457200" y="1186924"/>
+                <a:off x="457200" y="1047448"/>
                 <a:ext cx="8229600" cy="5250975"/>
               </a:xfrm>
             </p:spPr>
@@ -8196,7 +8270,7 @@
                   <a:buNone/>
                 </a:pPr>
                 <a:r>
-                  <a:rPr lang="en-US" dirty="0"/>
+                  <a:rPr lang="en-US" sz="2800" dirty="0"/>
                   <a:t>We have two equal charges inside a Gaussian surface. What is the net flux?</a:t>
                 </a:r>
               </a:p>
@@ -8210,14 +8284,14 @@
                     <m:f>
                       <m:fPr>
                         <m:ctrlPr>
-                          <a:rPr lang="en-US" i="1" smtClean="0">
+                          <a:rPr lang="en-US" sz="2800" i="1" smtClean="0">
                             <a:latin typeface="Cambria Math" panose="02040503050406030204" pitchFamily="18" charset="0"/>
                           </a:rPr>
                         </m:ctrlPr>
                       </m:fPr>
                       <m:num>
                         <m:r>
-                          <a:rPr lang="en-US" b="0" i="1" smtClean="0">
+                          <a:rPr lang="en-US" sz="2800" b="0" i="1" smtClean="0">
                             <a:latin typeface="Cambria Math" panose="02040503050406030204" pitchFamily="18" charset="0"/>
                           </a:rPr>
                           <m:t>𝑄</m:t>
@@ -8227,14 +8301,14 @@
                         <m:sSub>
                           <m:sSubPr>
                             <m:ctrlPr>
-                              <a:rPr lang="en-US" i="1" smtClean="0">
+                              <a:rPr lang="en-US" sz="2800" i="1" smtClean="0">
                                 <a:latin typeface="Cambria Math" panose="02040503050406030204" pitchFamily="18" charset="0"/>
                               </a:rPr>
                             </m:ctrlPr>
                           </m:sSubPr>
                           <m:e>
                             <m:r>
-                              <a:rPr lang="en-US" i="1" smtClean="0">
+                              <a:rPr lang="en-US" sz="2800" i="1" smtClean="0">
                                 <a:latin typeface="Cambria Math" panose="02040503050406030204" pitchFamily="18" charset="0"/>
                                 <a:ea typeface="Cambria Math" panose="02040503050406030204" pitchFamily="18" charset="0"/>
                               </a:rPr>
@@ -8243,7 +8317,7 @@
                           </m:e>
                           <m:sub>
                             <m:r>
-                              <a:rPr lang="en-US" b="0" i="1" smtClean="0">
+                              <a:rPr lang="en-US" sz="2800" b="0" i="1" smtClean="0">
                                 <a:latin typeface="Cambria Math" panose="02040503050406030204" pitchFamily="18" charset="0"/>
                               </a:rPr>
                               <m:t>𝑜</m:t>
@@ -8254,7 +8328,7 @@
                     </m:f>
                   </m:oMath>
                 </a14:m>
-                <a:endParaRPr lang="en-US" dirty="0"/>
+                <a:endParaRPr lang="en-US" sz="2800" dirty="0"/>
               </a:p>
               <a:p>
                 <a:pPr marL="514350" indent="-514350">
@@ -8264,7 +8338,7 @@
                 <a14:m>
                   <m:oMath xmlns:m="http://schemas.openxmlformats.org/officeDocument/2006/math">
                     <m:r>
-                      <a:rPr lang="en-US" b="0" i="1" smtClean="0">
+                      <a:rPr lang="en-US" sz="2800" b="0" i="1" smtClean="0">
                         <a:latin typeface="Cambria Math" panose="02040503050406030204" pitchFamily="18" charset="0"/>
                       </a:rPr>
                       <m:t>−</m:t>
@@ -8272,14 +8346,14 @@
                     <m:f>
                       <m:fPr>
                         <m:ctrlPr>
-                          <a:rPr lang="en-US" i="1" smtClean="0">
+                          <a:rPr lang="en-US" sz="2800" i="1" smtClean="0">
                             <a:latin typeface="Cambria Math" panose="02040503050406030204" pitchFamily="18" charset="0"/>
                           </a:rPr>
                         </m:ctrlPr>
                       </m:fPr>
                       <m:num>
                         <m:r>
-                          <a:rPr lang="en-US" b="0" i="1" smtClean="0">
+                          <a:rPr lang="en-US" sz="2800" b="0" i="1" smtClean="0">
                             <a:latin typeface="Cambria Math" panose="02040503050406030204" pitchFamily="18" charset="0"/>
                           </a:rPr>
                           <m:t>𝑄</m:t>
@@ -8289,14 +8363,14 @@
                         <m:sSub>
                           <m:sSubPr>
                             <m:ctrlPr>
-                              <a:rPr lang="en-US" i="1" smtClean="0">
+                              <a:rPr lang="en-US" sz="2800" i="1" smtClean="0">
                                 <a:latin typeface="Cambria Math" panose="02040503050406030204" pitchFamily="18" charset="0"/>
                               </a:rPr>
                             </m:ctrlPr>
                           </m:sSubPr>
                           <m:e>
                             <m:r>
-                              <a:rPr lang="en-US" i="1" smtClean="0">
+                              <a:rPr lang="en-US" sz="2800" i="1" smtClean="0">
                                 <a:latin typeface="Cambria Math" panose="02040503050406030204" pitchFamily="18" charset="0"/>
                                 <a:ea typeface="Cambria Math" panose="02040503050406030204" pitchFamily="18" charset="0"/>
                               </a:rPr>
@@ -8305,7 +8379,7 @@
                           </m:e>
                           <m:sub>
                             <m:r>
-                              <a:rPr lang="en-US" b="0" i="1" smtClean="0">
+                              <a:rPr lang="en-US" sz="2800" b="0" i="1" smtClean="0">
                                 <a:latin typeface="Cambria Math" panose="02040503050406030204" pitchFamily="18" charset="0"/>
                               </a:rPr>
                               <m:t>𝑜</m:t>
@@ -8316,7 +8390,7 @@
                     </m:f>
                   </m:oMath>
                 </a14:m>
-                <a:endParaRPr lang="en-US" dirty="0"/>
+                <a:endParaRPr lang="en-US" sz="2800" dirty="0"/>
               </a:p>
               <a:p>
                 <a:pPr marL="514350" indent="-514350">
@@ -8326,7 +8400,7 @@
                 <a14:m>
                   <m:oMath xmlns:m="http://schemas.openxmlformats.org/officeDocument/2006/math">
                     <m:r>
-                      <a:rPr lang="en-US" b="0" i="1" smtClean="0">
+                      <a:rPr lang="en-US" sz="2800" b="0" i="1" smtClean="0">
                         <a:latin typeface="Cambria Math" panose="02040503050406030204" pitchFamily="18" charset="0"/>
                       </a:rPr>
                       <m:t>2</m:t>
@@ -8334,14 +8408,14 @@
                     <m:f>
                       <m:fPr>
                         <m:ctrlPr>
-                          <a:rPr lang="en-US" i="1" smtClean="0">
+                          <a:rPr lang="en-US" sz="2800" i="1" smtClean="0">
                             <a:latin typeface="Cambria Math" panose="02040503050406030204" pitchFamily="18" charset="0"/>
                           </a:rPr>
                         </m:ctrlPr>
                       </m:fPr>
                       <m:num>
                         <m:r>
-                          <a:rPr lang="en-US" b="0" i="1" smtClean="0">
+                          <a:rPr lang="en-US" sz="2800" b="0" i="1" smtClean="0">
                             <a:latin typeface="Cambria Math" panose="02040503050406030204" pitchFamily="18" charset="0"/>
                           </a:rPr>
                           <m:t>𝑄</m:t>
@@ -8351,14 +8425,14 @@
                         <m:sSub>
                           <m:sSubPr>
                             <m:ctrlPr>
-                              <a:rPr lang="en-US" i="1" smtClean="0">
+                              <a:rPr lang="en-US" sz="2800" i="1" smtClean="0">
                                 <a:latin typeface="Cambria Math" panose="02040503050406030204" pitchFamily="18" charset="0"/>
                               </a:rPr>
                             </m:ctrlPr>
                           </m:sSubPr>
                           <m:e>
                             <m:r>
-                              <a:rPr lang="en-US" i="1" smtClean="0">
+                              <a:rPr lang="en-US" sz="2800" i="1" smtClean="0">
                                 <a:latin typeface="Cambria Math" panose="02040503050406030204" pitchFamily="18" charset="0"/>
                                 <a:ea typeface="Cambria Math" panose="02040503050406030204" pitchFamily="18" charset="0"/>
                               </a:rPr>
@@ -8367,7 +8441,7 @@
                           </m:e>
                           <m:sub>
                             <m:r>
-                              <a:rPr lang="en-US" b="0" i="1" smtClean="0">
+                              <a:rPr lang="en-US" sz="2800" b="0" i="1" smtClean="0">
                                 <a:latin typeface="Cambria Math" panose="02040503050406030204" pitchFamily="18" charset="0"/>
                               </a:rPr>
                               <m:t>𝑜</m:t>
@@ -8378,7 +8452,7 @@
                     </m:f>
                   </m:oMath>
                 </a14:m>
-                <a:endParaRPr lang="en-US" dirty="0"/>
+                <a:endParaRPr lang="en-US" sz="2800" dirty="0"/>
               </a:p>
               <a:p>
                 <a:pPr marL="514350" indent="-514350">
@@ -8388,7 +8462,7 @@
                 <a14:m>
                   <m:oMath xmlns:m="http://schemas.openxmlformats.org/officeDocument/2006/math">
                     <m:r>
-                      <a:rPr lang="en-US" b="0" i="1" smtClean="0">
+                      <a:rPr lang="en-US" sz="2800" b="0" i="1" smtClean="0">
                         <a:latin typeface="Cambria Math" panose="02040503050406030204" pitchFamily="18" charset="0"/>
                       </a:rPr>
                       <m:t>−2</m:t>
@@ -8396,14 +8470,14 @@
                     <m:f>
                       <m:fPr>
                         <m:ctrlPr>
-                          <a:rPr lang="en-US" i="1" smtClean="0">
+                          <a:rPr lang="en-US" sz="2800" i="1" smtClean="0">
                             <a:latin typeface="Cambria Math" panose="02040503050406030204" pitchFamily="18" charset="0"/>
                           </a:rPr>
                         </m:ctrlPr>
                       </m:fPr>
                       <m:num>
                         <m:r>
-                          <a:rPr lang="en-US" b="0" i="1" smtClean="0">
+                          <a:rPr lang="en-US" sz="2800" b="0" i="1" smtClean="0">
                             <a:latin typeface="Cambria Math" panose="02040503050406030204" pitchFamily="18" charset="0"/>
                           </a:rPr>
                           <m:t>𝑄</m:t>
@@ -8413,14 +8487,14 @@
                         <m:sSub>
                           <m:sSubPr>
                             <m:ctrlPr>
-                              <a:rPr lang="en-US" i="1" smtClean="0">
+                              <a:rPr lang="en-US" sz="2800" i="1" smtClean="0">
                                 <a:latin typeface="Cambria Math" panose="02040503050406030204" pitchFamily="18" charset="0"/>
                               </a:rPr>
                             </m:ctrlPr>
                           </m:sSubPr>
                           <m:e>
                             <m:r>
-                              <a:rPr lang="en-US" i="1" smtClean="0">
+                              <a:rPr lang="en-US" sz="2800" i="1" smtClean="0">
                                 <a:latin typeface="Cambria Math" panose="02040503050406030204" pitchFamily="18" charset="0"/>
                                 <a:ea typeface="Cambria Math" panose="02040503050406030204" pitchFamily="18" charset="0"/>
                               </a:rPr>
@@ -8429,7 +8503,7 @@
                           </m:e>
                           <m:sub>
                             <m:r>
-                              <a:rPr lang="en-US" b="0" i="1" smtClean="0">
+                              <a:rPr lang="en-US" sz="2800" b="0" i="1" smtClean="0">
                                 <a:latin typeface="Cambria Math" panose="02040503050406030204" pitchFamily="18" charset="0"/>
                               </a:rPr>
                               <m:t>𝑜</m:t>
@@ -8440,7 +8514,7 @@
                     </m:f>
                   </m:oMath>
                 </a14:m>
-                <a:endParaRPr lang="en-US" dirty="0"/>
+                <a:endParaRPr lang="en-US" sz="2800" dirty="0"/>
               </a:p>
               <a:p>
                 <a:pPr marL="514350" indent="-514350">
@@ -8448,14 +8522,14 @@
                   <a:buAutoNum type="alphaLcParenR"/>
                 </a:pPr>
                 <a:r>
-                  <a:rPr lang="en-US" dirty="0"/>
+                  <a:rPr lang="en-US" sz="2800" dirty="0"/>
                   <a:t>0</a:t>
                 </a:r>
               </a:p>
             </p:txBody>
           </p:sp>
         </mc:Choice>
-        <mc:Fallback xmlns="">
+        <mc:Fallback>
           <p:sp>
             <p:nvSpPr>
               <p:cNvPr id="3" name="Content Placeholder 2">
@@ -8474,13 +8548,13 @@
             </p:nvSpPr>
             <p:spPr>
               <a:xfrm>
-                <a:off x="457200" y="1186924"/>
+                <a:off x="457200" y="1047448"/>
                 <a:ext cx="8229600" cy="5250975"/>
               </a:xfrm>
               <a:blipFill>
                 <a:blip r:embed="rId2"/>
                 <a:stretch>
-                  <a:fillRect l="-1852" t="-1510" b="-4413"/>
+                  <a:fillRect l="-1481" t="-1278"/>
                 </a:stretch>
               </a:blipFill>
             </p:spPr>
@@ -11802,8 +11876,8 @@
           </a:p>
         </p:txBody>
       </p:sp>
-      <mc:AlternateContent xmlns:mc="http://schemas.openxmlformats.org/markup-compatibility/2006" xmlns:a14="http://schemas.microsoft.com/office/drawing/2010/main">
-        <mc:Choice Requires="a14">
+      <mc:AlternateContent xmlns:mc="http://schemas.openxmlformats.org/markup-compatibility/2006">
+        <mc:Choice xmlns:a14="http://schemas.microsoft.com/office/drawing/2010/main" Requires="a14">
           <p:sp>
             <p:nvSpPr>
               <p:cNvPr id="3" name="Content Placeholder 2">
@@ -11822,7 +11896,7 @@
             </p:nvSpPr>
             <p:spPr>
               <a:xfrm>
-                <a:off x="457200" y="1186924"/>
+                <a:off x="442088" y="952599"/>
                 <a:ext cx="8229600" cy="5250975"/>
               </a:xfrm>
             </p:spPr>
@@ -11834,8 +11908,8 @@
                   <a:buNone/>
                 </a:pPr>
                 <a:r>
-                  <a:rPr lang="en-US" dirty="0"/>
-                  <a:t>We have two equal charges inside a Gaussian surface. What is the net flux?</a:t>
+                  <a:rPr lang="en-US" sz="2800" dirty="0"/>
+                  <a:t>We have two equal but opposite sign charges inside a Gaussian surface. What is the net flux?</a:t>
                 </a:r>
               </a:p>
               <a:p>
@@ -11848,14 +11922,14 @@
                     <m:f>
                       <m:fPr>
                         <m:ctrlPr>
-                          <a:rPr lang="en-US" i="1" smtClean="0">
+                          <a:rPr lang="en-US" sz="2800" i="1" smtClean="0">
                             <a:latin typeface="Cambria Math" panose="02040503050406030204" pitchFamily="18" charset="0"/>
                           </a:rPr>
                         </m:ctrlPr>
                       </m:fPr>
                       <m:num>
                         <m:r>
-                          <a:rPr lang="en-US" b="0" i="1" smtClean="0">
+                          <a:rPr lang="en-US" sz="2800" b="0" i="1" smtClean="0">
                             <a:latin typeface="Cambria Math" panose="02040503050406030204" pitchFamily="18" charset="0"/>
                           </a:rPr>
                           <m:t>𝑄</m:t>
@@ -11865,14 +11939,14 @@
                         <m:sSub>
                           <m:sSubPr>
                             <m:ctrlPr>
-                              <a:rPr lang="en-US" i="1" smtClean="0">
+                              <a:rPr lang="en-US" sz="2800" i="1" smtClean="0">
                                 <a:latin typeface="Cambria Math" panose="02040503050406030204" pitchFamily="18" charset="0"/>
                               </a:rPr>
                             </m:ctrlPr>
                           </m:sSubPr>
                           <m:e>
                             <m:r>
-                              <a:rPr lang="en-US" i="1" smtClean="0">
+                              <a:rPr lang="en-US" sz="2800" i="1" smtClean="0">
                                 <a:latin typeface="Cambria Math" panose="02040503050406030204" pitchFamily="18" charset="0"/>
                                 <a:ea typeface="Cambria Math" panose="02040503050406030204" pitchFamily="18" charset="0"/>
                               </a:rPr>
@@ -11881,7 +11955,7 @@
                           </m:e>
                           <m:sub>
                             <m:r>
-                              <a:rPr lang="en-US" b="0" i="1" smtClean="0">
+                              <a:rPr lang="en-US" sz="2800" b="0" i="1" smtClean="0">
                                 <a:latin typeface="Cambria Math" panose="02040503050406030204" pitchFamily="18" charset="0"/>
                               </a:rPr>
                               <m:t>𝑜</m:t>
@@ -11892,7 +11966,7 @@
                     </m:f>
                   </m:oMath>
                 </a14:m>
-                <a:endParaRPr lang="en-US" dirty="0"/>
+                <a:endParaRPr lang="en-US" sz="2800" dirty="0"/>
               </a:p>
               <a:p>
                 <a:pPr marL="514350" indent="-514350">
@@ -11902,7 +11976,7 @@
                 <a14:m>
                   <m:oMath xmlns:m="http://schemas.openxmlformats.org/officeDocument/2006/math">
                     <m:r>
-                      <a:rPr lang="en-US" b="0" i="1" smtClean="0">
+                      <a:rPr lang="en-US" sz="2800" b="0" i="1" smtClean="0">
                         <a:latin typeface="Cambria Math" panose="02040503050406030204" pitchFamily="18" charset="0"/>
                       </a:rPr>
                       <m:t>−</m:t>
@@ -11910,14 +11984,14 @@
                     <m:f>
                       <m:fPr>
                         <m:ctrlPr>
-                          <a:rPr lang="en-US" i="1" smtClean="0">
+                          <a:rPr lang="en-US" sz="2800" i="1" smtClean="0">
                             <a:latin typeface="Cambria Math" panose="02040503050406030204" pitchFamily="18" charset="0"/>
                           </a:rPr>
                         </m:ctrlPr>
                       </m:fPr>
                       <m:num>
                         <m:r>
-                          <a:rPr lang="en-US" b="0" i="1" smtClean="0">
+                          <a:rPr lang="en-US" sz="2800" b="0" i="1" smtClean="0">
                             <a:latin typeface="Cambria Math" panose="02040503050406030204" pitchFamily="18" charset="0"/>
                           </a:rPr>
                           <m:t>𝑄</m:t>
@@ -11927,14 +12001,14 @@
                         <m:sSub>
                           <m:sSubPr>
                             <m:ctrlPr>
-                              <a:rPr lang="en-US" i="1" smtClean="0">
+                              <a:rPr lang="en-US" sz="2800" i="1" smtClean="0">
                                 <a:latin typeface="Cambria Math" panose="02040503050406030204" pitchFamily="18" charset="0"/>
                               </a:rPr>
                             </m:ctrlPr>
                           </m:sSubPr>
                           <m:e>
                             <m:r>
-                              <a:rPr lang="en-US" i="1" smtClean="0">
+                              <a:rPr lang="en-US" sz="2800" i="1" smtClean="0">
                                 <a:latin typeface="Cambria Math" panose="02040503050406030204" pitchFamily="18" charset="0"/>
                                 <a:ea typeface="Cambria Math" panose="02040503050406030204" pitchFamily="18" charset="0"/>
                               </a:rPr>
@@ -11943,7 +12017,7 @@
                           </m:e>
                           <m:sub>
                             <m:r>
-                              <a:rPr lang="en-US" b="0" i="1" smtClean="0">
+                              <a:rPr lang="en-US" sz="2800" b="0" i="1" smtClean="0">
                                 <a:latin typeface="Cambria Math" panose="02040503050406030204" pitchFamily="18" charset="0"/>
                               </a:rPr>
                               <m:t>𝑜</m:t>
@@ -11954,7 +12028,7 @@
                     </m:f>
                   </m:oMath>
                 </a14:m>
-                <a:endParaRPr lang="en-US" dirty="0"/>
+                <a:endParaRPr lang="en-US" sz="2800" dirty="0"/>
               </a:p>
               <a:p>
                 <a:pPr marL="514350" indent="-514350">
@@ -11964,7 +12038,7 @@
                 <a14:m>
                   <m:oMath xmlns:m="http://schemas.openxmlformats.org/officeDocument/2006/math">
                     <m:r>
-                      <a:rPr lang="en-US" b="0" i="1" smtClean="0">
+                      <a:rPr lang="en-US" sz="2800" b="0" i="1" smtClean="0">
                         <a:latin typeface="Cambria Math" panose="02040503050406030204" pitchFamily="18" charset="0"/>
                       </a:rPr>
                       <m:t>2</m:t>
@@ -11972,14 +12046,14 @@
                     <m:f>
                       <m:fPr>
                         <m:ctrlPr>
-                          <a:rPr lang="en-US" i="1" smtClean="0">
+                          <a:rPr lang="en-US" sz="2800" i="1" smtClean="0">
                             <a:latin typeface="Cambria Math" panose="02040503050406030204" pitchFamily="18" charset="0"/>
                           </a:rPr>
                         </m:ctrlPr>
                       </m:fPr>
                       <m:num>
                         <m:r>
-                          <a:rPr lang="en-US" b="0" i="1" smtClean="0">
+                          <a:rPr lang="en-US" sz="2800" b="0" i="1" smtClean="0">
                             <a:latin typeface="Cambria Math" panose="02040503050406030204" pitchFamily="18" charset="0"/>
                           </a:rPr>
                           <m:t>𝑄</m:t>
@@ -11989,14 +12063,14 @@
                         <m:sSub>
                           <m:sSubPr>
                             <m:ctrlPr>
-                              <a:rPr lang="en-US" i="1" smtClean="0">
+                              <a:rPr lang="en-US" sz="2800" i="1" smtClean="0">
                                 <a:latin typeface="Cambria Math" panose="02040503050406030204" pitchFamily="18" charset="0"/>
                               </a:rPr>
                             </m:ctrlPr>
                           </m:sSubPr>
                           <m:e>
                             <m:r>
-                              <a:rPr lang="en-US" i="1" smtClean="0">
+                              <a:rPr lang="en-US" sz="2800" i="1" smtClean="0">
                                 <a:latin typeface="Cambria Math" panose="02040503050406030204" pitchFamily="18" charset="0"/>
                                 <a:ea typeface="Cambria Math" panose="02040503050406030204" pitchFamily="18" charset="0"/>
                               </a:rPr>
@@ -12005,7 +12079,7 @@
                           </m:e>
                           <m:sub>
                             <m:r>
-                              <a:rPr lang="en-US" b="0" i="1" smtClean="0">
+                              <a:rPr lang="en-US" sz="2800" b="0" i="1" smtClean="0">
                                 <a:latin typeface="Cambria Math" panose="02040503050406030204" pitchFamily="18" charset="0"/>
                               </a:rPr>
                               <m:t>𝑜</m:t>
@@ -12016,7 +12090,7 @@
                     </m:f>
                   </m:oMath>
                 </a14:m>
-                <a:endParaRPr lang="en-US" dirty="0"/>
+                <a:endParaRPr lang="en-US" sz="2800" dirty="0"/>
               </a:p>
               <a:p>
                 <a:pPr marL="514350" indent="-514350">
@@ -12026,7 +12100,7 @@
                 <a14:m>
                   <m:oMath xmlns:m="http://schemas.openxmlformats.org/officeDocument/2006/math">
                     <m:r>
-                      <a:rPr lang="en-US" b="0" i="1" smtClean="0">
+                      <a:rPr lang="en-US" sz="2800" b="0" i="1" smtClean="0">
                         <a:latin typeface="Cambria Math" panose="02040503050406030204" pitchFamily="18" charset="0"/>
                       </a:rPr>
                       <m:t>−2</m:t>
@@ -12034,14 +12108,14 @@
                     <m:f>
                       <m:fPr>
                         <m:ctrlPr>
-                          <a:rPr lang="en-US" i="1" smtClean="0">
+                          <a:rPr lang="en-US" sz="2800" i="1" smtClean="0">
                             <a:latin typeface="Cambria Math" panose="02040503050406030204" pitchFamily="18" charset="0"/>
                           </a:rPr>
                         </m:ctrlPr>
                       </m:fPr>
                       <m:num>
                         <m:r>
-                          <a:rPr lang="en-US" b="0" i="1" smtClean="0">
+                          <a:rPr lang="en-US" sz="2800" b="0" i="1" smtClean="0">
                             <a:latin typeface="Cambria Math" panose="02040503050406030204" pitchFamily="18" charset="0"/>
                           </a:rPr>
                           <m:t>𝑄</m:t>
@@ -12051,14 +12125,14 @@
                         <m:sSub>
                           <m:sSubPr>
                             <m:ctrlPr>
-                              <a:rPr lang="en-US" i="1" smtClean="0">
+                              <a:rPr lang="en-US" sz="2800" i="1" smtClean="0">
                                 <a:latin typeface="Cambria Math" panose="02040503050406030204" pitchFamily="18" charset="0"/>
                               </a:rPr>
                             </m:ctrlPr>
                           </m:sSubPr>
                           <m:e>
                             <m:r>
-                              <a:rPr lang="en-US" i="1" smtClean="0">
+                              <a:rPr lang="en-US" sz="2800" i="1" smtClean="0">
                                 <a:latin typeface="Cambria Math" panose="02040503050406030204" pitchFamily="18" charset="0"/>
                                 <a:ea typeface="Cambria Math" panose="02040503050406030204" pitchFamily="18" charset="0"/>
                               </a:rPr>
@@ -12067,7 +12141,7 @@
                           </m:e>
                           <m:sub>
                             <m:r>
-                              <a:rPr lang="en-US" b="0" i="1" smtClean="0">
+                              <a:rPr lang="en-US" sz="2800" b="0" i="1" smtClean="0">
                                 <a:latin typeface="Cambria Math" panose="02040503050406030204" pitchFamily="18" charset="0"/>
                               </a:rPr>
                               <m:t>𝑜</m:t>
@@ -12078,7 +12152,7 @@
                     </m:f>
                   </m:oMath>
                 </a14:m>
-                <a:endParaRPr lang="en-US" dirty="0"/>
+                <a:endParaRPr lang="en-US" sz="2800" dirty="0"/>
               </a:p>
               <a:p>
                 <a:pPr marL="514350" indent="-514350">
@@ -12086,14 +12160,14 @@
                   <a:buAutoNum type="alphaLcParenR"/>
                 </a:pPr>
                 <a:r>
-                  <a:rPr lang="en-US" dirty="0"/>
+                  <a:rPr lang="en-US" sz="2800" dirty="0"/>
                   <a:t>0</a:t>
                 </a:r>
               </a:p>
             </p:txBody>
           </p:sp>
         </mc:Choice>
-        <mc:Fallback xmlns="">
+        <mc:Fallback>
           <p:sp>
             <p:nvSpPr>
               <p:cNvPr id="3" name="Content Placeholder 2">
@@ -12112,13 +12186,13 @@
             </p:nvSpPr>
             <p:spPr>
               <a:xfrm>
-                <a:off x="457200" y="1186924"/>
+                <a:off x="442088" y="952599"/>
                 <a:ext cx="8229600" cy="5250975"/>
               </a:xfrm>
               <a:blipFill>
                 <a:blip r:embed="rId2"/>
                 <a:stretch>
-                  <a:fillRect l="-1852" t="-1510" b="-4413"/>
+                  <a:fillRect l="-1556" t="-1160"/>
                 </a:stretch>
               </a:blipFill>
             </p:spPr>
@@ -14182,6 +14256,93 @@
       </p:grpSpPr>
       <p:sp>
         <p:nvSpPr>
+          <p:cNvPr id="4" name="Title 3">
+            <a:extLst>
+              <a:ext uri="{FF2B5EF4-FFF2-40B4-BE49-F238E27FC236}">
+                <a16:creationId xmlns:a16="http://schemas.microsoft.com/office/drawing/2014/main" id="{FE8FCA8D-F239-B8E2-E6DA-C7226B220FD9}"/>
+              </a:ext>
+            </a:extLst>
+          </p:cNvPr>
+          <p:cNvSpPr>
+            <a:spLocks noGrp="1"/>
+          </p:cNvSpPr>
+          <p:nvPr>
+            <p:ph type="ctrTitle"/>
+          </p:nvPr>
+        </p:nvSpPr>
+        <p:spPr/>
+        <p:txBody>
+          <a:bodyPr/>
+          <a:lstStyle/>
+          <a:p>
+            <a:r>
+              <a:rPr lang="en-US" dirty="0" err="1"/>
+              <a:t>Finelly</a:t>
+            </a:r>
+            <a:r>
+              <a:rPr lang="en-US" dirty="0"/>
+              <a:t>, Spherical Shells!</a:t>
+            </a:r>
+          </a:p>
+        </p:txBody>
+      </p:sp>
+      <p:sp>
+        <p:nvSpPr>
+          <p:cNvPr id="5" name="Subtitle 4">
+            <a:extLst>
+              <a:ext uri="{FF2B5EF4-FFF2-40B4-BE49-F238E27FC236}">
+                <a16:creationId xmlns:a16="http://schemas.microsoft.com/office/drawing/2014/main" id="{AC09E6C5-0623-3AF4-EF12-70F64E747772}"/>
+              </a:ext>
+            </a:extLst>
+          </p:cNvPr>
+          <p:cNvSpPr>
+            <a:spLocks noGrp="1"/>
+          </p:cNvSpPr>
+          <p:nvPr>
+            <p:ph type="subTitle" idx="1"/>
+          </p:nvPr>
+        </p:nvSpPr>
+        <p:spPr/>
+        <p:txBody>
+          <a:bodyPr/>
+          <a:lstStyle/>
+          <a:p>
+            <a:endParaRPr lang="en-US"/>
+          </a:p>
+        </p:txBody>
+      </p:sp>
+    </p:spTree>
+    <p:extLst>
+      <p:ext uri="{BB962C8B-B14F-4D97-AF65-F5344CB8AC3E}">
+        <p14:creationId xmlns:p14="http://schemas.microsoft.com/office/powerpoint/2010/main" val="4265386314"/>
+      </p:ext>
+    </p:extLst>
+  </p:cSld>
+  <p:clrMapOvr>
+    <a:masterClrMapping/>
+  </p:clrMapOvr>
+</p:sld>
+</file>
+
+<file path=ppt/slides/slide15.xml><?xml version="1.0" encoding="utf-8"?>
+<p:sld xmlns:a="http://schemas.openxmlformats.org/drawingml/2006/main" xmlns:r="http://schemas.openxmlformats.org/officeDocument/2006/relationships" xmlns:p="http://schemas.openxmlformats.org/presentationml/2006/main">
+  <p:cSld>
+    <p:spTree>
+      <p:nvGrpSpPr>
+        <p:cNvPr id="1" name=""/>
+        <p:cNvGrpSpPr/>
+        <p:nvPr/>
+      </p:nvGrpSpPr>
+      <p:grpSpPr>
+        <a:xfrm>
+          <a:off x="0" y="0"/>
+          <a:ext cx="0" cy="0"/>
+          <a:chOff x="0" y="0"/>
+          <a:chExt cx="0" cy="0"/>
+        </a:xfrm>
+      </p:grpSpPr>
+      <p:sp>
+        <p:nvSpPr>
           <p:cNvPr id="2398213" name="Oval 5"/>
           <p:cNvSpPr>
             <a:spLocks noChangeArrowheads="1"/>
@@ -15199,7 +15360,7 @@
 </p:sld>
 </file>
 
-<file path=ppt/slides/slide15.xml><?xml version="1.0" encoding="utf-8"?>
+<file path=ppt/slides/slide16.xml><?xml version="1.0" encoding="utf-8"?>
 <p:sld xmlns:a="http://schemas.openxmlformats.org/drawingml/2006/main" xmlns:r="http://schemas.openxmlformats.org/officeDocument/2006/relationships" xmlns:p="http://schemas.openxmlformats.org/presentationml/2006/main">
   <p:cSld>
     <p:spTree>
@@ -16073,7 +16234,7 @@
 </p:sld>
 </file>
 
-<file path=ppt/slides/slide16.xml><?xml version="1.0" encoding="utf-8"?>
+<file path=ppt/slides/slide17.xml><?xml version="1.0" encoding="utf-8"?>
 <p:sld xmlns:a="http://schemas.openxmlformats.org/drawingml/2006/main" xmlns:r="http://schemas.openxmlformats.org/officeDocument/2006/relationships" xmlns:p="http://schemas.openxmlformats.org/presentationml/2006/main">
   <p:cSld>
     <p:spTree>
@@ -17467,7 +17628,7 @@
 </p:sld>
 </file>
 
-<file path=ppt/slides/slide17.xml><?xml version="1.0" encoding="utf-8"?>
+<file path=ppt/slides/slide18.xml><?xml version="1.0" encoding="utf-8"?>
 <p:sld xmlns:a="http://schemas.openxmlformats.org/drawingml/2006/main" xmlns:r="http://schemas.openxmlformats.org/officeDocument/2006/relationships" xmlns:p="http://schemas.openxmlformats.org/presentationml/2006/main">
   <p:cSld>
     <p:spTree>
@@ -19130,8 +19291,8 @@
           </p:sp>
         </mc:Fallback>
       </mc:AlternateContent>
-      <mc:AlternateContent xmlns:mc="http://schemas.openxmlformats.org/markup-compatibility/2006" xmlns:a14="http://schemas.microsoft.com/office/drawing/2010/main">
-        <mc:Choice Requires="a14">
+      <mc:AlternateContent xmlns:mc="http://schemas.openxmlformats.org/markup-compatibility/2006">
+        <mc:Choice xmlns:a14="http://schemas.microsoft.com/office/drawing/2010/main" Requires="a14">
           <p:sp>
             <p:nvSpPr>
               <p:cNvPr id="29" name="TextBox 28"/>
@@ -19165,6 +19326,14 @@
                         <a:rPr lang="en-US" sz="3200" b="0" i="1" smtClean="0">
                           <a:latin typeface="Cambria Math"/>
                           <a:ea typeface="Cambria Math"/>
+                          <a:sym typeface="Symbol" panose="05050102010706020507" pitchFamily="18" charset="2"/>
+                        </a:rPr>
+                        <m:t></m:t>
+                      </m:r>
+                      <m:r>
+                        <a:rPr lang="en-US" sz="3200" b="0" i="1" smtClean="0">
+                          <a:latin typeface="Cambria Math"/>
+                          <a:ea typeface="Cambria Math"/>
                         </a:rPr>
                         <m:t>𝐸𝑑𝐴</m:t>
                       </m:r>
@@ -19176,7 +19345,7 @@
             </p:txBody>
           </p:sp>
         </mc:Choice>
-        <mc:Fallback xmlns="">
+        <mc:Fallback>
           <p:sp>
             <p:nvSpPr>
               <p:cNvPr id="29" name="TextBox 28"/>
@@ -19193,7 +19362,7 @@
               <a:prstGeom prst="rect">
                 <a:avLst/>
               </a:prstGeom>
-              <a:blipFill rotWithShape="1">
+              <a:blipFill>
                 <a:blip r:embed="rId3"/>
                 <a:stretch>
                   <a:fillRect/>
@@ -19259,7 +19428,7 @@
 </p:sld>
 </file>
 
-<file path=ppt/slides/slide18.xml><?xml version="1.0" encoding="utf-8"?>
+<file path=ppt/slides/slide19.xml><?xml version="1.0" encoding="utf-8"?>
 <p:sld xmlns:a="http://schemas.openxmlformats.org/drawingml/2006/main" xmlns:r="http://schemas.openxmlformats.org/officeDocument/2006/relationships" xmlns:p="http://schemas.openxmlformats.org/presentationml/2006/main">
   <p:cSld>
     <p:spTree>
@@ -20807,7 +20976,556 @@
 </p:sld>
 </file>
 
-<file path=ppt/slides/slide19.xml><?xml version="1.0" encoding="utf-8"?>
+<file path=ppt/slides/slide2.xml><?xml version="1.0" encoding="utf-8"?>
+<p:sld xmlns:a="http://schemas.openxmlformats.org/drawingml/2006/main" xmlns:r="http://schemas.openxmlformats.org/officeDocument/2006/relationships" xmlns:p="http://schemas.openxmlformats.org/presentationml/2006/main">
+  <p:cSld>
+    <p:spTree>
+      <p:nvGrpSpPr>
+        <p:cNvPr id="1" name=""/>
+        <p:cNvGrpSpPr/>
+        <p:nvPr/>
+      </p:nvGrpSpPr>
+      <p:grpSpPr>
+        <a:xfrm>
+          <a:off x="0" y="0"/>
+          <a:ext cx="0" cy="0"/>
+          <a:chOff x="0" y="0"/>
+          <a:chExt cx="0" cy="0"/>
+        </a:xfrm>
+      </p:grpSpPr>
+      <p:sp>
+        <p:nvSpPr>
+          <p:cNvPr id="167938" name="Rectangle 2"/>
+          <p:cNvSpPr>
+            <a:spLocks noGrp="1" noChangeArrowheads="1"/>
+          </p:cNvSpPr>
+          <p:nvPr>
+            <p:ph type="title"/>
+          </p:nvPr>
+        </p:nvSpPr>
+        <p:spPr/>
+        <p:txBody>
+          <a:bodyPr/>
+          <a:lstStyle/>
+          <a:p>
+            <a:r>
+              <a:rPr lang="en-US"/>
+              <a:t>Charge in Closed Surface</a:t>
+            </a:r>
+          </a:p>
+        </p:txBody>
+      </p:sp>
+      <p:sp>
+        <p:nvSpPr>
+          <p:cNvPr id="167939" name="Rectangle 3"/>
+          <p:cNvSpPr>
+            <a:spLocks noGrp="1" noChangeArrowheads="1"/>
+          </p:cNvSpPr>
+          <p:nvPr>
+            <p:ph type="body" idx="1"/>
+          </p:nvPr>
+        </p:nvSpPr>
+        <p:spPr>
+          <a:xfrm>
+            <a:off x="457200" y="5432425"/>
+            <a:ext cx="8229600" cy="693738"/>
+          </a:xfrm>
+        </p:spPr>
+        <p:txBody>
+          <a:bodyPr/>
+          <a:lstStyle/>
+          <a:p>
+            <a:endParaRPr lang="en-US"/>
+          </a:p>
+        </p:txBody>
+      </p:sp>
+      <p:grpSp>
+        <p:nvGrpSpPr>
+          <p:cNvPr id="167950" name="Group 14"/>
+          <p:cNvGrpSpPr>
+            <a:grpSpLocks/>
+          </p:cNvGrpSpPr>
+          <p:nvPr/>
+        </p:nvGrpSpPr>
+        <p:grpSpPr bwMode="auto">
+          <a:xfrm>
+            <a:off x="444500" y="1803400"/>
+            <a:ext cx="5651500" cy="3035300"/>
+            <a:chOff x="280" y="1136"/>
+            <a:chExt cx="3560" cy="1912"/>
+          </a:xfrm>
+        </p:grpSpPr>
+        <p:sp>
+          <p:nvSpPr>
+            <p:cNvPr id="167948" name="Oval 12"/>
+            <p:cNvSpPr>
+              <a:spLocks noChangeArrowheads="1"/>
+            </p:cNvSpPr>
+            <p:nvPr/>
+          </p:nvSpPr>
+          <p:spPr bwMode="auto">
+            <a:xfrm>
+              <a:off x="1872" y="1136"/>
+              <a:ext cx="1968" cy="1912"/>
+            </a:xfrm>
+            <a:prstGeom prst="ellipse">
+              <a:avLst/>
+            </a:prstGeom>
+            <a:solidFill>
+              <a:schemeClr val="accent1"/>
+            </a:solidFill>
+            <a:ln w="9525">
+              <a:solidFill>
+                <a:schemeClr val="tx1"/>
+              </a:solidFill>
+              <a:miter lim="800000"/>
+              <a:headEnd/>
+              <a:tailEnd/>
+            </a:ln>
+            <a:effectLst/>
+          </p:spPr>
+          <p:txBody>
+            <a:bodyPr wrap="none" anchor="ctr"/>
+            <a:lstStyle/>
+            <a:p>
+              <a:pPr algn="ctr"/>
+              <a:endParaRPr lang="en-US"/>
+            </a:p>
+          </p:txBody>
+        </p:sp>
+        <p:sp>
+          <p:nvSpPr>
+            <p:cNvPr id="167941" name="Freeform 5"/>
+            <p:cNvSpPr>
+              <a:spLocks/>
+            </p:cNvSpPr>
+            <p:nvPr/>
+          </p:nvSpPr>
+          <p:spPr bwMode="auto">
+            <a:xfrm>
+              <a:off x="1408" y="1399"/>
+              <a:ext cx="558" cy="228"/>
+            </a:xfrm>
+            <a:custGeom>
+              <a:avLst/>
+              <a:gdLst/>
+              <a:ahLst/>
+              <a:cxnLst>
+                <a:cxn ang="0">
+                  <a:pos x="558" y="228"/>
+                </a:cxn>
+                <a:cxn ang="0">
+                  <a:pos x="329" y="73"/>
+                </a:cxn>
+                <a:cxn ang="0">
+                  <a:pos x="338" y="201"/>
+                </a:cxn>
+                <a:cxn ang="0">
+                  <a:pos x="0" y="0"/>
+                </a:cxn>
+              </a:cxnLst>
+              <a:rect l="0" t="0" r="r" b="b"/>
+              <a:pathLst>
+                <a:path w="558" h="228">
+                  <a:moveTo>
+                    <a:pt x="558" y="228"/>
+                  </a:moveTo>
+                  <a:cubicBezTo>
+                    <a:pt x="462" y="152"/>
+                    <a:pt x="366" y="77"/>
+                    <a:pt x="329" y="73"/>
+                  </a:cubicBezTo>
+                  <a:cubicBezTo>
+                    <a:pt x="292" y="69"/>
+                    <a:pt x="393" y="213"/>
+                    <a:pt x="338" y="201"/>
+                  </a:cubicBezTo>
+                  <a:cubicBezTo>
+                    <a:pt x="283" y="189"/>
+                    <a:pt x="141" y="94"/>
+                    <a:pt x="0" y="0"/>
+                  </a:cubicBezTo>
+                </a:path>
+              </a:pathLst>
+            </a:custGeom>
+            <a:noFill/>
+            <a:ln w="9525" cap="flat" cmpd="sng">
+              <a:solidFill>
+                <a:schemeClr val="tx1"/>
+              </a:solidFill>
+              <a:prstDash val="solid"/>
+              <a:miter lim="800000"/>
+              <a:headEnd type="triangle" w="med" len="med"/>
+              <a:tailEnd type="none" w="med" len="med"/>
+            </a:ln>
+            <a:effectLst/>
+          </p:spPr>
+          <p:txBody>
+            <a:bodyPr wrap="none"/>
+            <a:lstStyle/>
+            <a:p>
+              <a:endParaRPr lang="en-US"/>
+            </a:p>
+          </p:txBody>
+        </p:sp>
+        <p:sp>
+          <p:nvSpPr>
+            <p:cNvPr id="167942" name="Text Box 6"/>
+            <p:cNvSpPr txBox="1">
+              <a:spLocks noChangeArrowheads="1"/>
+            </p:cNvSpPr>
+            <p:nvPr/>
+          </p:nvSpPr>
+          <p:spPr bwMode="auto">
+            <a:xfrm>
+              <a:off x="280" y="1199"/>
+              <a:ext cx="1558" cy="212"/>
+            </a:xfrm>
+            <a:prstGeom prst="rect">
+              <a:avLst/>
+            </a:prstGeom>
+            <a:noFill/>
+            <a:ln w="9525">
+              <a:noFill/>
+              <a:miter lim="800000"/>
+              <a:headEnd/>
+              <a:tailEnd/>
+            </a:ln>
+            <a:effectLst/>
+          </p:spPr>
+          <p:txBody>
+            <a:bodyPr wrap="none">
+              <a:spAutoFit/>
+            </a:bodyPr>
+            <a:lstStyle/>
+            <a:p>
+              <a:r>
+                <a:rPr lang="en-US"/>
+                <a:t>Spherical Closed Surface</a:t>
+              </a:r>
+            </a:p>
+          </p:txBody>
+        </p:sp>
+        <p:sp>
+          <p:nvSpPr>
+            <p:cNvPr id="167944" name="Text Box 8"/>
+            <p:cNvSpPr txBox="1">
+              <a:spLocks noChangeArrowheads="1"/>
+            </p:cNvSpPr>
+            <p:nvPr/>
+          </p:nvSpPr>
+          <p:spPr bwMode="auto">
+            <a:xfrm>
+              <a:off x="2859" y="2260"/>
+              <a:ext cx="216" cy="212"/>
+            </a:xfrm>
+            <a:prstGeom prst="rect">
+              <a:avLst/>
+            </a:prstGeom>
+            <a:noFill/>
+            <a:ln w="9525">
+              <a:noFill/>
+              <a:miter lim="800000"/>
+              <a:headEnd/>
+              <a:tailEnd/>
+            </a:ln>
+            <a:effectLst/>
+          </p:spPr>
+          <p:txBody>
+            <a:bodyPr wrap="none">
+              <a:spAutoFit/>
+            </a:bodyPr>
+            <a:lstStyle/>
+            <a:p>
+              <a:r>
+                <a:rPr lang="en-US"/>
+                <a:t>Q</a:t>
+              </a:r>
+            </a:p>
+          </p:txBody>
+        </p:sp>
+        <p:sp>
+          <p:nvSpPr>
+            <p:cNvPr id="167945" name="Line 9"/>
+            <p:cNvSpPr>
+              <a:spLocks noChangeShapeType="1"/>
+            </p:cNvSpPr>
+            <p:nvPr/>
+          </p:nvSpPr>
+          <p:spPr bwMode="auto">
+            <a:xfrm flipH="1" flipV="1">
+              <a:off x="2194" y="1399"/>
+              <a:ext cx="704" cy="695"/>
+            </a:xfrm>
+            <a:prstGeom prst="line">
+              <a:avLst/>
+            </a:prstGeom>
+            <a:noFill/>
+            <a:ln w="9525">
+              <a:solidFill>
+                <a:schemeClr val="tx1"/>
+              </a:solidFill>
+              <a:prstDash val="dash"/>
+              <a:miter lim="800000"/>
+              <a:headEnd/>
+              <a:tailEnd type="triangle" w="med" len="med"/>
+            </a:ln>
+            <a:effectLst/>
+          </p:spPr>
+          <p:txBody>
+            <a:bodyPr wrap="none"/>
+            <a:lstStyle/>
+            <a:p>
+              <a:endParaRPr lang="en-US"/>
+            </a:p>
+          </p:txBody>
+        </p:sp>
+        <p:sp>
+          <p:nvSpPr>
+            <p:cNvPr id="167943" name="Oval 7"/>
+            <p:cNvSpPr>
+              <a:spLocks noChangeArrowheads="1"/>
+            </p:cNvSpPr>
+            <p:nvPr/>
+          </p:nvSpPr>
+          <p:spPr bwMode="auto">
+            <a:xfrm>
+              <a:off x="2743" y="1948"/>
+              <a:ext cx="311" cy="274"/>
+            </a:xfrm>
+            <a:prstGeom prst="ellipse">
+              <a:avLst/>
+            </a:prstGeom>
+            <a:gradFill rotWithShape="1">
+              <a:gsLst>
+                <a:gs pos="0">
+                  <a:srgbClr val="FFCC99">
+                    <a:gamma/>
+                    <a:shade val="46275"/>
+                    <a:invGamma/>
+                  </a:srgbClr>
+                </a:gs>
+                <a:gs pos="50000">
+                  <a:srgbClr val="FFCC99"/>
+                </a:gs>
+                <a:gs pos="100000">
+                  <a:srgbClr val="FFCC99">
+                    <a:gamma/>
+                    <a:shade val="46275"/>
+                    <a:invGamma/>
+                  </a:srgbClr>
+                </a:gs>
+              </a:gsLst>
+              <a:lin ang="18900000" scaled="1"/>
+            </a:gradFill>
+            <a:ln w="9525">
+              <a:noFill/>
+              <a:miter lim="800000"/>
+              <a:headEnd/>
+              <a:tailEnd/>
+            </a:ln>
+            <a:effectLst/>
+          </p:spPr>
+          <p:txBody>
+            <a:bodyPr wrap="none" anchor="ctr"/>
+            <a:lstStyle/>
+            <a:p>
+              <a:pPr algn="ctr"/>
+              <a:r>
+                <a:rPr lang="en-US"/>
+                <a:t>+</a:t>
+              </a:r>
+            </a:p>
+          </p:txBody>
+        </p:sp>
+        <p:sp>
+          <p:nvSpPr>
+            <p:cNvPr id="167946" name="Text Box 10"/>
+            <p:cNvSpPr txBox="1">
+              <a:spLocks noChangeArrowheads="1"/>
+            </p:cNvSpPr>
+            <p:nvPr/>
+          </p:nvSpPr>
+          <p:spPr bwMode="auto">
+            <a:xfrm>
+              <a:off x="2340" y="1657"/>
+              <a:ext cx="159" cy="212"/>
+            </a:xfrm>
+            <a:prstGeom prst="rect">
+              <a:avLst/>
+            </a:prstGeom>
+            <a:noFill/>
+            <a:ln w="9525">
+              <a:noFill/>
+              <a:miter lim="800000"/>
+              <a:headEnd/>
+              <a:tailEnd/>
+            </a:ln>
+            <a:effectLst/>
+          </p:spPr>
+          <p:txBody>
+            <a:bodyPr wrap="none">
+              <a:spAutoFit/>
+            </a:bodyPr>
+            <a:lstStyle/>
+            <a:p>
+              <a:r>
+                <a:rPr lang="en-US"/>
+                <a:t>r</a:t>
+              </a:r>
+            </a:p>
+          </p:txBody>
+        </p:sp>
+        <p:sp>
+          <p:nvSpPr>
+            <p:cNvPr id="167949" name="Freeform 13"/>
+            <p:cNvSpPr>
+              <a:spLocks/>
+            </p:cNvSpPr>
+            <p:nvPr/>
+          </p:nvSpPr>
+          <p:spPr bwMode="auto">
+            <a:xfrm>
+              <a:off x="2918" y="2461"/>
+              <a:ext cx="763" cy="371"/>
+            </a:xfrm>
+            <a:custGeom>
+              <a:avLst/>
+              <a:gdLst/>
+              <a:ahLst/>
+              <a:cxnLst>
+                <a:cxn ang="0">
+                  <a:pos x="0" y="309"/>
+                </a:cxn>
+                <a:cxn ang="0">
+                  <a:pos x="296" y="301"/>
+                </a:cxn>
+                <a:cxn ang="0">
+                  <a:pos x="344" y="237"/>
+                </a:cxn>
+                <a:cxn ang="0">
+                  <a:pos x="456" y="149"/>
+                </a:cxn>
+                <a:cxn ang="0">
+                  <a:pos x="504" y="13"/>
+                </a:cxn>
+                <a:cxn ang="0">
+                  <a:pos x="408" y="29"/>
+                </a:cxn>
+                <a:cxn ang="0">
+                  <a:pos x="320" y="69"/>
+                </a:cxn>
+                <a:cxn ang="0">
+                  <a:pos x="272" y="141"/>
+                </a:cxn>
+                <a:cxn ang="0">
+                  <a:pos x="248" y="149"/>
+                </a:cxn>
+                <a:cxn ang="0">
+                  <a:pos x="176" y="205"/>
+                </a:cxn>
+                <a:cxn ang="0">
+                  <a:pos x="56" y="261"/>
+                </a:cxn>
+                <a:cxn ang="0">
+                  <a:pos x="0" y="309"/>
+                </a:cxn>
+              </a:cxnLst>
+              <a:rect l="0" t="0" r="r" b="b"/>
+              <a:pathLst>
+                <a:path w="505" h="309">
+                  <a:moveTo>
+                    <a:pt x="0" y="309"/>
+                  </a:moveTo>
+                  <a:cubicBezTo>
+                    <a:pt x="99" y="306"/>
+                    <a:pt x="198" y="308"/>
+                    <a:pt x="296" y="301"/>
+                  </a:cubicBezTo>
+                  <a:cubicBezTo>
+                    <a:pt x="344" y="298"/>
+                    <a:pt x="323" y="268"/>
+                    <a:pt x="344" y="237"/>
+                  </a:cubicBezTo>
+                  <a:cubicBezTo>
+                    <a:pt x="376" y="188"/>
+                    <a:pt x="400" y="163"/>
+                    <a:pt x="456" y="149"/>
+                  </a:cubicBezTo>
+                  <a:cubicBezTo>
+                    <a:pt x="505" y="116"/>
+                    <a:pt x="504" y="70"/>
+                    <a:pt x="504" y="13"/>
+                  </a:cubicBezTo>
+                  <a:cubicBezTo>
+                    <a:pt x="454" y="0"/>
+                    <a:pt x="451" y="11"/>
+                    <a:pt x="408" y="29"/>
+                  </a:cubicBezTo>
+                  <a:cubicBezTo>
+                    <a:pt x="376" y="43"/>
+                    <a:pt x="350" y="49"/>
+                    <a:pt x="320" y="69"/>
+                  </a:cubicBezTo>
+                  <a:cubicBezTo>
+                    <a:pt x="303" y="94"/>
+                    <a:pt x="299" y="123"/>
+                    <a:pt x="272" y="141"/>
+                  </a:cubicBezTo>
+                  <a:cubicBezTo>
+                    <a:pt x="265" y="146"/>
+                    <a:pt x="255" y="145"/>
+                    <a:pt x="248" y="149"/>
+                  </a:cubicBezTo>
+                  <a:cubicBezTo>
+                    <a:pt x="205" y="173"/>
+                    <a:pt x="205" y="176"/>
+                    <a:pt x="176" y="205"/>
+                  </a:cubicBezTo>
+                  <a:cubicBezTo>
+                    <a:pt x="158" y="259"/>
+                    <a:pt x="106" y="255"/>
+                    <a:pt x="56" y="261"/>
+                  </a:cubicBezTo>
+                  <a:cubicBezTo>
+                    <a:pt x="3" y="296"/>
+                    <a:pt x="17" y="276"/>
+                    <a:pt x="0" y="309"/>
+                  </a:cubicBezTo>
+                  <a:close/>
+                </a:path>
+              </a:pathLst>
+            </a:custGeom>
+            <a:solidFill>
+              <a:schemeClr val="bg1"/>
+            </a:solidFill>
+            <a:ln w="9525" cap="flat" cmpd="sng">
+              <a:noFill/>
+              <a:prstDash val="solid"/>
+              <a:miter lim="800000"/>
+              <a:headEnd type="none" w="med" len="med"/>
+              <a:tailEnd type="none" w="med" len="med"/>
+            </a:ln>
+            <a:effectLst/>
+          </p:spPr>
+          <p:txBody>
+            <a:bodyPr wrap="none"/>
+            <a:lstStyle/>
+            <a:p>
+              <a:endParaRPr lang="en-US"/>
+            </a:p>
+          </p:txBody>
+        </p:sp>
+      </p:grpSp>
+    </p:spTree>
+  </p:cSld>
+  <p:clrMapOvr>
+    <a:masterClrMapping/>
+  </p:clrMapOvr>
+</p:sld>
+</file>
+
+<file path=ppt/slides/slide20.xml><?xml version="1.0" encoding="utf-8"?>
 <p:sld xmlns:a="http://schemas.openxmlformats.org/drawingml/2006/main" xmlns:r="http://schemas.openxmlformats.org/officeDocument/2006/relationships" xmlns:p="http://schemas.openxmlformats.org/presentationml/2006/main">
   <p:cSld>
     <p:spTree>
@@ -22183,7 +22901,7 @@
             </a:pPr>
             <a:r>
               <a:rPr lang="en-US" dirty="0"/>
-              <a:t>5. Solve</a:t>
+              <a:t>5. Solve (guess, like Gauss)</a:t>
             </a:r>
           </a:p>
           <a:p>
@@ -22574,556 +23292,7 @@
 </p:sld>
 </file>
 
-<file path=ppt/slides/slide2.xml><?xml version="1.0" encoding="utf-8"?>
-<p:sld xmlns:a="http://schemas.openxmlformats.org/drawingml/2006/main" xmlns:r="http://schemas.openxmlformats.org/officeDocument/2006/relationships" xmlns:p="http://schemas.openxmlformats.org/presentationml/2006/main">
-  <p:cSld>
-    <p:spTree>
-      <p:nvGrpSpPr>
-        <p:cNvPr id="1" name=""/>
-        <p:cNvGrpSpPr/>
-        <p:nvPr/>
-      </p:nvGrpSpPr>
-      <p:grpSpPr>
-        <a:xfrm>
-          <a:off x="0" y="0"/>
-          <a:ext cx="0" cy="0"/>
-          <a:chOff x="0" y="0"/>
-          <a:chExt cx="0" cy="0"/>
-        </a:xfrm>
-      </p:grpSpPr>
-      <p:sp>
-        <p:nvSpPr>
-          <p:cNvPr id="167938" name="Rectangle 2"/>
-          <p:cNvSpPr>
-            <a:spLocks noGrp="1" noChangeArrowheads="1"/>
-          </p:cNvSpPr>
-          <p:nvPr>
-            <p:ph type="title"/>
-          </p:nvPr>
-        </p:nvSpPr>
-        <p:spPr/>
-        <p:txBody>
-          <a:bodyPr/>
-          <a:lstStyle/>
-          <a:p>
-            <a:r>
-              <a:rPr lang="en-US"/>
-              <a:t>Charge in Closed Surface</a:t>
-            </a:r>
-          </a:p>
-        </p:txBody>
-      </p:sp>
-      <p:sp>
-        <p:nvSpPr>
-          <p:cNvPr id="167939" name="Rectangle 3"/>
-          <p:cNvSpPr>
-            <a:spLocks noGrp="1" noChangeArrowheads="1"/>
-          </p:cNvSpPr>
-          <p:nvPr>
-            <p:ph type="body" idx="1"/>
-          </p:nvPr>
-        </p:nvSpPr>
-        <p:spPr>
-          <a:xfrm>
-            <a:off x="457200" y="5432425"/>
-            <a:ext cx="8229600" cy="693738"/>
-          </a:xfrm>
-        </p:spPr>
-        <p:txBody>
-          <a:bodyPr/>
-          <a:lstStyle/>
-          <a:p>
-            <a:endParaRPr lang="en-US"/>
-          </a:p>
-        </p:txBody>
-      </p:sp>
-      <p:grpSp>
-        <p:nvGrpSpPr>
-          <p:cNvPr id="167950" name="Group 14"/>
-          <p:cNvGrpSpPr>
-            <a:grpSpLocks/>
-          </p:cNvGrpSpPr>
-          <p:nvPr/>
-        </p:nvGrpSpPr>
-        <p:grpSpPr bwMode="auto">
-          <a:xfrm>
-            <a:off x="444500" y="1803400"/>
-            <a:ext cx="5651500" cy="3035300"/>
-            <a:chOff x="280" y="1136"/>
-            <a:chExt cx="3560" cy="1912"/>
-          </a:xfrm>
-        </p:grpSpPr>
-        <p:sp>
-          <p:nvSpPr>
-            <p:cNvPr id="167948" name="Oval 12"/>
-            <p:cNvSpPr>
-              <a:spLocks noChangeArrowheads="1"/>
-            </p:cNvSpPr>
-            <p:nvPr/>
-          </p:nvSpPr>
-          <p:spPr bwMode="auto">
-            <a:xfrm>
-              <a:off x="1872" y="1136"/>
-              <a:ext cx="1968" cy="1912"/>
-            </a:xfrm>
-            <a:prstGeom prst="ellipse">
-              <a:avLst/>
-            </a:prstGeom>
-            <a:solidFill>
-              <a:schemeClr val="accent1"/>
-            </a:solidFill>
-            <a:ln w="9525">
-              <a:solidFill>
-                <a:schemeClr val="tx1"/>
-              </a:solidFill>
-              <a:miter lim="800000"/>
-              <a:headEnd/>
-              <a:tailEnd/>
-            </a:ln>
-            <a:effectLst/>
-          </p:spPr>
-          <p:txBody>
-            <a:bodyPr wrap="none" anchor="ctr"/>
-            <a:lstStyle/>
-            <a:p>
-              <a:pPr algn="ctr"/>
-              <a:endParaRPr lang="en-US"/>
-            </a:p>
-          </p:txBody>
-        </p:sp>
-        <p:sp>
-          <p:nvSpPr>
-            <p:cNvPr id="167941" name="Freeform 5"/>
-            <p:cNvSpPr>
-              <a:spLocks/>
-            </p:cNvSpPr>
-            <p:nvPr/>
-          </p:nvSpPr>
-          <p:spPr bwMode="auto">
-            <a:xfrm>
-              <a:off x="1408" y="1399"/>
-              <a:ext cx="558" cy="228"/>
-            </a:xfrm>
-            <a:custGeom>
-              <a:avLst/>
-              <a:gdLst/>
-              <a:ahLst/>
-              <a:cxnLst>
-                <a:cxn ang="0">
-                  <a:pos x="558" y="228"/>
-                </a:cxn>
-                <a:cxn ang="0">
-                  <a:pos x="329" y="73"/>
-                </a:cxn>
-                <a:cxn ang="0">
-                  <a:pos x="338" y="201"/>
-                </a:cxn>
-                <a:cxn ang="0">
-                  <a:pos x="0" y="0"/>
-                </a:cxn>
-              </a:cxnLst>
-              <a:rect l="0" t="0" r="r" b="b"/>
-              <a:pathLst>
-                <a:path w="558" h="228">
-                  <a:moveTo>
-                    <a:pt x="558" y="228"/>
-                  </a:moveTo>
-                  <a:cubicBezTo>
-                    <a:pt x="462" y="152"/>
-                    <a:pt x="366" y="77"/>
-                    <a:pt x="329" y="73"/>
-                  </a:cubicBezTo>
-                  <a:cubicBezTo>
-                    <a:pt x="292" y="69"/>
-                    <a:pt x="393" y="213"/>
-                    <a:pt x="338" y="201"/>
-                  </a:cubicBezTo>
-                  <a:cubicBezTo>
-                    <a:pt x="283" y="189"/>
-                    <a:pt x="141" y="94"/>
-                    <a:pt x="0" y="0"/>
-                  </a:cubicBezTo>
-                </a:path>
-              </a:pathLst>
-            </a:custGeom>
-            <a:noFill/>
-            <a:ln w="9525" cap="flat" cmpd="sng">
-              <a:solidFill>
-                <a:schemeClr val="tx1"/>
-              </a:solidFill>
-              <a:prstDash val="solid"/>
-              <a:miter lim="800000"/>
-              <a:headEnd type="triangle" w="med" len="med"/>
-              <a:tailEnd type="none" w="med" len="med"/>
-            </a:ln>
-            <a:effectLst/>
-          </p:spPr>
-          <p:txBody>
-            <a:bodyPr wrap="none"/>
-            <a:lstStyle/>
-            <a:p>
-              <a:endParaRPr lang="en-US"/>
-            </a:p>
-          </p:txBody>
-        </p:sp>
-        <p:sp>
-          <p:nvSpPr>
-            <p:cNvPr id="167942" name="Text Box 6"/>
-            <p:cNvSpPr txBox="1">
-              <a:spLocks noChangeArrowheads="1"/>
-            </p:cNvSpPr>
-            <p:nvPr/>
-          </p:nvSpPr>
-          <p:spPr bwMode="auto">
-            <a:xfrm>
-              <a:off x="280" y="1199"/>
-              <a:ext cx="1558" cy="212"/>
-            </a:xfrm>
-            <a:prstGeom prst="rect">
-              <a:avLst/>
-            </a:prstGeom>
-            <a:noFill/>
-            <a:ln w="9525">
-              <a:noFill/>
-              <a:miter lim="800000"/>
-              <a:headEnd/>
-              <a:tailEnd/>
-            </a:ln>
-            <a:effectLst/>
-          </p:spPr>
-          <p:txBody>
-            <a:bodyPr wrap="none">
-              <a:spAutoFit/>
-            </a:bodyPr>
-            <a:lstStyle/>
-            <a:p>
-              <a:r>
-                <a:rPr lang="en-US"/>
-                <a:t>Spherical Closed Surface</a:t>
-              </a:r>
-            </a:p>
-          </p:txBody>
-        </p:sp>
-        <p:sp>
-          <p:nvSpPr>
-            <p:cNvPr id="167944" name="Text Box 8"/>
-            <p:cNvSpPr txBox="1">
-              <a:spLocks noChangeArrowheads="1"/>
-            </p:cNvSpPr>
-            <p:nvPr/>
-          </p:nvSpPr>
-          <p:spPr bwMode="auto">
-            <a:xfrm>
-              <a:off x="2859" y="2260"/>
-              <a:ext cx="216" cy="212"/>
-            </a:xfrm>
-            <a:prstGeom prst="rect">
-              <a:avLst/>
-            </a:prstGeom>
-            <a:noFill/>
-            <a:ln w="9525">
-              <a:noFill/>
-              <a:miter lim="800000"/>
-              <a:headEnd/>
-              <a:tailEnd/>
-            </a:ln>
-            <a:effectLst/>
-          </p:spPr>
-          <p:txBody>
-            <a:bodyPr wrap="none">
-              <a:spAutoFit/>
-            </a:bodyPr>
-            <a:lstStyle/>
-            <a:p>
-              <a:r>
-                <a:rPr lang="en-US"/>
-                <a:t>Q</a:t>
-              </a:r>
-            </a:p>
-          </p:txBody>
-        </p:sp>
-        <p:sp>
-          <p:nvSpPr>
-            <p:cNvPr id="167945" name="Line 9"/>
-            <p:cNvSpPr>
-              <a:spLocks noChangeShapeType="1"/>
-            </p:cNvSpPr>
-            <p:nvPr/>
-          </p:nvSpPr>
-          <p:spPr bwMode="auto">
-            <a:xfrm flipH="1" flipV="1">
-              <a:off x="2194" y="1399"/>
-              <a:ext cx="704" cy="695"/>
-            </a:xfrm>
-            <a:prstGeom prst="line">
-              <a:avLst/>
-            </a:prstGeom>
-            <a:noFill/>
-            <a:ln w="9525">
-              <a:solidFill>
-                <a:schemeClr val="tx1"/>
-              </a:solidFill>
-              <a:prstDash val="dash"/>
-              <a:miter lim="800000"/>
-              <a:headEnd/>
-              <a:tailEnd type="triangle" w="med" len="med"/>
-            </a:ln>
-            <a:effectLst/>
-          </p:spPr>
-          <p:txBody>
-            <a:bodyPr wrap="none"/>
-            <a:lstStyle/>
-            <a:p>
-              <a:endParaRPr lang="en-US"/>
-            </a:p>
-          </p:txBody>
-        </p:sp>
-        <p:sp>
-          <p:nvSpPr>
-            <p:cNvPr id="167943" name="Oval 7"/>
-            <p:cNvSpPr>
-              <a:spLocks noChangeArrowheads="1"/>
-            </p:cNvSpPr>
-            <p:nvPr/>
-          </p:nvSpPr>
-          <p:spPr bwMode="auto">
-            <a:xfrm>
-              <a:off x="2743" y="1948"/>
-              <a:ext cx="311" cy="274"/>
-            </a:xfrm>
-            <a:prstGeom prst="ellipse">
-              <a:avLst/>
-            </a:prstGeom>
-            <a:gradFill rotWithShape="1">
-              <a:gsLst>
-                <a:gs pos="0">
-                  <a:srgbClr val="FFCC99">
-                    <a:gamma/>
-                    <a:shade val="46275"/>
-                    <a:invGamma/>
-                  </a:srgbClr>
-                </a:gs>
-                <a:gs pos="50000">
-                  <a:srgbClr val="FFCC99"/>
-                </a:gs>
-                <a:gs pos="100000">
-                  <a:srgbClr val="FFCC99">
-                    <a:gamma/>
-                    <a:shade val="46275"/>
-                    <a:invGamma/>
-                  </a:srgbClr>
-                </a:gs>
-              </a:gsLst>
-              <a:lin ang="18900000" scaled="1"/>
-            </a:gradFill>
-            <a:ln w="9525">
-              <a:noFill/>
-              <a:miter lim="800000"/>
-              <a:headEnd/>
-              <a:tailEnd/>
-            </a:ln>
-            <a:effectLst/>
-          </p:spPr>
-          <p:txBody>
-            <a:bodyPr wrap="none" anchor="ctr"/>
-            <a:lstStyle/>
-            <a:p>
-              <a:pPr algn="ctr"/>
-              <a:r>
-                <a:rPr lang="en-US"/>
-                <a:t>+</a:t>
-              </a:r>
-            </a:p>
-          </p:txBody>
-        </p:sp>
-        <p:sp>
-          <p:nvSpPr>
-            <p:cNvPr id="167946" name="Text Box 10"/>
-            <p:cNvSpPr txBox="1">
-              <a:spLocks noChangeArrowheads="1"/>
-            </p:cNvSpPr>
-            <p:nvPr/>
-          </p:nvSpPr>
-          <p:spPr bwMode="auto">
-            <a:xfrm>
-              <a:off x="2340" y="1657"/>
-              <a:ext cx="159" cy="212"/>
-            </a:xfrm>
-            <a:prstGeom prst="rect">
-              <a:avLst/>
-            </a:prstGeom>
-            <a:noFill/>
-            <a:ln w="9525">
-              <a:noFill/>
-              <a:miter lim="800000"/>
-              <a:headEnd/>
-              <a:tailEnd/>
-            </a:ln>
-            <a:effectLst/>
-          </p:spPr>
-          <p:txBody>
-            <a:bodyPr wrap="none">
-              <a:spAutoFit/>
-            </a:bodyPr>
-            <a:lstStyle/>
-            <a:p>
-              <a:r>
-                <a:rPr lang="en-US"/>
-                <a:t>r</a:t>
-              </a:r>
-            </a:p>
-          </p:txBody>
-        </p:sp>
-        <p:sp>
-          <p:nvSpPr>
-            <p:cNvPr id="167949" name="Freeform 13"/>
-            <p:cNvSpPr>
-              <a:spLocks/>
-            </p:cNvSpPr>
-            <p:nvPr/>
-          </p:nvSpPr>
-          <p:spPr bwMode="auto">
-            <a:xfrm>
-              <a:off x="2918" y="2461"/>
-              <a:ext cx="763" cy="371"/>
-            </a:xfrm>
-            <a:custGeom>
-              <a:avLst/>
-              <a:gdLst/>
-              <a:ahLst/>
-              <a:cxnLst>
-                <a:cxn ang="0">
-                  <a:pos x="0" y="309"/>
-                </a:cxn>
-                <a:cxn ang="0">
-                  <a:pos x="296" y="301"/>
-                </a:cxn>
-                <a:cxn ang="0">
-                  <a:pos x="344" y="237"/>
-                </a:cxn>
-                <a:cxn ang="0">
-                  <a:pos x="456" y="149"/>
-                </a:cxn>
-                <a:cxn ang="0">
-                  <a:pos x="504" y="13"/>
-                </a:cxn>
-                <a:cxn ang="0">
-                  <a:pos x="408" y="29"/>
-                </a:cxn>
-                <a:cxn ang="0">
-                  <a:pos x="320" y="69"/>
-                </a:cxn>
-                <a:cxn ang="0">
-                  <a:pos x="272" y="141"/>
-                </a:cxn>
-                <a:cxn ang="0">
-                  <a:pos x="248" y="149"/>
-                </a:cxn>
-                <a:cxn ang="0">
-                  <a:pos x="176" y="205"/>
-                </a:cxn>
-                <a:cxn ang="0">
-                  <a:pos x="56" y="261"/>
-                </a:cxn>
-                <a:cxn ang="0">
-                  <a:pos x="0" y="309"/>
-                </a:cxn>
-              </a:cxnLst>
-              <a:rect l="0" t="0" r="r" b="b"/>
-              <a:pathLst>
-                <a:path w="505" h="309">
-                  <a:moveTo>
-                    <a:pt x="0" y="309"/>
-                  </a:moveTo>
-                  <a:cubicBezTo>
-                    <a:pt x="99" y="306"/>
-                    <a:pt x="198" y="308"/>
-                    <a:pt x="296" y="301"/>
-                  </a:cubicBezTo>
-                  <a:cubicBezTo>
-                    <a:pt x="344" y="298"/>
-                    <a:pt x="323" y="268"/>
-                    <a:pt x="344" y="237"/>
-                  </a:cubicBezTo>
-                  <a:cubicBezTo>
-                    <a:pt x="376" y="188"/>
-                    <a:pt x="400" y="163"/>
-                    <a:pt x="456" y="149"/>
-                  </a:cubicBezTo>
-                  <a:cubicBezTo>
-                    <a:pt x="505" y="116"/>
-                    <a:pt x="504" y="70"/>
-                    <a:pt x="504" y="13"/>
-                  </a:cubicBezTo>
-                  <a:cubicBezTo>
-                    <a:pt x="454" y="0"/>
-                    <a:pt x="451" y="11"/>
-                    <a:pt x="408" y="29"/>
-                  </a:cubicBezTo>
-                  <a:cubicBezTo>
-                    <a:pt x="376" y="43"/>
-                    <a:pt x="350" y="49"/>
-                    <a:pt x="320" y="69"/>
-                  </a:cubicBezTo>
-                  <a:cubicBezTo>
-                    <a:pt x="303" y="94"/>
-                    <a:pt x="299" y="123"/>
-                    <a:pt x="272" y="141"/>
-                  </a:cubicBezTo>
-                  <a:cubicBezTo>
-                    <a:pt x="265" y="146"/>
-                    <a:pt x="255" y="145"/>
-                    <a:pt x="248" y="149"/>
-                  </a:cubicBezTo>
-                  <a:cubicBezTo>
-                    <a:pt x="205" y="173"/>
-                    <a:pt x="205" y="176"/>
-                    <a:pt x="176" y="205"/>
-                  </a:cubicBezTo>
-                  <a:cubicBezTo>
-                    <a:pt x="158" y="259"/>
-                    <a:pt x="106" y="255"/>
-                    <a:pt x="56" y="261"/>
-                  </a:cubicBezTo>
-                  <a:cubicBezTo>
-                    <a:pt x="3" y="296"/>
-                    <a:pt x="17" y="276"/>
-                    <a:pt x="0" y="309"/>
-                  </a:cubicBezTo>
-                  <a:close/>
-                </a:path>
-              </a:pathLst>
-            </a:custGeom>
-            <a:solidFill>
-              <a:schemeClr val="bg1"/>
-            </a:solidFill>
-            <a:ln w="9525" cap="flat" cmpd="sng">
-              <a:noFill/>
-              <a:prstDash val="solid"/>
-              <a:miter lim="800000"/>
-              <a:headEnd type="none" w="med" len="med"/>
-              <a:tailEnd type="none" w="med" len="med"/>
-            </a:ln>
-            <a:effectLst/>
-          </p:spPr>
-          <p:txBody>
-            <a:bodyPr wrap="none"/>
-            <a:lstStyle/>
-            <a:p>
-              <a:endParaRPr lang="en-US"/>
-            </a:p>
-          </p:txBody>
-        </p:sp>
-      </p:grpSp>
-    </p:spTree>
-  </p:cSld>
-  <p:clrMapOvr>
-    <a:masterClrMapping/>
-  </p:clrMapOvr>
-</p:sld>
-</file>
-
-<file path=ppt/slides/slide20.xml><?xml version="1.0" encoding="utf-8"?>
+<file path=ppt/slides/slide21.xml><?xml version="1.0" encoding="utf-8"?>
 <p:sld xmlns:a="http://schemas.openxmlformats.org/drawingml/2006/main" xmlns:r="http://schemas.openxmlformats.org/officeDocument/2006/relationships" xmlns:p="http://schemas.openxmlformats.org/presentationml/2006/main">
   <p:cSld>
     <p:spTree>
@@ -24042,7 +24211,7 @@
 </p:sld>
 </file>
 
-<file path=ppt/slides/slide21.xml><?xml version="1.0" encoding="utf-8"?>
+<file path=ppt/slides/slide22.xml><?xml version="1.0" encoding="utf-8"?>
 <p:sld xmlns:a="http://schemas.openxmlformats.org/drawingml/2006/main" xmlns:r="http://schemas.openxmlformats.org/officeDocument/2006/relationships" xmlns:p="http://schemas.openxmlformats.org/presentationml/2006/main">
   <p:cSld>
     <p:spTree>
@@ -26145,7 +26314,7 @@
 </p:sld>
 </file>
 
-<file path=ppt/slides/slide22.xml><?xml version="1.0" encoding="utf-8"?>
+<file path=ppt/slides/slide23.xml><?xml version="1.0" encoding="utf-8"?>
 <p:sld xmlns:a="http://schemas.openxmlformats.org/drawingml/2006/main" xmlns:r="http://schemas.openxmlformats.org/officeDocument/2006/relationships" xmlns:p="http://schemas.openxmlformats.org/presentationml/2006/main">
   <p:cSld>
     <p:spTree>
@@ -27618,7 +27787,7 @@
 </p:sld>
 </file>
 
-<file path=ppt/slides/slide23.xml><?xml version="1.0" encoding="utf-8"?>
+<file path=ppt/slides/slide24.xml><?xml version="1.0" encoding="utf-8"?>
 <p:sld xmlns:a="http://schemas.openxmlformats.org/drawingml/2006/main" xmlns:r="http://schemas.openxmlformats.org/officeDocument/2006/relationships" xmlns:p="http://schemas.openxmlformats.org/presentationml/2006/main">
   <p:cSld>
     <p:spTree>
@@ -28583,7 +28752,7 @@
 </p:sld>
 </file>
 
-<file path=ppt/slides/slide24.xml><?xml version="1.0" encoding="utf-8"?>
+<file path=ppt/slides/slide25.xml><?xml version="1.0" encoding="utf-8"?>
 <p:sld xmlns:a="http://schemas.openxmlformats.org/drawingml/2006/main" xmlns:r="http://schemas.openxmlformats.org/officeDocument/2006/relationships" xmlns:p="http://schemas.openxmlformats.org/presentationml/2006/main">
   <p:cSld>
     <p:spTree>
@@ -28806,7 +28975,7 @@
 </p:sld>
 </file>
 
-<file path=ppt/slides/slide25.xml><?xml version="1.0" encoding="utf-8"?>
+<file path=ppt/slides/slide26.xml><?xml version="1.0" encoding="utf-8"?>
 <p:sld xmlns:a="http://schemas.openxmlformats.org/drawingml/2006/main" xmlns:r="http://schemas.openxmlformats.org/officeDocument/2006/relationships" xmlns:p="http://schemas.openxmlformats.org/presentationml/2006/main">
   <p:cSld>
     <p:spTree>
@@ -28965,7 +29134,7 @@
 </p:sld>
 </file>
 
-<file path=ppt/slides/slide26.xml><?xml version="1.0" encoding="utf-8"?>
+<file path=ppt/slides/slide27.xml><?xml version="1.0" encoding="utf-8"?>
 <p:sld xmlns:a="http://schemas.openxmlformats.org/drawingml/2006/main" xmlns:r="http://schemas.openxmlformats.org/officeDocument/2006/relationships" xmlns:p="http://schemas.openxmlformats.org/presentationml/2006/main">
   <p:cSld>
     <p:spTree>
@@ -29139,7 +29308,7 @@
 </p:sld>
 </file>
 
-<file path=ppt/slides/slide27.xml><?xml version="1.0" encoding="utf-8"?>
+<file path=ppt/slides/slide28.xml><?xml version="1.0" encoding="utf-8"?>
 <p:sld xmlns:a="http://schemas.openxmlformats.org/drawingml/2006/main" xmlns:r="http://schemas.openxmlformats.org/officeDocument/2006/relationships" xmlns:p="http://schemas.openxmlformats.org/presentationml/2006/main">
   <p:cSld>
     <p:spTree>
@@ -30625,7 +30794,7 @@
 </p:sld>
 </file>
 
-<file path=ppt/slides/slide28.xml><?xml version="1.0" encoding="utf-8"?>
+<file path=ppt/slides/slide29.xml><?xml version="1.0" encoding="utf-8"?>
 <p:sld xmlns:a="http://schemas.openxmlformats.org/drawingml/2006/main" xmlns:r="http://schemas.openxmlformats.org/officeDocument/2006/relationships" xmlns:p="http://schemas.openxmlformats.org/presentationml/2006/main">
   <p:cSld>
     <p:spTree>
@@ -31414,7 +31583,1401 @@
 </p:sld>
 </file>
 
-<file path=ppt/slides/slide29.xml><?xml version="1.0" encoding="utf-8"?>
+<file path=ppt/slides/slide3.xml><?xml version="1.0" encoding="utf-8"?>
+<p:sld xmlns:a="http://schemas.openxmlformats.org/drawingml/2006/main" xmlns:r="http://schemas.openxmlformats.org/officeDocument/2006/relationships" xmlns:p="http://schemas.openxmlformats.org/presentationml/2006/main">
+  <p:cSld>
+    <p:spTree>
+      <p:nvGrpSpPr>
+        <p:cNvPr id="1" name=""/>
+        <p:cNvGrpSpPr/>
+        <p:nvPr/>
+      </p:nvGrpSpPr>
+      <p:grpSpPr>
+        <a:xfrm>
+          <a:off x="0" y="0"/>
+          <a:ext cx="0" cy="0"/>
+          <a:chOff x="0" y="0"/>
+          <a:chExt cx="0" cy="0"/>
+        </a:xfrm>
+      </p:grpSpPr>
+      <p:sp>
+        <p:nvSpPr>
+          <p:cNvPr id="2" name="Title 1"/>
+          <p:cNvSpPr>
+            <a:spLocks noGrp="1"/>
+          </p:cNvSpPr>
+          <p:nvPr>
+            <p:ph type="title"/>
+          </p:nvPr>
+        </p:nvSpPr>
+        <p:spPr/>
+        <p:txBody>
+          <a:bodyPr/>
+          <a:lstStyle/>
+          <a:p>
+            <a:endParaRPr lang="en-US"/>
+          </a:p>
+        </p:txBody>
+      </p:sp>
+      <p:sp>
+        <p:nvSpPr>
+          <p:cNvPr id="3" name="Content Placeholder 2"/>
+          <p:cNvSpPr>
+            <a:spLocks noGrp="1"/>
+          </p:cNvSpPr>
+          <p:nvPr>
+            <p:ph idx="1"/>
+          </p:nvPr>
+        </p:nvSpPr>
+        <p:spPr/>
+        <p:txBody>
+          <a:bodyPr/>
+          <a:lstStyle/>
+          <a:p>
+            <a:endParaRPr lang="en-US"/>
+          </a:p>
+        </p:txBody>
+      </p:sp>
+      <p:grpSp>
+        <p:nvGrpSpPr>
+          <p:cNvPr id="4" name="Group 3"/>
+          <p:cNvGrpSpPr/>
+          <p:nvPr/>
+        </p:nvGrpSpPr>
+        <p:grpSpPr>
+          <a:xfrm>
+            <a:off x="3494377" y="1880536"/>
+            <a:ext cx="2616201" cy="3652046"/>
+            <a:chOff x="5891213" y="1783554"/>
+            <a:chExt cx="2616201" cy="3652046"/>
+          </a:xfrm>
+        </p:grpSpPr>
+        <p:sp>
+          <p:nvSpPr>
+            <p:cNvPr id="5" name="Oval 49"/>
+            <p:cNvSpPr>
+              <a:spLocks noChangeArrowheads="1"/>
+            </p:cNvSpPr>
+            <p:nvPr/>
+          </p:nvSpPr>
+          <p:spPr bwMode="auto">
+            <a:xfrm>
+              <a:off x="6677026" y="4368800"/>
+              <a:ext cx="847725" cy="88900"/>
+            </a:xfrm>
+            <a:prstGeom prst="ellipse">
+              <a:avLst/>
+            </a:prstGeom>
+            <a:noFill/>
+            <a:ln w="9525">
+              <a:solidFill>
+                <a:schemeClr val="tx1"/>
+              </a:solidFill>
+              <a:miter lim="800000"/>
+              <a:headEnd/>
+              <a:tailEnd/>
+            </a:ln>
+            <a:effectLst/>
+          </p:spPr>
+          <p:txBody>
+            <a:bodyPr wrap="none" anchor="ctr"/>
+            <a:lstStyle/>
+            <a:p>
+              <a:endParaRPr lang="en-US"/>
+            </a:p>
+          </p:txBody>
+        </p:sp>
+        <p:sp>
+          <p:nvSpPr>
+            <p:cNvPr id="6" name="Line 40"/>
+            <p:cNvSpPr>
+              <a:spLocks noChangeShapeType="1"/>
+            </p:cNvSpPr>
+            <p:nvPr/>
+          </p:nvSpPr>
+          <p:spPr bwMode="auto">
+            <a:xfrm>
+              <a:off x="7088188" y="4914900"/>
+              <a:ext cx="1143000" cy="28575"/>
+            </a:xfrm>
+            <a:prstGeom prst="line">
+              <a:avLst/>
+            </a:prstGeom>
+            <a:noFill/>
+            <a:ln w="9525">
+              <a:solidFill>
+                <a:srgbClr val="FF0000"/>
+              </a:solidFill>
+              <a:miter lim="800000"/>
+              <a:headEnd/>
+              <a:tailEnd type="triangle" w="med" len="med"/>
+            </a:ln>
+            <a:effectLst/>
+          </p:spPr>
+          <p:txBody>
+            <a:bodyPr wrap="none"/>
+            <a:lstStyle/>
+            <a:p>
+              <a:endParaRPr lang="en-US"/>
+            </a:p>
+          </p:txBody>
+        </p:sp>
+        <p:sp>
+          <p:nvSpPr>
+            <p:cNvPr id="7" name="Line 41"/>
+            <p:cNvSpPr>
+              <a:spLocks noChangeShapeType="1"/>
+            </p:cNvSpPr>
+            <p:nvPr/>
+          </p:nvSpPr>
+          <p:spPr bwMode="auto">
+            <a:xfrm flipH="1">
+              <a:off x="5916613" y="4914900"/>
+              <a:ext cx="1185863" cy="28575"/>
+            </a:xfrm>
+            <a:prstGeom prst="line">
+              <a:avLst/>
+            </a:prstGeom>
+            <a:noFill/>
+            <a:ln w="9525">
+              <a:solidFill>
+                <a:srgbClr val="FF0000"/>
+              </a:solidFill>
+              <a:miter lim="800000"/>
+              <a:headEnd/>
+              <a:tailEnd type="triangle" w="med" len="med"/>
+            </a:ln>
+            <a:effectLst/>
+          </p:spPr>
+          <p:txBody>
+            <a:bodyPr wrap="none"/>
+            <a:lstStyle/>
+            <a:p>
+              <a:endParaRPr lang="en-US"/>
+            </a:p>
+          </p:txBody>
+        </p:sp>
+        <p:sp>
+          <p:nvSpPr>
+            <p:cNvPr id="8" name="Line 42"/>
+            <p:cNvSpPr>
+              <a:spLocks noChangeShapeType="1"/>
+            </p:cNvSpPr>
+            <p:nvPr/>
+          </p:nvSpPr>
+          <p:spPr bwMode="auto">
+            <a:xfrm flipH="1" flipV="1">
+              <a:off x="6411913" y="4872038"/>
+              <a:ext cx="657225" cy="42862"/>
+            </a:xfrm>
+            <a:prstGeom prst="line">
+              <a:avLst/>
+            </a:prstGeom>
+            <a:noFill/>
+            <a:ln w="9525">
+              <a:solidFill>
+                <a:srgbClr val="FF0000"/>
+              </a:solidFill>
+              <a:miter lim="800000"/>
+              <a:headEnd/>
+              <a:tailEnd type="triangle" w="med" len="med"/>
+            </a:ln>
+            <a:effectLst/>
+          </p:spPr>
+          <p:txBody>
+            <a:bodyPr wrap="none"/>
+            <a:lstStyle/>
+            <a:p>
+              <a:endParaRPr lang="en-US"/>
+            </a:p>
+          </p:txBody>
+        </p:sp>
+        <p:sp>
+          <p:nvSpPr>
+            <p:cNvPr id="9" name="Line 43"/>
+            <p:cNvSpPr>
+              <a:spLocks noChangeShapeType="1"/>
+            </p:cNvSpPr>
+            <p:nvPr/>
+          </p:nvSpPr>
+          <p:spPr bwMode="auto">
+            <a:xfrm flipV="1">
+              <a:off x="7107238" y="4867275"/>
+              <a:ext cx="333375" cy="42862"/>
+            </a:xfrm>
+            <a:prstGeom prst="line">
+              <a:avLst/>
+            </a:prstGeom>
+            <a:noFill/>
+            <a:ln w="9525">
+              <a:solidFill>
+                <a:srgbClr val="FF0000"/>
+              </a:solidFill>
+              <a:miter lim="800000"/>
+              <a:headEnd/>
+              <a:tailEnd type="triangle" w="med" len="med"/>
+            </a:ln>
+            <a:effectLst/>
+          </p:spPr>
+          <p:txBody>
+            <a:bodyPr wrap="none"/>
+            <a:lstStyle/>
+            <a:p>
+              <a:endParaRPr lang="en-US"/>
+            </a:p>
+          </p:txBody>
+        </p:sp>
+        <p:sp>
+          <p:nvSpPr>
+            <p:cNvPr id="10" name="Line 32"/>
+            <p:cNvSpPr>
+              <a:spLocks noChangeShapeType="1"/>
+            </p:cNvSpPr>
+            <p:nvPr/>
+          </p:nvSpPr>
+          <p:spPr bwMode="auto">
+            <a:xfrm>
+              <a:off x="7088188" y="2578100"/>
+              <a:ext cx="1143000" cy="28575"/>
+            </a:xfrm>
+            <a:prstGeom prst="line">
+              <a:avLst/>
+            </a:prstGeom>
+            <a:noFill/>
+            <a:ln w="9525">
+              <a:solidFill>
+                <a:srgbClr val="FF0000"/>
+              </a:solidFill>
+              <a:miter lim="800000"/>
+              <a:headEnd/>
+              <a:tailEnd type="triangle" w="med" len="med"/>
+            </a:ln>
+            <a:effectLst/>
+          </p:spPr>
+          <p:txBody>
+            <a:bodyPr wrap="none"/>
+            <a:lstStyle/>
+            <a:p>
+              <a:endParaRPr lang="en-US"/>
+            </a:p>
+          </p:txBody>
+        </p:sp>
+        <p:sp>
+          <p:nvSpPr>
+            <p:cNvPr id="11" name="Line 33"/>
+            <p:cNvSpPr>
+              <a:spLocks noChangeShapeType="1"/>
+            </p:cNvSpPr>
+            <p:nvPr/>
+          </p:nvSpPr>
+          <p:spPr bwMode="auto">
+            <a:xfrm flipH="1">
+              <a:off x="5916613" y="2578100"/>
+              <a:ext cx="1185863" cy="28575"/>
+            </a:xfrm>
+            <a:prstGeom prst="line">
+              <a:avLst/>
+            </a:prstGeom>
+            <a:noFill/>
+            <a:ln w="9525">
+              <a:solidFill>
+                <a:srgbClr val="FF0000"/>
+              </a:solidFill>
+              <a:miter lim="800000"/>
+              <a:headEnd/>
+              <a:tailEnd type="triangle" w="med" len="med"/>
+            </a:ln>
+            <a:effectLst/>
+          </p:spPr>
+          <p:txBody>
+            <a:bodyPr wrap="none"/>
+            <a:lstStyle/>
+            <a:p>
+              <a:endParaRPr lang="en-US"/>
+            </a:p>
+          </p:txBody>
+        </p:sp>
+        <p:sp>
+          <p:nvSpPr>
+            <p:cNvPr id="12" name="Line 34"/>
+            <p:cNvSpPr>
+              <a:spLocks noChangeShapeType="1"/>
+            </p:cNvSpPr>
+            <p:nvPr/>
+          </p:nvSpPr>
+          <p:spPr bwMode="auto">
+            <a:xfrm flipH="1" flipV="1">
+              <a:off x="6411913" y="2535238"/>
+              <a:ext cx="657225" cy="42862"/>
+            </a:xfrm>
+            <a:prstGeom prst="line">
+              <a:avLst/>
+            </a:prstGeom>
+            <a:noFill/>
+            <a:ln w="9525">
+              <a:solidFill>
+                <a:srgbClr val="FF0000"/>
+              </a:solidFill>
+              <a:miter lim="800000"/>
+              <a:headEnd/>
+              <a:tailEnd type="triangle" w="med" len="med"/>
+            </a:ln>
+            <a:effectLst/>
+          </p:spPr>
+          <p:txBody>
+            <a:bodyPr wrap="none"/>
+            <a:lstStyle/>
+            <a:p>
+              <a:endParaRPr lang="en-US"/>
+            </a:p>
+          </p:txBody>
+        </p:sp>
+        <p:sp>
+          <p:nvSpPr>
+            <p:cNvPr id="13" name="Line 35"/>
+            <p:cNvSpPr>
+              <a:spLocks noChangeShapeType="1"/>
+            </p:cNvSpPr>
+            <p:nvPr/>
+          </p:nvSpPr>
+          <p:spPr bwMode="auto">
+            <a:xfrm flipV="1">
+              <a:off x="7107238" y="2530475"/>
+              <a:ext cx="333375" cy="42862"/>
+            </a:xfrm>
+            <a:prstGeom prst="line">
+              <a:avLst/>
+            </a:prstGeom>
+            <a:noFill/>
+            <a:ln w="9525">
+              <a:solidFill>
+                <a:srgbClr val="FF0000"/>
+              </a:solidFill>
+              <a:miter lim="800000"/>
+              <a:headEnd/>
+              <a:tailEnd type="triangle" w="med" len="med"/>
+            </a:ln>
+            <a:effectLst/>
+          </p:spPr>
+          <p:txBody>
+            <a:bodyPr wrap="none"/>
+            <a:lstStyle/>
+            <a:p>
+              <a:endParaRPr lang="en-US"/>
+            </a:p>
+          </p:txBody>
+        </p:sp>
+        <p:sp>
+          <p:nvSpPr>
+            <p:cNvPr id="14" name="Line 20"/>
+            <p:cNvSpPr>
+              <a:spLocks noChangeShapeType="1"/>
+            </p:cNvSpPr>
+            <p:nvPr/>
+          </p:nvSpPr>
+          <p:spPr bwMode="auto">
+            <a:xfrm>
+              <a:off x="7062788" y="3327400"/>
+              <a:ext cx="1143000" cy="28575"/>
+            </a:xfrm>
+            <a:prstGeom prst="line">
+              <a:avLst/>
+            </a:prstGeom>
+            <a:noFill/>
+            <a:ln w="9525">
+              <a:solidFill>
+                <a:srgbClr val="FF0000"/>
+              </a:solidFill>
+              <a:miter lim="800000"/>
+              <a:headEnd/>
+              <a:tailEnd type="triangle" w="med" len="med"/>
+            </a:ln>
+            <a:effectLst/>
+          </p:spPr>
+          <p:txBody>
+            <a:bodyPr wrap="none"/>
+            <a:lstStyle/>
+            <a:p>
+              <a:endParaRPr lang="en-US"/>
+            </a:p>
+          </p:txBody>
+        </p:sp>
+        <p:sp>
+          <p:nvSpPr>
+            <p:cNvPr id="15" name="Line 21"/>
+            <p:cNvSpPr>
+              <a:spLocks noChangeShapeType="1"/>
+            </p:cNvSpPr>
+            <p:nvPr/>
+          </p:nvSpPr>
+          <p:spPr bwMode="auto">
+            <a:xfrm flipH="1">
+              <a:off x="5891213" y="3327400"/>
+              <a:ext cx="1185863" cy="28575"/>
+            </a:xfrm>
+            <a:prstGeom prst="line">
+              <a:avLst/>
+            </a:prstGeom>
+            <a:noFill/>
+            <a:ln w="9525">
+              <a:solidFill>
+                <a:srgbClr val="FF0000"/>
+              </a:solidFill>
+              <a:miter lim="800000"/>
+              <a:headEnd/>
+              <a:tailEnd type="triangle" w="med" len="med"/>
+            </a:ln>
+            <a:effectLst/>
+          </p:spPr>
+          <p:txBody>
+            <a:bodyPr wrap="none"/>
+            <a:lstStyle/>
+            <a:p>
+              <a:endParaRPr lang="en-US"/>
+            </a:p>
+          </p:txBody>
+        </p:sp>
+        <p:sp>
+          <p:nvSpPr>
+            <p:cNvPr id="16" name="Line 22"/>
+            <p:cNvSpPr>
+              <a:spLocks noChangeShapeType="1"/>
+            </p:cNvSpPr>
+            <p:nvPr/>
+          </p:nvSpPr>
+          <p:spPr bwMode="auto">
+            <a:xfrm flipH="1" flipV="1">
+              <a:off x="6386513" y="3284538"/>
+              <a:ext cx="657225" cy="42862"/>
+            </a:xfrm>
+            <a:prstGeom prst="line">
+              <a:avLst/>
+            </a:prstGeom>
+            <a:noFill/>
+            <a:ln w="9525">
+              <a:solidFill>
+                <a:srgbClr val="FF0000"/>
+              </a:solidFill>
+              <a:miter lim="800000"/>
+              <a:headEnd/>
+              <a:tailEnd type="triangle" w="med" len="med"/>
+            </a:ln>
+            <a:effectLst/>
+          </p:spPr>
+          <p:txBody>
+            <a:bodyPr wrap="none"/>
+            <a:lstStyle/>
+            <a:p>
+              <a:endParaRPr lang="en-US"/>
+            </a:p>
+          </p:txBody>
+        </p:sp>
+        <p:sp>
+          <p:nvSpPr>
+            <p:cNvPr id="17" name="Line 23"/>
+            <p:cNvSpPr>
+              <a:spLocks noChangeShapeType="1"/>
+            </p:cNvSpPr>
+            <p:nvPr/>
+          </p:nvSpPr>
+          <p:spPr bwMode="auto">
+            <a:xfrm flipV="1">
+              <a:off x="7081838" y="3279775"/>
+              <a:ext cx="333375" cy="42862"/>
+            </a:xfrm>
+            <a:prstGeom prst="line">
+              <a:avLst/>
+            </a:prstGeom>
+            <a:noFill/>
+            <a:ln w="9525">
+              <a:solidFill>
+                <a:srgbClr val="FF0000"/>
+              </a:solidFill>
+              <a:miter lim="800000"/>
+              <a:headEnd/>
+              <a:tailEnd type="triangle" w="med" len="med"/>
+            </a:ln>
+            <a:effectLst/>
+          </p:spPr>
+          <p:txBody>
+            <a:bodyPr wrap="none"/>
+            <a:lstStyle/>
+            <a:p>
+              <a:endParaRPr lang="en-US"/>
+            </a:p>
+          </p:txBody>
+        </p:sp>
+        <p:sp>
+          <p:nvSpPr>
+            <p:cNvPr id="18" name="Line 12"/>
+            <p:cNvSpPr>
+              <a:spLocks noChangeShapeType="1"/>
+            </p:cNvSpPr>
+            <p:nvPr/>
+          </p:nvSpPr>
+          <p:spPr bwMode="auto">
+            <a:xfrm>
+              <a:off x="7062788" y="3987800"/>
+              <a:ext cx="1143000" cy="28575"/>
+            </a:xfrm>
+            <a:prstGeom prst="line">
+              <a:avLst/>
+            </a:prstGeom>
+            <a:noFill/>
+            <a:ln w="9525">
+              <a:solidFill>
+                <a:srgbClr val="FF0000"/>
+              </a:solidFill>
+              <a:miter lim="800000"/>
+              <a:headEnd/>
+              <a:tailEnd type="triangle" w="med" len="med"/>
+            </a:ln>
+            <a:effectLst/>
+          </p:spPr>
+          <p:txBody>
+            <a:bodyPr wrap="none"/>
+            <a:lstStyle/>
+            <a:p>
+              <a:endParaRPr lang="en-US"/>
+            </a:p>
+          </p:txBody>
+        </p:sp>
+        <p:sp>
+          <p:nvSpPr>
+            <p:cNvPr id="19" name="Line 17"/>
+            <p:cNvSpPr>
+              <a:spLocks noChangeShapeType="1"/>
+            </p:cNvSpPr>
+            <p:nvPr/>
+          </p:nvSpPr>
+          <p:spPr bwMode="auto">
+            <a:xfrm flipH="1">
+              <a:off x="5891213" y="3987800"/>
+              <a:ext cx="1185863" cy="28575"/>
+            </a:xfrm>
+            <a:prstGeom prst="line">
+              <a:avLst/>
+            </a:prstGeom>
+            <a:noFill/>
+            <a:ln w="9525">
+              <a:solidFill>
+                <a:srgbClr val="FF0000"/>
+              </a:solidFill>
+              <a:miter lim="800000"/>
+              <a:headEnd/>
+              <a:tailEnd type="triangle" w="med" len="med"/>
+            </a:ln>
+            <a:effectLst/>
+          </p:spPr>
+          <p:txBody>
+            <a:bodyPr wrap="none"/>
+            <a:lstStyle/>
+            <a:p>
+              <a:endParaRPr lang="en-US"/>
+            </a:p>
+          </p:txBody>
+        </p:sp>
+        <p:sp>
+          <p:nvSpPr>
+            <p:cNvPr id="20" name="Line 18"/>
+            <p:cNvSpPr>
+              <a:spLocks noChangeShapeType="1"/>
+            </p:cNvSpPr>
+            <p:nvPr/>
+          </p:nvSpPr>
+          <p:spPr bwMode="auto">
+            <a:xfrm flipH="1" flipV="1">
+              <a:off x="6386513" y="3944938"/>
+              <a:ext cx="657225" cy="42862"/>
+            </a:xfrm>
+            <a:prstGeom prst="line">
+              <a:avLst/>
+            </a:prstGeom>
+            <a:noFill/>
+            <a:ln w="9525">
+              <a:solidFill>
+                <a:srgbClr val="FF0000"/>
+              </a:solidFill>
+              <a:miter lim="800000"/>
+              <a:headEnd/>
+              <a:tailEnd type="triangle" w="med" len="med"/>
+            </a:ln>
+            <a:effectLst/>
+          </p:spPr>
+          <p:txBody>
+            <a:bodyPr wrap="none"/>
+            <a:lstStyle/>
+            <a:p>
+              <a:endParaRPr lang="en-US"/>
+            </a:p>
+          </p:txBody>
+        </p:sp>
+        <p:sp>
+          <p:nvSpPr>
+            <p:cNvPr id="21" name="Line 19"/>
+            <p:cNvSpPr>
+              <a:spLocks noChangeShapeType="1"/>
+            </p:cNvSpPr>
+            <p:nvPr/>
+          </p:nvSpPr>
+          <p:spPr bwMode="auto">
+            <a:xfrm flipV="1">
+              <a:off x="7081838" y="3940175"/>
+              <a:ext cx="333375" cy="42862"/>
+            </a:xfrm>
+            <a:prstGeom prst="line">
+              <a:avLst/>
+            </a:prstGeom>
+            <a:noFill/>
+            <a:ln w="9525">
+              <a:solidFill>
+                <a:srgbClr val="FF0000"/>
+              </a:solidFill>
+              <a:miter lim="800000"/>
+              <a:headEnd/>
+              <a:tailEnd type="triangle" w="med" len="med"/>
+            </a:ln>
+            <a:effectLst/>
+          </p:spPr>
+          <p:txBody>
+            <a:bodyPr wrap="none"/>
+            <a:lstStyle/>
+            <a:p>
+              <a:endParaRPr lang="en-US"/>
+            </a:p>
+          </p:txBody>
+        </p:sp>
+        <p:sp>
+          <p:nvSpPr>
+            <p:cNvPr id="22" name="AutoShape 10"/>
+            <p:cNvSpPr>
+              <a:spLocks noChangeArrowheads="1"/>
+            </p:cNvSpPr>
+            <p:nvPr/>
+          </p:nvSpPr>
+          <p:spPr bwMode="auto">
+            <a:xfrm>
+              <a:off x="6972301" y="3576638"/>
+              <a:ext cx="203200" cy="1858962"/>
+            </a:xfrm>
+            <a:prstGeom prst="can">
+              <a:avLst>
+                <a:gd name="adj" fmla="val 17153"/>
+              </a:avLst>
+            </a:prstGeom>
+            <a:solidFill>
+              <a:srgbClr val="FF9900"/>
+            </a:solidFill>
+            <a:ln w="9525">
+              <a:solidFill>
+                <a:schemeClr val="tx1"/>
+              </a:solidFill>
+              <a:miter lim="800000"/>
+              <a:headEnd/>
+              <a:tailEnd/>
+            </a:ln>
+            <a:effectLst/>
+          </p:spPr>
+          <p:txBody>
+            <a:bodyPr wrap="none" anchor="ctr"/>
+            <a:lstStyle/>
+            <a:p>
+              <a:endParaRPr lang="en-US"/>
+            </a:p>
+          </p:txBody>
+        </p:sp>
+        <p:sp>
+          <p:nvSpPr>
+            <p:cNvPr id="23" name="AutoShape 8"/>
+            <p:cNvSpPr>
+              <a:spLocks noChangeArrowheads="1"/>
+            </p:cNvSpPr>
+            <p:nvPr/>
+          </p:nvSpPr>
+          <p:spPr bwMode="auto">
+            <a:xfrm>
+              <a:off x="6673851" y="3586163"/>
+              <a:ext cx="850900" cy="877887"/>
+            </a:xfrm>
+            <a:prstGeom prst="can">
+              <a:avLst>
+                <a:gd name="adj" fmla="val 13451"/>
+              </a:avLst>
+            </a:prstGeom>
+            <a:solidFill>
+              <a:schemeClr val="accent1">
+                <a:alpha val="58000"/>
+              </a:schemeClr>
+            </a:solidFill>
+            <a:ln w="9525">
+              <a:solidFill>
+                <a:schemeClr val="tx1"/>
+              </a:solidFill>
+              <a:miter lim="800000"/>
+              <a:headEnd/>
+              <a:tailEnd/>
+            </a:ln>
+            <a:effectLst/>
+          </p:spPr>
+          <p:txBody>
+            <a:bodyPr wrap="none" anchor="ctr"/>
+            <a:lstStyle/>
+            <a:p>
+              <a:endParaRPr lang="en-US"/>
+            </a:p>
+          </p:txBody>
+        </p:sp>
+        <p:sp>
+          <p:nvSpPr>
+            <p:cNvPr id="24" name="AutoShape 9"/>
+            <p:cNvSpPr>
+              <a:spLocks noChangeArrowheads="1"/>
+            </p:cNvSpPr>
+            <p:nvPr/>
+          </p:nvSpPr>
+          <p:spPr bwMode="auto">
+            <a:xfrm>
+              <a:off x="6972301" y="1783554"/>
+              <a:ext cx="203200" cy="1858962"/>
+            </a:xfrm>
+            <a:prstGeom prst="can">
+              <a:avLst>
+                <a:gd name="adj" fmla="val 17153"/>
+              </a:avLst>
+            </a:prstGeom>
+            <a:solidFill>
+              <a:srgbClr val="FF9900"/>
+            </a:solidFill>
+            <a:ln w="9525">
+              <a:solidFill>
+                <a:schemeClr val="tx1"/>
+              </a:solidFill>
+              <a:miter lim="800000"/>
+              <a:headEnd/>
+              <a:tailEnd/>
+            </a:ln>
+            <a:effectLst/>
+          </p:spPr>
+          <p:txBody>
+            <a:bodyPr wrap="none" anchor="ctr"/>
+            <a:lstStyle/>
+            <a:p>
+              <a:endParaRPr lang="en-US"/>
+            </a:p>
+          </p:txBody>
+        </p:sp>
+        <p:sp>
+          <p:nvSpPr>
+            <p:cNvPr id="25" name="Line 13"/>
+            <p:cNvSpPr>
+              <a:spLocks noChangeShapeType="1"/>
+            </p:cNvSpPr>
+            <p:nvPr/>
+          </p:nvSpPr>
+          <p:spPr bwMode="auto">
+            <a:xfrm>
+              <a:off x="7100888" y="4022725"/>
+              <a:ext cx="138113" cy="88900"/>
+            </a:xfrm>
+            <a:prstGeom prst="line">
+              <a:avLst/>
+            </a:prstGeom>
+            <a:noFill/>
+            <a:ln w="9525">
+              <a:solidFill>
+                <a:srgbClr val="FF0000"/>
+              </a:solidFill>
+              <a:miter lim="800000"/>
+              <a:headEnd/>
+              <a:tailEnd type="triangle" w="med" len="med"/>
+            </a:ln>
+            <a:effectLst/>
+          </p:spPr>
+          <p:txBody>
+            <a:bodyPr wrap="none"/>
+            <a:lstStyle/>
+            <a:p>
+              <a:endParaRPr lang="en-US"/>
+            </a:p>
+          </p:txBody>
+        </p:sp>
+        <p:sp>
+          <p:nvSpPr>
+            <p:cNvPr id="26" name="Line 16"/>
+            <p:cNvSpPr>
+              <a:spLocks noChangeShapeType="1"/>
+            </p:cNvSpPr>
+            <p:nvPr/>
+          </p:nvSpPr>
+          <p:spPr bwMode="auto">
+            <a:xfrm flipH="1">
+              <a:off x="6900863" y="4025900"/>
+              <a:ext cx="127000" cy="90487"/>
+            </a:xfrm>
+            <a:prstGeom prst="line">
+              <a:avLst/>
+            </a:prstGeom>
+            <a:noFill/>
+            <a:ln w="9525">
+              <a:solidFill>
+                <a:srgbClr val="FF0000"/>
+              </a:solidFill>
+              <a:miter lim="800000"/>
+              <a:headEnd/>
+              <a:tailEnd type="triangle" w="med" len="med"/>
+            </a:ln>
+            <a:effectLst/>
+          </p:spPr>
+          <p:txBody>
+            <a:bodyPr wrap="none"/>
+            <a:lstStyle/>
+            <a:p>
+              <a:endParaRPr lang="en-US"/>
+            </a:p>
+          </p:txBody>
+        </p:sp>
+        <p:sp>
+          <p:nvSpPr>
+            <p:cNvPr id="27" name="Line 14"/>
+            <p:cNvSpPr>
+              <a:spLocks noChangeShapeType="1"/>
+            </p:cNvSpPr>
+            <p:nvPr/>
+          </p:nvSpPr>
+          <p:spPr bwMode="auto">
+            <a:xfrm flipH="1">
+              <a:off x="6353176" y="4008438"/>
+              <a:ext cx="620713" cy="84137"/>
+            </a:xfrm>
+            <a:prstGeom prst="line">
+              <a:avLst/>
+            </a:prstGeom>
+            <a:noFill/>
+            <a:ln w="9525">
+              <a:solidFill>
+                <a:srgbClr val="FF0000"/>
+              </a:solidFill>
+              <a:miter lim="800000"/>
+              <a:headEnd/>
+              <a:tailEnd type="triangle" w="med" len="med"/>
+            </a:ln>
+            <a:effectLst/>
+          </p:spPr>
+          <p:txBody>
+            <a:bodyPr wrap="none"/>
+            <a:lstStyle/>
+            <a:p>
+              <a:endParaRPr lang="en-US"/>
+            </a:p>
+          </p:txBody>
+        </p:sp>
+        <p:sp>
+          <p:nvSpPr>
+            <p:cNvPr id="28" name="Line 11"/>
+            <p:cNvSpPr>
+              <a:spLocks noChangeShapeType="1"/>
+            </p:cNvSpPr>
+            <p:nvPr/>
+          </p:nvSpPr>
+          <p:spPr bwMode="auto">
+            <a:xfrm>
+              <a:off x="7177088" y="4008438"/>
+              <a:ext cx="714375" cy="79375"/>
+            </a:xfrm>
+            <a:prstGeom prst="line">
+              <a:avLst/>
+            </a:prstGeom>
+            <a:noFill/>
+            <a:ln w="9525">
+              <a:solidFill>
+                <a:srgbClr val="FF0000"/>
+              </a:solidFill>
+              <a:miter lim="800000"/>
+              <a:headEnd/>
+              <a:tailEnd type="triangle" w="med" len="med"/>
+            </a:ln>
+            <a:effectLst/>
+          </p:spPr>
+          <p:txBody>
+            <a:bodyPr wrap="none"/>
+            <a:lstStyle/>
+            <a:p>
+              <a:endParaRPr lang="en-US"/>
+            </a:p>
+          </p:txBody>
+        </p:sp>
+        <p:sp>
+          <p:nvSpPr>
+            <p:cNvPr id="29" name="Line 24"/>
+            <p:cNvSpPr>
+              <a:spLocks noChangeShapeType="1"/>
+            </p:cNvSpPr>
+            <p:nvPr/>
+          </p:nvSpPr>
+          <p:spPr bwMode="auto">
+            <a:xfrm>
+              <a:off x="7100888" y="3362325"/>
+              <a:ext cx="138113" cy="88900"/>
+            </a:xfrm>
+            <a:prstGeom prst="line">
+              <a:avLst/>
+            </a:prstGeom>
+            <a:noFill/>
+            <a:ln w="9525">
+              <a:solidFill>
+                <a:srgbClr val="FF0000"/>
+              </a:solidFill>
+              <a:miter lim="800000"/>
+              <a:headEnd/>
+              <a:tailEnd type="triangle" w="med" len="med"/>
+            </a:ln>
+            <a:effectLst/>
+          </p:spPr>
+          <p:txBody>
+            <a:bodyPr wrap="none"/>
+            <a:lstStyle/>
+            <a:p>
+              <a:endParaRPr lang="en-US"/>
+            </a:p>
+          </p:txBody>
+        </p:sp>
+        <p:sp>
+          <p:nvSpPr>
+            <p:cNvPr id="30" name="Line 25"/>
+            <p:cNvSpPr>
+              <a:spLocks noChangeShapeType="1"/>
+            </p:cNvSpPr>
+            <p:nvPr/>
+          </p:nvSpPr>
+          <p:spPr bwMode="auto">
+            <a:xfrm flipH="1">
+              <a:off x="6900863" y="3365500"/>
+              <a:ext cx="127000" cy="90487"/>
+            </a:xfrm>
+            <a:prstGeom prst="line">
+              <a:avLst/>
+            </a:prstGeom>
+            <a:noFill/>
+            <a:ln w="9525">
+              <a:solidFill>
+                <a:srgbClr val="FF0000"/>
+              </a:solidFill>
+              <a:miter lim="800000"/>
+              <a:headEnd/>
+              <a:tailEnd type="triangle" w="med" len="med"/>
+            </a:ln>
+            <a:effectLst/>
+          </p:spPr>
+          <p:txBody>
+            <a:bodyPr wrap="none"/>
+            <a:lstStyle/>
+            <a:p>
+              <a:endParaRPr lang="en-US"/>
+            </a:p>
+          </p:txBody>
+        </p:sp>
+        <p:sp>
+          <p:nvSpPr>
+            <p:cNvPr id="31" name="Line 26"/>
+            <p:cNvSpPr>
+              <a:spLocks noChangeShapeType="1"/>
+            </p:cNvSpPr>
+            <p:nvPr/>
+          </p:nvSpPr>
+          <p:spPr bwMode="auto">
+            <a:xfrm flipH="1">
+              <a:off x="6353176" y="3348038"/>
+              <a:ext cx="620713" cy="84137"/>
+            </a:xfrm>
+            <a:prstGeom prst="line">
+              <a:avLst/>
+            </a:prstGeom>
+            <a:noFill/>
+            <a:ln w="9525">
+              <a:solidFill>
+                <a:srgbClr val="FF0000"/>
+              </a:solidFill>
+              <a:miter lim="800000"/>
+              <a:headEnd/>
+              <a:tailEnd type="triangle" w="med" len="med"/>
+            </a:ln>
+            <a:effectLst/>
+          </p:spPr>
+          <p:txBody>
+            <a:bodyPr wrap="none"/>
+            <a:lstStyle/>
+            <a:p>
+              <a:endParaRPr lang="en-US"/>
+            </a:p>
+          </p:txBody>
+        </p:sp>
+        <p:sp>
+          <p:nvSpPr>
+            <p:cNvPr id="32" name="Line 27"/>
+            <p:cNvSpPr>
+              <a:spLocks noChangeShapeType="1"/>
+            </p:cNvSpPr>
+            <p:nvPr/>
+          </p:nvSpPr>
+          <p:spPr bwMode="auto">
+            <a:xfrm>
+              <a:off x="7177088" y="3348038"/>
+              <a:ext cx="714375" cy="79375"/>
+            </a:xfrm>
+            <a:prstGeom prst="line">
+              <a:avLst/>
+            </a:prstGeom>
+            <a:noFill/>
+            <a:ln w="9525">
+              <a:solidFill>
+                <a:srgbClr val="FF0000"/>
+              </a:solidFill>
+              <a:miter lim="800000"/>
+              <a:headEnd/>
+              <a:tailEnd type="triangle" w="med" len="med"/>
+            </a:ln>
+            <a:effectLst/>
+          </p:spPr>
+          <p:txBody>
+            <a:bodyPr wrap="none"/>
+            <a:lstStyle/>
+            <a:p>
+              <a:endParaRPr lang="en-US"/>
+            </a:p>
+          </p:txBody>
+        </p:sp>
+        <p:sp>
+          <p:nvSpPr>
+            <p:cNvPr id="33" name="Line 36"/>
+            <p:cNvSpPr>
+              <a:spLocks noChangeShapeType="1"/>
+            </p:cNvSpPr>
+            <p:nvPr/>
+          </p:nvSpPr>
+          <p:spPr bwMode="auto">
+            <a:xfrm>
+              <a:off x="7126288" y="2613025"/>
+              <a:ext cx="138113" cy="88900"/>
+            </a:xfrm>
+            <a:prstGeom prst="line">
+              <a:avLst/>
+            </a:prstGeom>
+            <a:noFill/>
+            <a:ln w="9525">
+              <a:solidFill>
+                <a:srgbClr val="FF0000"/>
+              </a:solidFill>
+              <a:miter lim="800000"/>
+              <a:headEnd/>
+              <a:tailEnd type="triangle" w="med" len="med"/>
+            </a:ln>
+            <a:effectLst/>
+          </p:spPr>
+          <p:txBody>
+            <a:bodyPr wrap="none"/>
+            <a:lstStyle/>
+            <a:p>
+              <a:endParaRPr lang="en-US"/>
+            </a:p>
+          </p:txBody>
+        </p:sp>
+        <p:sp>
+          <p:nvSpPr>
+            <p:cNvPr id="34" name="Line 37"/>
+            <p:cNvSpPr>
+              <a:spLocks noChangeShapeType="1"/>
+            </p:cNvSpPr>
+            <p:nvPr/>
+          </p:nvSpPr>
+          <p:spPr bwMode="auto">
+            <a:xfrm flipH="1">
+              <a:off x="6926263" y="2616200"/>
+              <a:ext cx="127000" cy="90487"/>
+            </a:xfrm>
+            <a:prstGeom prst="line">
+              <a:avLst/>
+            </a:prstGeom>
+            <a:noFill/>
+            <a:ln w="9525">
+              <a:solidFill>
+                <a:srgbClr val="FF0000"/>
+              </a:solidFill>
+              <a:miter lim="800000"/>
+              <a:headEnd/>
+              <a:tailEnd type="triangle" w="med" len="med"/>
+            </a:ln>
+            <a:effectLst/>
+          </p:spPr>
+          <p:txBody>
+            <a:bodyPr wrap="none"/>
+            <a:lstStyle/>
+            <a:p>
+              <a:endParaRPr lang="en-US"/>
+            </a:p>
+          </p:txBody>
+        </p:sp>
+        <p:sp>
+          <p:nvSpPr>
+            <p:cNvPr id="35" name="Line 38"/>
+            <p:cNvSpPr>
+              <a:spLocks noChangeShapeType="1"/>
+            </p:cNvSpPr>
+            <p:nvPr/>
+          </p:nvSpPr>
+          <p:spPr bwMode="auto">
+            <a:xfrm flipH="1">
+              <a:off x="6378576" y="2598738"/>
+              <a:ext cx="620713" cy="84137"/>
+            </a:xfrm>
+            <a:prstGeom prst="line">
+              <a:avLst/>
+            </a:prstGeom>
+            <a:noFill/>
+            <a:ln w="9525">
+              <a:solidFill>
+                <a:srgbClr val="FF0000"/>
+              </a:solidFill>
+              <a:miter lim="800000"/>
+              <a:headEnd/>
+              <a:tailEnd type="triangle" w="med" len="med"/>
+            </a:ln>
+            <a:effectLst/>
+          </p:spPr>
+          <p:txBody>
+            <a:bodyPr wrap="none"/>
+            <a:lstStyle/>
+            <a:p>
+              <a:endParaRPr lang="en-US"/>
+            </a:p>
+          </p:txBody>
+        </p:sp>
+        <p:sp>
+          <p:nvSpPr>
+            <p:cNvPr id="36" name="Line 39"/>
+            <p:cNvSpPr>
+              <a:spLocks noChangeShapeType="1"/>
+            </p:cNvSpPr>
+            <p:nvPr/>
+          </p:nvSpPr>
+          <p:spPr bwMode="auto">
+            <a:xfrm>
+              <a:off x="7202488" y="2598738"/>
+              <a:ext cx="714375" cy="79375"/>
+            </a:xfrm>
+            <a:prstGeom prst="line">
+              <a:avLst/>
+            </a:prstGeom>
+            <a:noFill/>
+            <a:ln w="9525">
+              <a:solidFill>
+                <a:srgbClr val="FF0000"/>
+              </a:solidFill>
+              <a:miter lim="800000"/>
+              <a:headEnd/>
+              <a:tailEnd type="triangle" w="med" len="med"/>
+            </a:ln>
+            <a:effectLst/>
+          </p:spPr>
+          <p:txBody>
+            <a:bodyPr wrap="none"/>
+            <a:lstStyle/>
+            <a:p>
+              <a:endParaRPr lang="en-US"/>
+            </a:p>
+          </p:txBody>
+        </p:sp>
+        <p:sp>
+          <p:nvSpPr>
+            <p:cNvPr id="37" name="Line 44"/>
+            <p:cNvSpPr>
+              <a:spLocks noChangeShapeType="1"/>
+            </p:cNvSpPr>
+            <p:nvPr/>
+          </p:nvSpPr>
+          <p:spPr bwMode="auto">
+            <a:xfrm>
+              <a:off x="7126288" y="4949825"/>
+              <a:ext cx="138113" cy="88900"/>
+            </a:xfrm>
+            <a:prstGeom prst="line">
+              <a:avLst/>
+            </a:prstGeom>
+            <a:noFill/>
+            <a:ln w="9525">
+              <a:solidFill>
+                <a:srgbClr val="FF0000"/>
+              </a:solidFill>
+              <a:miter lim="800000"/>
+              <a:headEnd/>
+              <a:tailEnd type="triangle" w="med" len="med"/>
+            </a:ln>
+            <a:effectLst/>
+          </p:spPr>
+          <p:txBody>
+            <a:bodyPr wrap="none"/>
+            <a:lstStyle/>
+            <a:p>
+              <a:endParaRPr lang="en-US"/>
+            </a:p>
+          </p:txBody>
+        </p:sp>
+        <p:sp>
+          <p:nvSpPr>
+            <p:cNvPr id="38" name="Line 45"/>
+            <p:cNvSpPr>
+              <a:spLocks noChangeShapeType="1"/>
+            </p:cNvSpPr>
+            <p:nvPr/>
+          </p:nvSpPr>
+          <p:spPr bwMode="auto">
+            <a:xfrm flipH="1">
+              <a:off x="6926263" y="4953000"/>
+              <a:ext cx="127000" cy="90487"/>
+            </a:xfrm>
+            <a:prstGeom prst="line">
+              <a:avLst/>
+            </a:prstGeom>
+            <a:noFill/>
+            <a:ln w="9525">
+              <a:solidFill>
+                <a:srgbClr val="FF0000"/>
+              </a:solidFill>
+              <a:miter lim="800000"/>
+              <a:headEnd/>
+              <a:tailEnd type="triangle" w="med" len="med"/>
+            </a:ln>
+            <a:effectLst/>
+          </p:spPr>
+          <p:txBody>
+            <a:bodyPr wrap="none"/>
+            <a:lstStyle/>
+            <a:p>
+              <a:endParaRPr lang="en-US"/>
+            </a:p>
+          </p:txBody>
+        </p:sp>
+        <p:sp>
+          <p:nvSpPr>
+            <p:cNvPr id="39" name="Line 46"/>
+            <p:cNvSpPr>
+              <a:spLocks noChangeShapeType="1"/>
+            </p:cNvSpPr>
+            <p:nvPr/>
+          </p:nvSpPr>
+          <p:spPr bwMode="auto">
+            <a:xfrm flipH="1">
+              <a:off x="6378576" y="4935538"/>
+              <a:ext cx="620713" cy="84137"/>
+            </a:xfrm>
+            <a:prstGeom prst="line">
+              <a:avLst/>
+            </a:prstGeom>
+            <a:noFill/>
+            <a:ln w="9525">
+              <a:solidFill>
+                <a:srgbClr val="FF0000"/>
+              </a:solidFill>
+              <a:miter lim="800000"/>
+              <a:headEnd/>
+              <a:tailEnd type="triangle" w="med" len="med"/>
+            </a:ln>
+            <a:effectLst/>
+          </p:spPr>
+          <p:txBody>
+            <a:bodyPr wrap="none"/>
+            <a:lstStyle/>
+            <a:p>
+              <a:endParaRPr lang="en-US"/>
+            </a:p>
+          </p:txBody>
+        </p:sp>
+        <p:sp>
+          <p:nvSpPr>
+            <p:cNvPr id="40" name="Line 47"/>
+            <p:cNvSpPr>
+              <a:spLocks noChangeShapeType="1"/>
+            </p:cNvSpPr>
+            <p:nvPr/>
+          </p:nvSpPr>
+          <p:spPr bwMode="auto">
+            <a:xfrm>
+              <a:off x="7202488" y="4935538"/>
+              <a:ext cx="714375" cy="79375"/>
+            </a:xfrm>
+            <a:prstGeom prst="line">
+              <a:avLst/>
+            </a:prstGeom>
+            <a:noFill/>
+            <a:ln w="9525">
+              <a:solidFill>
+                <a:srgbClr val="FF0000"/>
+              </a:solidFill>
+              <a:miter lim="800000"/>
+              <a:headEnd/>
+              <a:tailEnd type="triangle" w="med" len="med"/>
+            </a:ln>
+            <a:effectLst/>
+          </p:spPr>
+          <p:txBody>
+            <a:bodyPr wrap="none"/>
+            <a:lstStyle/>
+            <a:p>
+              <a:endParaRPr lang="en-US"/>
+            </a:p>
+          </p:txBody>
+        </p:sp>
+        <p:sp>
+          <p:nvSpPr>
+            <p:cNvPr id="41" name="Text Box 48"/>
+            <p:cNvSpPr txBox="1">
+              <a:spLocks noChangeArrowheads="1"/>
+            </p:cNvSpPr>
+            <p:nvPr/>
+          </p:nvSpPr>
+          <p:spPr bwMode="auto">
+            <a:xfrm>
+              <a:off x="8188326" y="2549525"/>
+              <a:ext cx="319088" cy="336550"/>
+            </a:xfrm>
+            <a:prstGeom prst="rect">
+              <a:avLst/>
+            </a:prstGeom>
+            <a:noFill/>
+            <a:ln w="9525">
+              <a:noFill/>
+              <a:miter lim="800000"/>
+              <a:headEnd/>
+              <a:tailEnd/>
+            </a:ln>
+            <a:effectLst/>
+          </p:spPr>
+          <p:txBody>
+            <a:bodyPr wrap="none">
+              <a:spAutoFit/>
+            </a:bodyPr>
+            <a:lstStyle/>
+            <a:p>
+              <a:r>
+                <a:rPr lang="en-US">
+                  <a:solidFill>
+                    <a:srgbClr val="FF0000"/>
+                  </a:solidFill>
+                </a:rPr>
+                <a:t>E</a:t>
+              </a:r>
+            </a:p>
+          </p:txBody>
+        </p:sp>
+      </p:grpSp>
+    </p:spTree>
+  </p:cSld>
+  <p:clrMapOvr>
+    <a:masterClrMapping/>
+  </p:clrMapOvr>
+</p:sld>
+</file>
+
+<file path=ppt/slides/slide30.xml><?xml version="1.0" encoding="utf-8"?>
 <p:sld xmlns:a="http://schemas.openxmlformats.org/drawingml/2006/main" xmlns:r="http://schemas.openxmlformats.org/officeDocument/2006/relationships" xmlns:p="http://schemas.openxmlformats.org/presentationml/2006/main">
   <p:cSld>
     <p:spTree>
@@ -32950,1401 +34513,7 @@
 </p:sld>
 </file>
 
-<file path=ppt/slides/slide3.xml><?xml version="1.0" encoding="utf-8"?>
-<p:sld xmlns:a="http://schemas.openxmlformats.org/drawingml/2006/main" xmlns:r="http://schemas.openxmlformats.org/officeDocument/2006/relationships" xmlns:p="http://schemas.openxmlformats.org/presentationml/2006/main">
-  <p:cSld>
-    <p:spTree>
-      <p:nvGrpSpPr>
-        <p:cNvPr id="1" name=""/>
-        <p:cNvGrpSpPr/>
-        <p:nvPr/>
-      </p:nvGrpSpPr>
-      <p:grpSpPr>
-        <a:xfrm>
-          <a:off x="0" y="0"/>
-          <a:ext cx="0" cy="0"/>
-          <a:chOff x="0" y="0"/>
-          <a:chExt cx="0" cy="0"/>
-        </a:xfrm>
-      </p:grpSpPr>
-      <p:sp>
-        <p:nvSpPr>
-          <p:cNvPr id="2" name="Title 1"/>
-          <p:cNvSpPr>
-            <a:spLocks noGrp="1"/>
-          </p:cNvSpPr>
-          <p:nvPr>
-            <p:ph type="title"/>
-          </p:nvPr>
-        </p:nvSpPr>
-        <p:spPr/>
-        <p:txBody>
-          <a:bodyPr/>
-          <a:lstStyle/>
-          <a:p>
-            <a:endParaRPr lang="en-US"/>
-          </a:p>
-        </p:txBody>
-      </p:sp>
-      <p:sp>
-        <p:nvSpPr>
-          <p:cNvPr id="3" name="Content Placeholder 2"/>
-          <p:cNvSpPr>
-            <a:spLocks noGrp="1"/>
-          </p:cNvSpPr>
-          <p:nvPr>
-            <p:ph idx="1"/>
-          </p:nvPr>
-        </p:nvSpPr>
-        <p:spPr/>
-        <p:txBody>
-          <a:bodyPr/>
-          <a:lstStyle/>
-          <a:p>
-            <a:endParaRPr lang="en-US"/>
-          </a:p>
-        </p:txBody>
-      </p:sp>
-      <p:grpSp>
-        <p:nvGrpSpPr>
-          <p:cNvPr id="4" name="Group 3"/>
-          <p:cNvGrpSpPr/>
-          <p:nvPr/>
-        </p:nvGrpSpPr>
-        <p:grpSpPr>
-          <a:xfrm>
-            <a:off x="3494377" y="1880536"/>
-            <a:ext cx="2616201" cy="3652046"/>
-            <a:chOff x="5891213" y="1783554"/>
-            <a:chExt cx="2616201" cy="3652046"/>
-          </a:xfrm>
-        </p:grpSpPr>
-        <p:sp>
-          <p:nvSpPr>
-            <p:cNvPr id="5" name="Oval 49"/>
-            <p:cNvSpPr>
-              <a:spLocks noChangeArrowheads="1"/>
-            </p:cNvSpPr>
-            <p:nvPr/>
-          </p:nvSpPr>
-          <p:spPr bwMode="auto">
-            <a:xfrm>
-              <a:off x="6677026" y="4368800"/>
-              <a:ext cx="847725" cy="88900"/>
-            </a:xfrm>
-            <a:prstGeom prst="ellipse">
-              <a:avLst/>
-            </a:prstGeom>
-            <a:noFill/>
-            <a:ln w="9525">
-              <a:solidFill>
-                <a:schemeClr val="tx1"/>
-              </a:solidFill>
-              <a:miter lim="800000"/>
-              <a:headEnd/>
-              <a:tailEnd/>
-            </a:ln>
-            <a:effectLst/>
-          </p:spPr>
-          <p:txBody>
-            <a:bodyPr wrap="none" anchor="ctr"/>
-            <a:lstStyle/>
-            <a:p>
-              <a:endParaRPr lang="en-US"/>
-            </a:p>
-          </p:txBody>
-        </p:sp>
-        <p:sp>
-          <p:nvSpPr>
-            <p:cNvPr id="6" name="Line 40"/>
-            <p:cNvSpPr>
-              <a:spLocks noChangeShapeType="1"/>
-            </p:cNvSpPr>
-            <p:nvPr/>
-          </p:nvSpPr>
-          <p:spPr bwMode="auto">
-            <a:xfrm>
-              <a:off x="7088188" y="4914900"/>
-              <a:ext cx="1143000" cy="28575"/>
-            </a:xfrm>
-            <a:prstGeom prst="line">
-              <a:avLst/>
-            </a:prstGeom>
-            <a:noFill/>
-            <a:ln w="9525">
-              <a:solidFill>
-                <a:srgbClr val="FF0000"/>
-              </a:solidFill>
-              <a:miter lim="800000"/>
-              <a:headEnd/>
-              <a:tailEnd type="triangle" w="med" len="med"/>
-            </a:ln>
-            <a:effectLst/>
-          </p:spPr>
-          <p:txBody>
-            <a:bodyPr wrap="none"/>
-            <a:lstStyle/>
-            <a:p>
-              <a:endParaRPr lang="en-US"/>
-            </a:p>
-          </p:txBody>
-        </p:sp>
-        <p:sp>
-          <p:nvSpPr>
-            <p:cNvPr id="7" name="Line 41"/>
-            <p:cNvSpPr>
-              <a:spLocks noChangeShapeType="1"/>
-            </p:cNvSpPr>
-            <p:nvPr/>
-          </p:nvSpPr>
-          <p:spPr bwMode="auto">
-            <a:xfrm flipH="1">
-              <a:off x="5916613" y="4914900"/>
-              <a:ext cx="1185863" cy="28575"/>
-            </a:xfrm>
-            <a:prstGeom prst="line">
-              <a:avLst/>
-            </a:prstGeom>
-            <a:noFill/>
-            <a:ln w="9525">
-              <a:solidFill>
-                <a:srgbClr val="FF0000"/>
-              </a:solidFill>
-              <a:miter lim="800000"/>
-              <a:headEnd/>
-              <a:tailEnd type="triangle" w="med" len="med"/>
-            </a:ln>
-            <a:effectLst/>
-          </p:spPr>
-          <p:txBody>
-            <a:bodyPr wrap="none"/>
-            <a:lstStyle/>
-            <a:p>
-              <a:endParaRPr lang="en-US"/>
-            </a:p>
-          </p:txBody>
-        </p:sp>
-        <p:sp>
-          <p:nvSpPr>
-            <p:cNvPr id="8" name="Line 42"/>
-            <p:cNvSpPr>
-              <a:spLocks noChangeShapeType="1"/>
-            </p:cNvSpPr>
-            <p:nvPr/>
-          </p:nvSpPr>
-          <p:spPr bwMode="auto">
-            <a:xfrm flipH="1" flipV="1">
-              <a:off x="6411913" y="4872038"/>
-              <a:ext cx="657225" cy="42862"/>
-            </a:xfrm>
-            <a:prstGeom prst="line">
-              <a:avLst/>
-            </a:prstGeom>
-            <a:noFill/>
-            <a:ln w="9525">
-              <a:solidFill>
-                <a:srgbClr val="FF0000"/>
-              </a:solidFill>
-              <a:miter lim="800000"/>
-              <a:headEnd/>
-              <a:tailEnd type="triangle" w="med" len="med"/>
-            </a:ln>
-            <a:effectLst/>
-          </p:spPr>
-          <p:txBody>
-            <a:bodyPr wrap="none"/>
-            <a:lstStyle/>
-            <a:p>
-              <a:endParaRPr lang="en-US"/>
-            </a:p>
-          </p:txBody>
-        </p:sp>
-        <p:sp>
-          <p:nvSpPr>
-            <p:cNvPr id="9" name="Line 43"/>
-            <p:cNvSpPr>
-              <a:spLocks noChangeShapeType="1"/>
-            </p:cNvSpPr>
-            <p:nvPr/>
-          </p:nvSpPr>
-          <p:spPr bwMode="auto">
-            <a:xfrm flipV="1">
-              <a:off x="7107238" y="4867275"/>
-              <a:ext cx="333375" cy="42862"/>
-            </a:xfrm>
-            <a:prstGeom prst="line">
-              <a:avLst/>
-            </a:prstGeom>
-            <a:noFill/>
-            <a:ln w="9525">
-              <a:solidFill>
-                <a:srgbClr val="FF0000"/>
-              </a:solidFill>
-              <a:miter lim="800000"/>
-              <a:headEnd/>
-              <a:tailEnd type="triangle" w="med" len="med"/>
-            </a:ln>
-            <a:effectLst/>
-          </p:spPr>
-          <p:txBody>
-            <a:bodyPr wrap="none"/>
-            <a:lstStyle/>
-            <a:p>
-              <a:endParaRPr lang="en-US"/>
-            </a:p>
-          </p:txBody>
-        </p:sp>
-        <p:sp>
-          <p:nvSpPr>
-            <p:cNvPr id="10" name="Line 32"/>
-            <p:cNvSpPr>
-              <a:spLocks noChangeShapeType="1"/>
-            </p:cNvSpPr>
-            <p:nvPr/>
-          </p:nvSpPr>
-          <p:spPr bwMode="auto">
-            <a:xfrm>
-              <a:off x="7088188" y="2578100"/>
-              <a:ext cx="1143000" cy="28575"/>
-            </a:xfrm>
-            <a:prstGeom prst="line">
-              <a:avLst/>
-            </a:prstGeom>
-            <a:noFill/>
-            <a:ln w="9525">
-              <a:solidFill>
-                <a:srgbClr val="FF0000"/>
-              </a:solidFill>
-              <a:miter lim="800000"/>
-              <a:headEnd/>
-              <a:tailEnd type="triangle" w="med" len="med"/>
-            </a:ln>
-            <a:effectLst/>
-          </p:spPr>
-          <p:txBody>
-            <a:bodyPr wrap="none"/>
-            <a:lstStyle/>
-            <a:p>
-              <a:endParaRPr lang="en-US"/>
-            </a:p>
-          </p:txBody>
-        </p:sp>
-        <p:sp>
-          <p:nvSpPr>
-            <p:cNvPr id="11" name="Line 33"/>
-            <p:cNvSpPr>
-              <a:spLocks noChangeShapeType="1"/>
-            </p:cNvSpPr>
-            <p:nvPr/>
-          </p:nvSpPr>
-          <p:spPr bwMode="auto">
-            <a:xfrm flipH="1">
-              <a:off x="5916613" y="2578100"/>
-              <a:ext cx="1185863" cy="28575"/>
-            </a:xfrm>
-            <a:prstGeom prst="line">
-              <a:avLst/>
-            </a:prstGeom>
-            <a:noFill/>
-            <a:ln w="9525">
-              <a:solidFill>
-                <a:srgbClr val="FF0000"/>
-              </a:solidFill>
-              <a:miter lim="800000"/>
-              <a:headEnd/>
-              <a:tailEnd type="triangle" w="med" len="med"/>
-            </a:ln>
-            <a:effectLst/>
-          </p:spPr>
-          <p:txBody>
-            <a:bodyPr wrap="none"/>
-            <a:lstStyle/>
-            <a:p>
-              <a:endParaRPr lang="en-US"/>
-            </a:p>
-          </p:txBody>
-        </p:sp>
-        <p:sp>
-          <p:nvSpPr>
-            <p:cNvPr id="12" name="Line 34"/>
-            <p:cNvSpPr>
-              <a:spLocks noChangeShapeType="1"/>
-            </p:cNvSpPr>
-            <p:nvPr/>
-          </p:nvSpPr>
-          <p:spPr bwMode="auto">
-            <a:xfrm flipH="1" flipV="1">
-              <a:off x="6411913" y="2535238"/>
-              <a:ext cx="657225" cy="42862"/>
-            </a:xfrm>
-            <a:prstGeom prst="line">
-              <a:avLst/>
-            </a:prstGeom>
-            <a:noFill/>
-            <a:ln w="9525">
-              <a:solidFill>
-                <a:srgbClr val="FF0000"/>
-              </a:solidFill>
-              <a:miter lim="800000"/>
-              <a:headEnd/>
-              <a:tailEnd type="triangle" w="med" len="med"/>
-            </a:ln>
-            <a:effectLst/>
-          </p:spPr>
-          <p:txBody>
-            <a:bodyPr wrap="none"/>
-            <a:lstStyle/>
-            <a:p>
-              <a:endParaRPr lang="en-US"/>
-            </a:p>
-          </p:txBody>
-        </p:sp>
-        <p:sp>
-          <p:nvSpPr>
-            <p:cNvPr id="13" name="Line 35"/>
-            <p:cNvSpPr>
-              <a:spLocks noChangeShapeType="1"/>
-            </p:cNvSpPr>
-            <p:nvPr/>
-          </p:nvSpPr>
-          <p:spPr bwMode="auto">
-            <a:xfrm flipV="1">
-              <a:off x="7107238" y="2530475"/>
-              <a:ext cx="333375" cy="42862"/>
-            </a:xfrm>
-            <a:prstGeom prst="line">
-              <a:avLst/>
-            </a:prstGeom>
-            <a:noFill/>
-            <a:ln w="9525">
-              <a:solidFill>
-                <a:srgbClr val="FF0000"/>
-              </a:solidFill>
-              <a:miter lim="800000"/>
-              <a:headEnd/>
-              <a:tailEnd type="triangle" w="med" len="med"/>
-            </a:ln>
-            <a:effectLst/>
-          </p:spPr>
-          <p:txBody>
-            <a:bodyPr wrap="none"/>
-            <a:lstStyle/>
-            <a:p>
-              <a:endParaRPr lang="en-US"/>
-            </a:p>
-          </p:txBody>
-        </p:sp>
-        <p:sp>
-          <p:nvSpPr>
-            <p:cNvPr id="14" name="Line 20"/>
-            <p:cNvSpPr>
-              <a:spLocks noChangeShapeType="1"/>
-            </p:cNvSpPr>
-            <p:nvPr/>
-          </p:nvSpPr>
-          <p:spPr bwMode="auto">
-            <a:xfrm>
-              <a:off x="7062788" y="3327400"/>
-              <a:ext cx="1143000" cy="28575"/>
-            </a:xfrm>
-            <a:prstGeom prst="line">
-              <a:avLst/>
-            </a:prstGeom>
-            <a:noFill/>
-            <a:ln w="9525">
-              <a:solidFill>
-                <a:srgbClr val="FF0000"/>
-              </a:solidFill>
-              <a:miter lim="800000"/>
-              <a:headEnd/>
-              <a:tailEnd type="triangle" w="med" len="med"/>
-            </a:ln>
-            <a:effectLst/>
-          </p:spPr>
-          <p:txBody>
-            <a:bodyPr wrap="none"/>
-            <a:lstStyle/>
-            <a:p>
-              <a:endParaRPr lang="en-US"/>
-            </a:p>
-          </p:txBody>
-        </p:sp>
-        <p:sp>
-          <p:nvSpPr>
-            <p:cNvPr id="15" name="Line 21"/>
-            <p:cNvSpPr>
-              <a:spLocks noChangeShapeType="1"/>
-            </p:cNvSpPr>
-            <p:nvPr/>
-          </p:nvSpPr>
-          <p:spPr bwMode="auto">
-            <a:xfrm flipH="1">
-              <a:off x="5891213" y="3327400"/>
-              <a:ext cx="1185863" cy="28575"/>
-            </a:xfrm>
-            <a:prstGeom prst="line">
-              <a:avLst/>
-            </a:prstGeom>
-            <a:noFill/>
-            <a:ln w="9525">
-              <a:solidFill>
-                <a:srgbClr val="FF0000"/>
-              </a:solidFill>
-              <a:miter lim="800000"/>
-              <a:headEnd/>
-              <a:tailEnd type="triangle" w="med" len="med"/>
-            </a:ln>
-            <a:effectLst/>
-          </p:spPr>
-          <p:txBody>
-            <a:bodyPr wrap="none"/>
-            <a:lstStyle/>
-            <a:p>
-              <a:endParaRPr lang="en-US"/>
-            </a:p>
-          </p:txBody>
-        </p:sp>
-        <p:sp>
-          <p:nvSpPr>
-            <p:cNvPr id="16" name="Line 22"/>
-            <p:cNvSpPr>
-              <a:spLocks noChangeShapeType="1"/>
-            </p:cNvSpPr>
-            <p:nvPr/>
-          </p:nvSpPr>
-          <p:spPr bwMode="auto">
-            <a:xfrm flipH="1" flipV="1">
-              <a:off x="6386513" y="3284538"/>
-              <a:ext cx="657225" cy="42862"/>
-            </a:xfrm>
-            <a:prstGeom prst="line">
-              <a:avLst/>
-            </a:prstGeom>
-            <a:noFill/>
-            <a:ln w="9525">
-              <a:solidFill>
-                <a:srgbClr val="FF0000"/>
-              </a:solidFill>
-              <a:miter lim="800000"/>
-              <a:headEnd/>
-              <a:tailEnd type="triangle" w="med" len="med"/>
-            </a:ln>
-            <a:effectLst/>
-          </p:spPr>
-          <p:txBody>
-            <a:bodyPr wrap="none"/>
-            <a:lstStyle/>
-            <a:p>
-              <a:endParaRPr lang="en-US"/>
-            </a:p>
-          </p:txBody>
-        </p:sp>
-        <p:sp>
-          <p:nvSpPr>
-            <p:cNvPr id="17" name="Line 23"/>
-            <p:cNvSpPr>
-              <a:spLocks noChangeShapeType="1"/>
-            </p:cNvSpPr>
-            <p:nvPr/>
-          </p:nvSpPr>
-          <p:spPr bwMode="auto">
-            <a:xfrm flipV="1">
-              <a:off x="7081838" y="3279775"/>
-              <a:ext cx="333375" cy="42862"/>
-            </a:xfrm>
-            <a:prstGeom prst="line">
-              <a:avLst/>
-            </a:prstGeom>
-            <a:noFill/>
-            <a:ln w="9525">
-              <a:solidFill>
-                <a:srgbClr val="FF0000"/>
-              </a:solidFill>
-              <a:miter lim="800000"/>
-              <a:headEnd/>
-              <a:tailEnd type="triangle" w="med" len="med"/>
-            </a:ln>
-            <a:effectLst/>
-          </p:spPr>
-          <p:txBody>
-            <a:bodyPr wrap="none"/>
-            <a:lstStyle/>
-            <a:p>
-              <a:endParaRPr lang="en-US"/>
-            </a:p>
-          </p:txBody>
-        </p:sp>
-        <p:sp>
-          <p:nvSpPr>
-            <p:cNvPr id="18" name="Line 12"/>
-            <p:cNvSpPr>
-              <a:spLocks noChangeShapeType="1"/>
-            </p:cNvSpPr>
-            <p:nvPr/>
-          </p:nvSpPr>
-          <p:spPr bwMode="auto">
-            <a:xfrm>
-              <a:off x="7062788" y="3987800"/>
-              <a:ext cx="1143000" cy="28575"/>
-            </a:xfrm>
-            <a:prstGeom prst="line">
-              <a:avLst/>
-            </a:prstGeom>
-            <a:noFill/>
-            <a:ln w="9525">
-              <a:solidFill>
-                <a:srgbClr val="FF0000"/>
-              </a:solidFill>
-              <a:miter lim="800000"/>
-              <a:headEnd/>
-              <a:tailEnd type="triangle" w="med" len="med"/>
-            </a:ln>
-            <a:effectLst/>
-          </p:spPr>
-          <p:txBody>
-            <a:bodyPr wrap="none"/>
-            <a:lstStyle/>
-            <a:p>
-              <a:endParaRPr lang="en-US"/>
-            </a:p>
-          </p:txBody>
-        </p:sp>
-        <p:sp>
-          <p:nvSpPr>
-            <p:cNvPr id="19" name="Line 17"/>
-            <p:cNvSpPr>
-              <a:spLocks noChangeShapeType="1"/>
-            </p:cNvSpPr>
-            <p:nvPr/>
-          </p:nvSpPr>
-          <p:spPr bwMode="auto">
-            <a:xfrm flipH="1">
-              <a:off x="5891213" y="3987800"/>
-              <a:ext cx="1185863" cy="28575"/>
-            </a:xfrm>
-            <a:prstGeom prst="line">
-              <a:avLst/>
-            </a:prstGeom>
-            <a:noFill/>
-            <a:ln w="9525">
-              <a:solidFill>
-                <a:srgbClr val="FF0000"/>
-              </a:solidFill>
-              <a:miter lim="800000"/>
-              <a:headEnd/>
-              <a:tailEnd type="triangle" w="med" len="med"/>
-            </a:ln>
-            <a:effectLst/>
-          </p:spPr>
-          <p:txBody>
-            <a:bodyPr wrap="none"/>
-            <a:lstStyle/>
-            <a:p>
-              <a:endParaRPr lang="en-US"/>
-            </a:p>
-          </p:txBody>
-        </p:sp>
-        <p:sp>
-          <p:nvSpPr>
-            <p:cNvPr id="20" name="Line 18"/>
-            <p:cNvSpPr>
-              <a:spLocks noChangeShapeType="1"/>
-            </p:cNvSpPr>
-            <p:nvPr/>
-          </p:nvSpPr>
-          <p:spPr bwMode="auto">
-            <a:xfrm flipH="1" flipV="1">
-              <a:off x="6386513" y="3944938"/>
-              <a:ext cx="657225" cy="42862"/>
-            </a:xfrm>
-            <a:prstGeom prst="line">
-              <a:avLst/>
-            </a:prstGeom>
-            <a:noFill/>
-            <a:ln w="9525">
-              <a:solidFill>
-                <a:srgbClr val="FF0000"/>
-              </a:solidFill>
-              <a:miter lim="800000"/>
-              <a:headEnd/>
-              <a:tailEnd type="triangle" w="med" len="med"/>
-            </a:ln>
-            <a:effectLst/>
-          </p:spPr>
-          <p:txBody>
-            <a:bodyPr wrap="none"/>
-            <a:lstStyle/>
-            <a:p>
-              <a:endParaRPr lang="en-US"/>
-            </a:p>
-          </p:txBody>
-        </p:sp>
-        <p:sp>
-          <p:nvSpPr>
-            <p:cNvPr id="21" name="Line 19"/>
-            <p:cNvSpPr>
-              <a:spLocks noChangeShapeType="1"/>
-            </p:cNvSpPr>
-            <p:nvPr/>
-          </p:nvSpPr>
-          <p:spPr bwMode="auto">
-            <a:xfrm flipV="1">
-              <a:off x="7081838" y="3940175"/>
-              <a:ext cx="333375" cy="42862"/>
-            </a:xfrm>
-            <a:prstGeom prst="line">
-              <a:avLst/>
-            </a:prstGeom>
-            <a:noFill/>
-            <a:ln w="9525">
-              <a:solidFill>
-                <a:srgbClr val="FF0000"/>
-              </a:solidFill>
-              <a:miter lim="800000"/>
-              <a:headEnd/>
-              <a:tailEnd type="triangle" w="med" len="med"/>
-            </a:ln>
-            <a:effectLst/>
-          </p:spPr>
-          <p:txBody>
-            <a:bodyPr wrap="none"/>
-            <a:lstStyle/>
-            <a:p>
-              <a:endParaRPr lang="en-US"/>
-            </a:p>
-          </p:txBody>
-        </p:sp>
-        <p:sp>
-          <p:nvSpPr>
-            <p:cNvPr id="22" name="AutoShape 10"/>
-            <p:cNvSpPr>
-              <a:spLocks noChangeArrowheads="1"/>
-            </p:cNvSpPr>
-            <p:nvPr/>
-          </p:nvSpPr>
-          <p:spPr bwMode="auto">
-            <a:xfrm>
-              <a:off x="6972301" y="3576638"/>
-              <a:ext cx="203200" cy="1858962"/>
-            </a:xfrm>
-            <a:prstGeom prst="can">
-              <a:avLst>
-                <a:gd name="adj" fmla="val 17153"/>
-              </a:avLst>
-            </a:prstGeom>
-            <a:solidFill>
-              <a:srgbClr val="FF9900"/>
-            </a:solidFill>
-            <a:ln w="9525">
-              <a:solidFill>
-                <a:schemeClr val="tx1"/>
-              </a:solidFill>
-              <a:miter lim="800000"/>
-              <a:headEnd/>
-              <a:tailEnd/>
-            </a:ln>
-            <a:effectLst/>
-          </p:spPr>
-          <p:txBody>
-            <a:bodyPr wrap="none" anchor="ctr"/>
-            <a:lstStyle/>
-            <a:p>
-              <a:endParaRPr lang="en-US"/>
-            </a:p>
-          </p:txBody>
-        </p:sp>
-        <p:sp>
-          <p:nvSpPr>
-            <p:cNvPr id="23" name="AutoShape 8"/>
-            <p:cNvSpPr>
-              <a:spLocks noChangeArrowheads="1"/>
-            </p:cNvSpPr>
-            <p:nvPr/>
-          </p:nvSpPr>
-          <p:spPr bwMode="auto">
-            <a:xfrm>
-              <a:off x="6673851" y="3586163"/>
-              <a:ext cx="850900" cy="877887"/>
-            </a:xfrm>
-            <a:prstGeom prst="can">
-              <a:avLst>
-                <a:gd name="adj" fmla="val 13451"/>
-              </a:avLst>
-            </a:prstGeom>
-            <a:solidFill>
-              <a:schemeClr val="accent1">
-                <a:alpha val="58000"/>
-              </a:schemeClr>
-            </a:solidFill>
-            <a:ln w="9525">
-              <a:solidFill>
-                <a:schemeClr val="tx1"/>
-              </a:solidFill>
-              <a:miter lim="800000"/>
-              <a:headEnd/>
-              <a:tailEnd/>
-            </a:ln>
-            <a:effectLst/>
-          </p:spPr>
-          <p:txBody>
-            <a:bodyPr wrap="none" anchor="ctr"/>
-            <a:lstStyle/>
-            <a:p>
-              <a:endParaRPr lang="en-US"/>
-            </a:p>
-          </p:txBody>
-        </p:sp>
-        <p:sp>
-          <p:nvSpPr>
-            <p:cNvPr id="24" name="AutoShape 9"/>
-            <p:cNvSpPr>
-              <a:spLocks noChangeArrowheads="1"/>
-            </p:cNvSpPr>
-            <p:nvPr/>
-          </p:nvSpPr>
-          <p:spPr bwMode="auto">
-            <a:xfrm>
-              <a:off x="6972301" y="1783554"/>
-              <a:ext cx="203200" cy="1858962"/>
-            </a:xfrm>
-            <a:prstGeom prst="can">
-              <a:avLst>
-                <a:gd name="adj" fmla="val 17153"/>
-              </a:avLst>
-            </a:prstGeom>
-            <a:solidFill>
-              <a:srgbClr val="FF9900"/>
-            </a:solidFill>
-            <a:ln w="9525">
-              <a:solidFill>
-                <a:schemeClr val="tx1"/>
-              </a:solidFill>
-              <a:miter lim="800000"/>
-              <a:headEnd/>
-              <a:tailEnd/>
-            </a:ln>
-            <a:effectLst/>
-          </p:spPr>
-          <p:txBody>
-            <a:bodyPr wrap="none" anchor="ctr"/>
-            <a:lstStyle/>
-            <a:p>
-              <a:endParaRPr lang="en-US"/>
-            </a:p>
-          </p:txBody>
-        </p:sp>
-        <p:sp>
-          <p:nvSpPr>
-            <p:cNvPr id="25" name="Line 13"/>
-            <p:cNvSpPr>
-              <a:spLocks noChangeShapeType="1"/>
-            </p:cNvSpPr>
-            <p:nvPr/>
-          </p:nvSpPr>
-          <p:spPr bwMode="auto">
-            <a:xfrm>
-              <a:off x="7100888" y="4022725"/>
-              <a:ext cx="138113" cy="88900"/>
-            </a:xfrm>
-            <a:prstGeom prst="line">
-              <a:avLst/>
-            </a:prstGeom>
-            <a:noFill/>
-            <a:ln w="9525">
-              <a:solidFill>
-                <a:srgbClr val="FF0000"/>
-              </a:solidFill>
-              <a:miter lim="800000"/>
-              <a:headEnd/>
-              <a:tailEnd type="triangle" w="med" len="med"/>
-            </a:ln>
-            <a:effectLst/>
-          </p:spPr>
-          <p:txBody>
-            <a:bodyPr wrap="none"/>
-            <a:lstStyle/>
-            <a:p>
-              <a:endParaRPr lang="en-US"/>
-            </a:p>
-          </p:txBody>
-        </p:sp>
-        <p:sp>
-          <p:nvSpPr>
-            <p:cNvPr id="26" name="Line 16"/>
-            <p:cNvSpPr>
-              <a:spLocks noChangeShapeType="1"/>
-            </p:cNvSpPr>
-            <p:nvPr/>
-          </p:nvSpPr>
-          <p:spPr bwMode="auto">
-            <a:xfrm flipH="1">
-              <a:off x="6900863" y="4025900"/>
-              <a:ext cx="127000" cy="90487"/>
-            </a:xfrm>
-            <a:prstGeom prst="line">
-              <a:avLst/>
-            </a:prstGeom>
-            <a:noFill/>
-            <a:ln w="9525">
-              <a:solidFill>
-                <a:srgbClr val="FF0000"/>
-              </a:solidFill>
-              <a:miter lim="800000"/>
-              <a:headEnd/>
-              <a:tailEnd type="triangle" w="med" len="med"/>
-            </a:ln>
-            <a:effectLst/>
-          </p:spPr>
-          <p:txBody>
-            <a:bodyPr wrap="none"/>
-            <a:lstStyle/>
-            <a:p>
-              <a:endParaRPr lang="en-US"/>
-            </a:p>
-          </p:txBody>
-        </p:sp>
-        <p:sp>
-          <p:nvSpPr>
-            <p:cNvPr id="27" name="Line 14"/>
-            <p:cNvSpPr>
-              <a:spLocks noChangeShapeType="1"/>
-            </p:cNvSpPr>
-            <p:nvPr/>
-          </p:nvSpPr>
-          <p:spPr bwMode="auto">
-            <a:xfrm flipH="1">
-              <a:off x="6353176" y="4008438"/>
-              <a:ext cx="620713" cy="84137"/>
-            </a:xfrm>
-            <a:prstGeom prst="line">
-              <a:avLst/>
-            </a:prstGeom>
-            <a:noFill/>
-            <a:ln w="9525">
-              <a:solidFill>
-                <a:srgbClr val="FF0000"/>
-              </a:solidFill>
-              <a:miter lim="800000"/>
-              <a:headEnd/>
-              <a:tailEnd type="triangle" w="med" len="med"/>
-            </a:ln>
-            <a:effectLst/>
-          </p:spPr>
-          <p:txBody>
-            <a:bodyPr wrap="none"/>
-            <a:lstStyle/>
-            <a:p>
-              <a:endParaRPr lang="en-US"/>
-            </a:p>
-          </p:txBody>
-        </p:sp>
-        <p:sp>
-          <p:nvSpPr>
-            <p:cNvPr id="28" name="Line 11"/>
-            <p:cNvSpPr>
-              <a:spLocks noChangeShapeType="1"/>
-            </p:cNvSpPr>
-            <p:nvPr/>
-          </p:nvSpPr>
-          <p:spPr bwMode="auto">
-            <a:xfrm>
-              <a:off x="7177088" y="4008438"/>
-              <a:ext cx="714375" cy="79375"/>
-            </a:xfrm>
-            <a:prstGeom prst="line">
-              <a:avLst/>
-            </a:prstGeom>
-            <a:noFill/>
-            <a:ln w="9525">
-              <a:solidFill>
-                <a:srgbClr val="FF0000"/>
-              </a:solidFill>
-              <a:miter lim="800000"/>
-              <a:headEnd/>
-              <a:tailEnd type="triangle" w="med" len="med"/>
-            </a:ln>
-            <a:effectLst/>
-          </p:spPr>
-          <p:txBody>
-            <a:bodyPr wrap="none"/>
-            <a:lstStyle/>
-            <a:p>
-              <a:endParaRPr lang="en-US"/>
-            </a:p>
-          </p:txBody>
-        </p:sp>
-        <p:sp>
-          <p:nvSpPr>
-            <p:cNvPr id="29" name="Line 24"/>
-            <p:cNvSpPr>
-              <a:spLocks noChangeShapeType="1"/>
-            </p:cNvSpPr>
-            <p:nvPr/>
-          </p:nvSpPr>
-          <p:spPr bwMode="auto">
-            <a:xfrm>
-              <a:off x="7100888" y="3362325"/>
-              <a:ext cx="138113" cy="88900"/>
-            </a:xfrm>
-            <a:prstGeom prst="line">
-              <a:avLst/>
-            </a:prstGeom>
-            <a:noFill/>
-            <a:ln w="9525">
-              <a:solidFill>
-                <a:srgbClr val="FF0000"/>
-              </a:solidFill>
-              <a:miter lim="800000"/>
-              <a:headEnd/>
-              <a:tailEnd type="triangle" w="med" len="med"/>
-            </a:ln>
-            <a:effectLst/>
-          </p:spPr>
-          <p:txBody>
-            <a:bodyPr wrap="none"/>
-            <a:lstStyle/>
-            <a:p>
-              <a:endParaRPr lang="en-US"/>
-            </a:p>
-          </p:txBody>
-        </p:sp>
-        <p:sp>
-          <p:nvSpPr>
-            <p:cNvPr id="30" name="Line 25"/>
-            <p:cNvSpPr>
-              <a:spLocks noChangeShapeType="1"/>
-            </p:cNvSpPr>
-            <p:nvPr/>
-          </p:nvSpPr>
-          <p:spPr bwMode="auto">
-            <a:xfrm flipH="1">
-              <a:off x="6900863" y="3365500"/>
-              <a:ext cx="127000" cy="90487"/>
-            </a:xfrm>
-            <a:prstGeom prst="line">
-              <a:avLst/>
-            </a:prstGeom>
-            <a:noFill/>
-            <a:ln w="9525">
-              <a:solidFill>
-                <a:srgbClr val="FF0000"/>
-              </a:solidFill>
-              <a:miter lim="800000"/>
-              <a:headEnd/>
-              <a:tailEnd type="triangle" w="med" len="med"/>
-            </a:ln>
-            <a:effectLst/>
-          </p:spPr>
-          <p:txBody>
-            <a:bodyPr wrap="none"/>
-            <a:lstStyle/>
-            <a:p>
-              <a:endParaRPr lang="en-US"/>
-            </a:p>
-          </p:txBody>
-        </p:sp>
-        <p:sp>
-          <p:nvSpPr>
-            <p:cNvPr id="31" name="Line 26"/>
-            <p:cNvSpPr>
-              <a:spLocks noChangeShapeType="1"/>
-            </p:cNvSpPr>
-            <p:nvPr/>
-          </p:nvSpPr>
-          <p:spPr bwMode="auto">
-            <a:xfrm flipH="1">
-              <a:off x="6353176" y="3348038"/>
-              <a:ext cx="620713" cy="84137"/>
-            </a:xfrm>
-            <a:prstGeom prst="line">
-              <a:avLst/>
-            </a:prstGeom>
-            <a:noFill/>
-            <a:ln w="9525">
-              <a:solidFill>
-                <a:srgbClr val="FF0000"/>
-              </a:solidFill>
-              <a:miter lim="800000"/>
-              <a:headEnd/>
-              <a:tailEnd type="triangle" w="med" len="med"/>
-            </a:ln>
-            <a:effectLst/>
-          </p:spPr>
-          <p:txBody>
-            <a:bodyPr wrap="none"/>
-            <a:lstStyle/>
-            <a:p>
-              <a:endParaRPr lang="en-US"/>
-            </a:p>
-          </p:txBody>
-        </p:sp>
-        <p:sp>
-          <p:nvSpPr>
-            <p:cNvPr id="32" name="Line 27"/>
-            <p:cNvSpPr>
-              <a:spLocks noChangeShapeType="1"/>
-            </p:cNvSpPr>
-            <p:nvPr/>
-          </p:nvSpPr>
-          <p:spPr bwMode="auto">
-            <a:xfrm>
-              <a:off x="7177088" y="3348038"/>
-              <a:ext cx="714375" cy="79375"/>
-            </a:xfrm>
-            <a:prstGeom prst="line">
-              <a:avLst/>
-            </a:prstGeom>
-            <a:noFill/>
-            <a:ln w="9525">
-              <a:solidFill>
-                <a:srgbClr val="FF0000"/>
-              </a:solidFill>
-              <a:miter lim="800000"/>
-              <a:headEnd/>
-              <a:tailEnd type="triangle" w="med" len="med"/>
-            </a:ln>
-            <a:effectLst/>
-          </p:spPr>
-          <p:txBody>
-            <a:bodyPr wrap="none"/>
-            <a:lstStyle/>
-            <a:p>
-              <a:endParaRPr lang="en-US"/>
-            </a:p>
-          </p:txBody>
-        </p:sp>
-        <p:sp>
-          <p:nvSpPr>
-            <p:cNvPr id="33" name="Line 36"/>
-            <p:cNvSpPr>
-              <a:spLocks noChangeShapeType="1"/>
-            </p:cNvSpPr>
-            <p:nvPr/>
-          </p:nvSpPr>
-          <p:spPr bwMode="auto">
-            <a:xfrm>
-              <a:off x="7126288" y="2613025"/>
-              <a:ext cx="138113" cy="88900"/>
-            </a:xfrm>
-            <a:prstGeom prst="line">
-              <a:avLst/>
-            </a:prstGeom>
-            <a:noFill/>
-            <a:ln w="9525">
-              <a:solidFill>
-                <a:srgbClr val="FF0000"/>
-              </a:solidFill>
-              <a:miter lim="800000"/>
-              <a:headEnd/>
-              <a:tailEnd type="triangle" w="med" len="med"/>
-            </a:ln>
-            <a:effectLst/>
-          </p:spPr>
-          <p:txBody>
-            <a:bodyPr wrap="none"/>
-            <a:lstStyle/>
-            <a:p>
-              <a:endParaRPr lang="en-US"/>
-            </a:p>
-          </p:txBody>
-        </p:sp>
-        <p:sp>
-          <p:nvSpPr>
-            <p:cNvPr id="34" name="Line 37"/>
-            <p:cNvSpPr>
-              <a:spLocks noChangeShapeType="1"/>
-            </p:cNvSpPr>
-            <p:nvPr/>
-          </p:nvSpPr>
-          <p:spPr bwMode="auto">
-            <a:xfrm flipH="1">
-              <a:off x="6926263" y="2616200"/>
-              <a:ext cx="127000" cy="90487"/>
-            </a:xfrm>
-            <a:prstGeom prst="line">
-              <a:avLst/>
-            </a:prstGeom>
-            <a:noFill/>
-            <a:ln w="9525">
-              <a:solidFill>
-                <a:srgbClr val="FF0000"/>
-              </a:solidFill>
-              <a:miter lim="800000"/>
-              <a:headEnd/>
-              <a:tailEnd type="triangle" w="med" len="med"/>
-            </a:ln>
-            <a:effectLst/>
-          </p:spPr>
-          <p:txBody>
-            <a:bodyPr wrap="none"/>
-            <a:lstStyle/>
-            <a:p>
-              <a:endParaRPr lang="en-US"/>
-            </a:p>
-          </p:txBody>
-        </p:sp>
-        <p:sp>
-          <p:nvSpPr>
-            <p:cNvPr id="35" name="Line 38"/>
-            <p:cNvSpPr>
-              <a:spLocks noChangeShapeType="1"/>
-            </p:cNvSpPr>
-            <p:nvPr/>
-          </p:nvSpPr>
-          <p:spPr bwMode="auto">
-            <a:xfrm flipH="1">
-              <a:off x="6378576" y="2598738"/>
-              <a:ext cx="620713" cy="84137"/>
-            </a:xfrm>
-            <a:prstGeom prst="line">
-              <a:avLst/>
-            </a:prstGeom>
-            <a:noFill/>
-            <a:ln w="9525">
-              <a:solidFill>
-                <a:srgbClr val="FF0000"/>
-              </a:solidFill>
-              <a:miter lim="800000"/>
-              <a:headEnd/>
-              <a:tailEnd type="triangle" w="med" len="med"/>
-            </a:ln>
-            <a:effectLst/>
-          </p:spPr>
-          <p:txBody>
-            <a:bodyPr wrap="none"/>
-            <a:lstStyle/>
-            <a:p>
-              <a:endParaRPr lang="en-US"/>
-            </a:p>
-          </p:txBody>
-        </p:sp>
-        <p:sp>
-          <p:nvSpPr>
-            <p:cNvPr id="36" name="Line 39"/>
-            <p:cNvSpPr>
-              <a:spLocks noChangeShapeType="1"/>
-            </p:cNvSpPr>
-            <p:nvPr/>
-          </p:nvSpPr>
-          <p:spPr bwMode="auto">
-            <a:xfrm>
-              <a:off x="7202488" y="2598738"/>
-              <a:ext cx="714375" cy="79375"/>
-            </a:xfrm>
-            <a:prstGeom prst="line">
-              <a:avLst/>
-            </a:prstGeom>
-            <a:noFill/>
-            <a:ln w="9525">
-              <a:solidFill>
-                <a:srgbClr val="FF0000"/>
-              </a:solidFill>
-              <a:miter lim="800000"/>
-              <a:headEnd/>
-              <a:tailEnd type="triangle" w="med" len="med"/>
-            </a:ln>
-            <a:effectLst/>
-          </p:spPr>
-          <p:txBody>
-            <a:bodyPr wrap="none"/>
-            <a:lstStyle/>
-            <a:p>
-              <a:endParaRPr lang="en-US"/>
-            </a:p>
-          </p:txBody>
-        </p:sp>
-        <p:sp>
-          <p:nvSpPr>
-            <p:cNvPr id="37" name="Line 44"/>
-            <p:cNvSpPr>
-              <a:spLocks noChangeShapeType="1"/>
-            </p:cNvSpPr>
-            <p:nvPr/>
-          </p:nvSpPr>
-          <p:spPr bwMode="auto">
-            <a:xfrm>
-              <a:off x="7126288" y="4949825"/>
-              <a:ext cx="138113" cy="88900"/>
-            </a:xfrm>
-            <a:prstGeom prst="line">
-              <a:avLst/>
-            </a:prstGeom>
-            <a:noFill/>
-            <a:ln w="9525">
-              <a:solidFill>
-                <a:srgbClr val="FF0000"/>
-              </a:solidFill>
-              <a:miter lim="800000"/>
-              <a:headEnd/>
-              <a:tailEnd type="triangle" w="med" len="med"/>
-            </a:ln>
-            <a:effectLst/>
-          </p:spPr>
-          <p:txBody>
-            <a:bodyPr wrap="none"/>
-            <a:lstStyle/>
-            <a:p>
-              <a:endParaRPr lang="en-US"/>
-            </a:p>
-          </p:txBody>
-        </p:sp>
-        <p:sp>
-          <p:nvSpPr>
-            <p:cNvPr id="38" name="Line 45"/>
-            <p:cNvSpPr>
-              <a:spLocks noChangeShapeType="1"/>
-            </p:cNvSpPr>
-            <p:nvPr/>
-          </p:nvSpPr>
-          <p:spPr bwMode="auto">
-            <a:xfrm flipH="1">
-              <a:off x="6926263" y="4953000"/>
-              <a:ext cx="127000" cy="90487"/>
-            </a:xfrm>
-            <a:prstGeom prst="line">
-              <a:avLst/>
-            </a:prstGeom>
-            <a:noFill/>
-            <a:ln w="9525">
-              <a:solidFill>
-                <a:srgbClr val="FF0000"/>
-              </a:solidFill>
-              <a:miter lim="800000"/>
-              <a:headEnd/>
-              <a:tailEnd type="triangle" w="med" len="med"/>
-            </a:ln>
-            <a:effectLst/>
-          </p:spPr>
-          <p:txBody>
-            <a:bodyPr wrap="none"/>
-            <a:lstStyle/>
-            <a:p>
-              <a:endParaRPr lang="en-US"/>
-            </a:p>
-          </p:txBody>
-        </p:sp>
-        <p:sp>
-          <p:nvSpPr>
-            <p:cNvPr id="39" name="Line 46"/>
-            <p:cNvSpPr>
-              <a:spLocks noChangeShapeType="1"/>
-            </p:cNvSpPr>
-            <p:nvPr/>
-          </p:nvSpPr>
-          <p:spPr bwMode="auto">
-            <a:xfrm flipH="1">
-              <a:off x="6378576" y="4935538"/>
-              <a:ext cx="620713" cy="84137"/>
-            </a:xfrm>
-            <a:prstGeom prst="line">
-              <a:avLst/>
-            </a:prstGeom>
-            <a:noFill/>
-            <a:ln w="9525">
-              <a:solidFill>
-                <a:srgbClr val="FF0000"/>
-              </a:solidFill>
-              <a:miter lim="800000"/>
-              <a:headEnd/>
-              <a:tailEnd type="triangle" w="med" len="med"/>
-            </a:ln>
-            <a:effectLst/>
-          </p:spPr>
-          <p:txBody>
-            <a:bodyPr wrap="none"/>
-            <a:lstStyle/>
-            <a:p>
-              <a:endParaRPr lang="en-US"/>
-            </a:p>
-          </p:txBody>
-        </p:sp>
-        <p:sp>
-          <p:nvSpPr>
-            <p:cNvPr id="40" name="Line 47"/>
-            <p:cNvSpPr>
-              <a:spLocks noChangeShapeType="1"/>
-            </p:cNvSpPr>
-            <p:nvPr/>
-          </p:nvSpPr>
-          <p:spPr bwMode="auto">
-            <a:xfrm>
-              <a:off x="7202488" y="4935538"/>
-              <a:ext cx="714375" cy="79375"/>
-            </a:xfrm>
-            <a:prstGeom prst="line">
-              <a:avLst/>
-            </a:prstGeom>
-            <a:noFill/>
-            <a:ln w="9525">
-              <a:solidFill>
-                <a:srgbClr val="FF0000"/>
-              </a:solidFill>
-              <a:miter lim="800000"/>
-              <a:headEnd/>
-              <a:tailEnd type="triangle" w="med" len="med"/>
-            </a:ln>
-            <a:effectLst/>
-          </p:spPr>
-          <p:txBody>
-            <a:bodyPr wrap="none"/>
-            <a:lstStyle/>
-            <a:p>
-              <a:endParaRPr lang="en-US"/>
-            </a:p>
-          </p:txBody>
-        </p:sp>
-        <p:sp>
-          <p:nvSpPr>
-            <p:cNvPr id="41" name="Text Box 48"/>
-            <p:cNvSpPr txBox="1">
-              <a:spLocks noChangeArrowheads="1"/>
-            </p:cNvSpPr>
-            <p:nvPr/>
-          </p:nvSpPr>
-          <p:spPr bwMode="auto">
-            <a:xfrm>
-              <a:off x="8188326" y="2549525"/>
-              <a:ext cx="319088" cy="336550"/>
-            </a:xfrm>
-            <a:prstGeom prst="rect">
-              <a:avLst/>
-            </a:prstGeom>
-            <a:noFill/>
-            <a:ln w="9525">
-              <a:noFill/>
-              <a:miter lim="800000"/>
-              <a:headEnd/>
-              <a:tailEnd/>
-            </a:ln>
-            <a:effectLst/>
-          </p:spPr>
-          <p:txBody>
-            <a:bodyPr wrap="none">
-              <a:spAutoFit/>
-            </a:bodyPr>
-            <a:lstStyle/>
-            <a:p>
-              <a:r>
-                <a:rPr lang="en-US">
-                  <a:solidFill>
-                    <a:srgbClr val="FF0000"/>
-                  </a:solidFill>
-                </a:rPr>
-                <a:t>E</a:t>
-              </a:r>
-            </a:p>
-          </p:txBody>
-        </p:sp>
-      </p:grpSp>
-    </p:spTree>
-  </p:cSld>
-  <p:clrMapOvr>
-    <a:masterClrMapping/>
-  </p:clrMapOvr>
-</p:sld>
-</file>
-
-<file path=ppt/slides/slide30.xml><?xml version="1.0" encoding="utf-8"?>
+<file path=ppt/slides/slide31.xml><?xml version="1.0" encoding="utf-8"?>
 <p:sld xmlns:a="http://schemas.openxmlformats.org/drawingml/2006/main" xmlns:r="http://schemas.openxmlformats.org/officeDocument/2006/relationships" xmlns:p="http://schemas.openxmlformats.org/presentationml/2006/main">
   <p:cSld>
     <p:spTree>
@@ -34916,7 +35085,7 @@
 </p:sld>
 </file>
 
-<file path=ppt/slides/slide31.xml><?xml version="1.0" encoding="utf-8"?>
+<file path=ppt/slides/slide32.xml><?xml version="1.0" encoding="utf-8"?>
 <p:sld xmlns:a="http://schemas.openxmlformats.org/drawingml/2006/main" xmlns:r="http://schemas.openxmlformats.org/officeDocument/2006/relationships" xmlns:p="http://schemas.openxmlformats.org/presentationml/2006/main">
   <p:cSld>
     <p:spTree>
@@ -36133,7 +36302,7 @@
 </p:sld>
 </file>
 
-<file path=ppt/slides/slide32.xml><?xml version="1.0" encoding="utf-8"?>
+<file path=ppt/slides/slide33.xml><?xml version="1.0" encoding="utf-8"?>
 <p:sld xmlns:a="http://schemas.openxmlformats.org/drawingml/2006/main" xmlns:r="http://schemas.openxmlformats.org/officeDocument/2006/relationships" xmlns:p="http://schemas.openxmlformats.org/presentationml/2006/main">
   <p:cSld>
     <p:spTree>
@@ -36997,7 +37166,7 @@
 </p:sld>
 </file>
 
-<file path=ppt/slides/slide33.xml><?xml version="1.0" encoding="utf-8"?>
+<file path=ppt/slides/slide34.xml><?xml version="1.0" encoding="utf-8"?>
 <p:sld xmlns:a="http://schemas.openxmlformats.org/drawingml/2006/main" xmlns:r="http://schemas.openxmlformats.org/officeDocument/2006/relationships" xmlns:p="http://schemas.openxmlformats.org/presentationml/2006/main">
   <p:cSld>
     <p:spTree>
@@ -37986,7 +38155,7 @@
 </p:sld>
 </file>
 
-<file path=ppt/slides/slide34.xml><?xml version="1.0" encoding="utf-8"?>
+<file path=ppt/slides/slide35.xml><?xml version="1.0" encoding="utf-8"?>
 <p:sld xmlns:a="http://schemas.openxmlformats.org/drawingml/2006/main" xmlns:r="http://schemas.openxmlformats.org/officeDocument/2006/relationships" xmlns:p="http://schemas.openxmlformats.org/presentationml/2006/main">
   <p:cSld>
     <p:spTree>
@@ -38069,7 +38238,7 @@
 </p:sld>
 </file>
 
-<file path=ppt/slides/slide35.xml><?xml version="1.0" encoding="utf-8"?>
+<file path=ppt/slides/slide36.xml><?xml version="1.0" encoding="utf-8"?>
 <p:sld xmlns:a="http://schemas.openxmlformats.org/drawingml/2006/main" xmlns:r="http://schemas.openxmlformats.org/officeDocument/2006/relationships" xmlns:p="http://schemas.openxmlformats.org/presentationml/2006/main">
   <p:cSld>
     <p:spTree>
@@ -38595,7 +38764,7 @@
 </p:sld>
 </file>
 
-<file path=ppt/slides/slide36.xml><?xml version="1.0" encoding="utf-8"?>
+<file path=ppt/slides/slide37.xml><?xml version="1.0" encoding="utf-8"?>
 <p:sld xmlns:a="http://schemas.openxmlformats.org/drawingml/2006/main" xmlns:r="http://schemas.openxmlformats.org/officeDocument/2006/relationships" xmlns:p="http://schemas.openxmlformats.org/presentationml/2006/main">
   <p:cSld>
     <p:spTree>
@@ -38678,7 +38847,7 @@
 </p:sld>
 </file>
 
-<file path=ppt/slides/slide37.xml><?xml version="1.0" encoding="utf-8"?>
+<file path=ppt/slides/slide38.xml><?xml version="1.0" encoding="utf-8"?>
 <p:sld xmlns:a="http://schemas.openxmlformats.org/drawingml/2006/main" xmlns:r="http://schemas.openxmlformats.org/officeDocument/2006/relationships" xmlns:p="http://schemas.openxmlformats.org/presentationml/2006/main">
   <p:cSld>
     <p:spTree>
@@ -39657,7 +39826,7 @@
 </p:sld>
 </file>
 
-<file path=ppt/slides/slide38.xml><?xml version="1.0" encoding="utf-8"?>
+<file path=ppt/slides/slide39.xml><?xml version="1.0" encoding="utf-8"?>
 <p:sld xmlns:a="http://schemas.openxmlformats.org/drawingml/2006/main" xmlns:r="http://schemas.openxmlformats.org/officeDocument/2006/relationships" xmlns:p="http://schemas.openxmlformats.org/presentationml/2006/main">
   <p:cSld>
     <p:spTree>
@@ -40121,7 +40290,954 @@
 </p:sld>
 </file>
 
-<file path=ppt/slides/slide39.xml><?xml version="1.0" encoding="utf-8"?>
+<file path=ppt/slides/slide4.xml><?xml version="1.0" encoding="utf-8"?>
+<p:sld xmlns:a="http://schemas.openxmlformats.org/drawingml/2006/main" xmlns:r="http://schemas.openxmlformats.org/officeDocument/2006/relationships" xmlns:p="http://schemas.openxmlformats.org/presentationml/2006/main">
+  <p:cSld>
+    <p:spTree>
+      <p:nvGrpSpPr>
+        <p:cNvPr id="1" name=""/>
+        <p:cNvGrpSpPr/>
+        <p:nvPr/>
+      </p:nvGrpSpPr>
+      <p:grpSpPr>
+        <a:xfrm>
+          <a:off x="0" y="0"/>
+          <a:ext cx="0" cy="0"/>
+          <a:chOff x="0" y="0"/>
+          <a:chExt cx="0" cy="0"/>
+        </a:xfrm>
+      </p:grpSpPr>
+      <p:grpSp>
+        <p:nvGrpSpPr>
+          <p:cNvPr id="12" name="Group 11"/>
+          <p:cNvGrpSpPr/>
+          <p:nvPr/>
+        </p:nvGrpSpPr>
+        <p:grpSpPr>
+          <a:xfrm>
+            <a:off x="1835729" y="720437"/>
+            <a:ext cx="5493326" cy="5403272"/>
+            <a:chOff x="3151910" y="2052785"/>
+            <a:chExt cx="3124200" cy="3035300"/>
+          </a:xfrm>
+        </p:grpSpPr>
+        <p:sp>
+          <p:nvSpPr>
+            <p:cNvPr id="8" name="Oval 12"/>
+            <p:cNvSpPr>
+              <a:spLocks noChangeArrowheads="1"/>
+            </p:cNvSpPr>
+            <p:nvPr/>
+          </p:nvSpPr>
+          <p:spPr bwMode="auto">
+            <a:xfrm>
+              <a:off x="3151910" y="2052785"/>
+              <a:ext cx="3124200" cy="3035300"/>
+            </a:xfrm>
+            <a:prstGeom prst="ellipse">
+              <a:avLst/>
+            </a:prstGeom>
+            <a:solidFill>
+              <a:schemeClr val="accent1"/>
+            </a:solidFill>
+            <a:ln w="9525">
+              <a:solidFill>
+                <a:schemeClr val="tx1"/>
+              </a:solidFill>
+              <a:miter lim="800000"/>
+              <a:headEnd/>
+              <a:tailEnd/>
+            </a:ln>
+            <a:effectLst/>
+          </p:spPr>
+          <p:txBody>
+            <a:bodyPr wrap="none" anchor="ctr"/>
+            <a:lstStyle/>
+            <a:p>
+              <a:pPr algn="ctr"/>
+              <a:endParaRPr lang="en-US"/>
+            </a:p>
+          </p:txBody>
+        </p:sp>
+        <p:sp>
+          <p:nvSpPr>
+            <p:cNvPr id="10" name="Freeform 13"/>
+            <p:cNvSpPr>
+              <a:spLocks/>
+            </p:cNvSpPr>
+            <p:nvPr/>
+          </p:nvSpPr>
+          <p:spPr bwMode="auto">
+            <a:xfrm>
+              <a:off x="4812435" y="4156223"/>
+              <a:ext cx="1211263" cy="588963"/>
+            </a:xfrm>
+            <a:custGeom>
+              <a:avLst/>
+              <a:gdLst/>
+              <a:ahLst/>
+              <a:cxnLst>
+                <a:cxn ang="0">
+                  <a:pos x="0" y="309"/>
+                </a:cxn>
+                <a:cxn ang="0">
+                  <a:pos x="296" y="301"/>
+                </a:cxn>
+                <a:cxn ang="0">
+                  <a:pos x="344" y="237"/>
+                </a:cxn>
+                <a:cxn ang="0">
+                  <a:pos x="456" y="149"/>
+                </a:cxn>
+                <a:cxn ang="0">
+                  <a:pos x="504" y="13"/>
+                </a:cxn>
+                <a:cxn ang="0">
+                  <a:pos x="408" y="29"/>
+                </a:cxn>
+                <a:cxn ang="0">
+                  <a:pos x="320" y="69"/>
+                </a:cxn>
+                <a:cxn ang="0">
+                  <a:pos x="272" y="141"/>
+                </a:cxn>
+                <a:cxn ang="0">
+                  <a:pos x="248" y="149"/>
+                </a:cxn>
+                <a:cxn ang="0">
+                  <a:pos x="176" y="205"/>
+                </a:cxn>
+                <a:cxn ang="0">
+                  <a:pos x="56" y="261"/>
+                </a:cxn>
+                <a:cxn ang="0">
+                  <a:pos x="0" y="309"/>
+                </a:cxn>
+              </a:cxnLst>
+              <a:rect l="0" t="0" r="r" b="b"/>
+              <a:pathLst>
+                <a:path w="505" h="309">
+                  <a:moveTo>
+                    <a:pt x="0" y="309"/>
+                  </a:moveTo>
+                  <a:cubicBezTo>
+                    <a:pt x="99" y="306"/>
+                    <a:pt x="198" y="308"/>
+                    <a:pt x="296" y="301"/>
+                  </a:cubicBezTo>
+                  <a:cubicBezTo>
+                    <a:pt x="344" y="298"/>
+                    <a:pt x="323" y="268"/>
+                    <a:pt x="344" y="237"/>
+                  </a:cubicBezTo>
+                  <a:cubicBezTo>
+                    <a:pt x="376" y="188"/>
+                    <a:pt x="400" y="163"/>
+                    <a:pt x="456" y="149"/>
+                  </a:cubicBezTo>
+                  <a:cubicBezTo>
+                    <a:pt x="505" y="116"/>
+                    <a:pt x="504" y="70"/>
+                    <a:pt x="504" y="13"/>
+                  </a:cubicBezTo>
+                  <a:cubicBezTo>
+                    <a:pt x="454" y="0"/>
+                    <a:pt x="451" y="11"/>
+                    <a:pt x="408" y="29"/>
+                  </a:cubicBezTo>
+                  <a:cubicBezTo>
+                    <a:pt x="376" y="43"/>
+                    <a:pt x="350" y="49"/>
+                    <a:pt x="320" y="69"/>
+                  </a:cubicBezTo>
+                  <a:cubicBezTo>
+                    <a:pt x="303" y="94"/>
+                    <a:pt x="299" y="123"/>
+                    <a:pt x="272" y="141"/>
+                  </a:cubicBezTo>
+                  <a:cubicBezTo>
+                    <a:pt x="265" y="146"/>
+                    <a:pt x="255" y="145"/>
+                    <a:pt x="248" y="149"/>
+                  </a:cubicBezTo>
+                  <a:cubicBezTo>
+                    <a:pt x="205" y="173"/>
+                    <a:pt x="205" y="176"/>
+                    <a:pt x="176" y="205"/>
+                  </a:cubicBezTo>
+                  <a:cubicBezTo>
+                    <a:pt x="158" y="259"/>
+                    <a:pt x="106" y="255"/>
+                    <a:pt x="56" y="261"/>
+                  </a:cubicBezTo>
+                  <a:cubicBezTo>
+                    <a:pt x="3" y="296"/>
+                    <a:pt x="17" y="276"/>
+                    <a:pt x="0" y="309"/>
+                  </a:cubicBezTo>
+                  <a:close/>
+                </a:path>
+              </a:pathLst>
+            </a:custGeom>
+            <a:solidFill>
+              <a:schemeClr val="bg1"/>
+            </a:solidFill>
+            <a:ln w="9525" cap="flat" cmpd="sng">
+              <a:noFill/>
+              <a:prstDash val="solid"/>
+              <a:miter lim="800000"/>
+              <a:headEnd type="none" w="med" len="med"/>
+              <a:tailEnd type="none" w="med" len="med"/>
+            </a:ln>
+            <a:effectLst/>
+          </p:spPr>
+          <p:txBody>
+            <a:bodyPr wrap="none"/>
+            <a:lstStyle/>
+            <a:p>
+              <a:endParaRPr lang="en-US"/>
+            </a:p>
+          </p:txBody>
+        </p:sp>
+      </p:grpSp>
+      <p:grpSp>
+        <p:nvGrpSpPr>
+          <p:cNvPr id="13" name="Group 12"/>
+          <p:cNvGrpSpPr/>
+          <p:nvPr/>
+        </p:nvGrpSpPr>
+        <p:grpSpPr>
+          <a:xfrm>
+            <a:off x="2341418" y="1080655"/>
+            <a:ext cx="4558146" cy="4724400"/>
+            <a:chOff x="3151910" y="2052785"/>
+            <a:chExt cx="3124200" cy="3035300"/>
+          </a:xfrm>
+        </p:grpSpPr>
+        <p:sp>
+          <p:nvSpPr>
+            <p:cNvPr id="14" name="Oval 12"/>
+            <p:cNvSpPr>
+              <a:spLocks noChangeArrowheads="1"/>
+            </p:cNvSpPr>
+            <p:nvPr/>
+          </p:nvSpPr>
+          <p:spPr bwMode="auto">
+            <a:xfrm>
+              <a:off x="3151910" y="2052785"/>
+              <a:ext cx="3124200" cy="3035300"/>
+            </a:xfrm>
+            <a:prstGeom prst="ellipse">
+              <a:avLst/>
+            </a:prstGeom>
+            <a:solidFill>
+              <a:schemeClr val="accent1"/>
+            </a:solidFill>
+            <a:ln w="9525">
+              <a:solidFill>
+                <a:schemeClr val="tx1"/>
+              </a:solidFill>
+              <a:miter lim="800000"/>
+              <a:headEnd/>
+              <a:tailEnd/>
+            </a:ln>
+            <a:effectLst/>
+          </p:spPr>
+          <p:txBody>
+            <a:bodyPr wrap="none" anchor="ctr"/>
+            <a:lstStyle/>
+            <a:p>
+              <a:pPr algn="ctr"/>
+              <a:endParaRPr lang="en-US"/>
+            </a:p>
+          </p:txBody>
+        </p:sp>
+        <p:sp>
+          <p:nvSpPr>
+            <p:cNvPr id="15" name="Freeform 13"/>
+            <p:cNvSpPr>
+              <a:spLocks/>
+            </p:cNvSpPr>
+            <p:nvPr/>
+          </p:nvSpPr>
+          <p:spPr bwMode="auto">
+            <a:xfrm>
+              <a:off x="4812435" y="4156223"/>
+              <a:ext cx="1211263" cy="588963"/>
+            </a:xfrm>
+            <a:custGeom>
+              <a:avLst/>
+              <a:gdLst/>
+              <a:ahLst/>
+              <a:cxnLst>
+                <a:cxn ang="0">
+                  <a:pos x="0" y="309"/>
+                </a:cxn>
+                <a:cxn ang="0">
+                  <a:pos x="296" y="301"/>
+                </a:cxn>
+                <a:cxn ang="0">
+                  <a:pos x="344" y="237"/>
+                </a:cxn>
+                <a:cxn ang="0">
+                  <a:pos x="456" y="149"/>
+                </a:cxn>
+                <a:cxn ang="0">
+                  <a:pos x="504" y="13"/>
+                </a:cxn>
+                <a:cxn ang="0">
+                  <a:pos x="408" y="29"/>
+                </a:cxn>
+                <a:cxn ang="0">
+                  <a:pos x="320" y="69"/>
+                </a:cxn>
+                <a:cxn ang="0">
+                  <a:pos x="272" y="141"/>
+                </a:cxn>
+                <a:cxn ang="0">
+                  <a:pos x="248" y="149"/>
+                </a:cxn>
+                <a:cxn ang="0">
+                  <a:pos x="176" y="205"/>
+                </a:cxn>
+                <a:cxn ang="0">
+                  <a:pos x="56" y="261"/>
+                </a:cxn>
+                <a:cxn ang="0">
+                  <a:pos x="0" y="309"/>
+                </a:cxn>
+              </a:cxnLst>
+              <a:rect l="0" t="0" r="r" b="b"/>
+              <a:pathLst>
+                <a:path w="505" h="309">
+                  <a:moveTo>
+                    <a:pt x="0" y="309"/>
+                  </a:moveTo>
+                  <a:cubicBezTo>
+                    <a:pt x="99" y="306"/>
+                    <a:pt x="198" y="308"/>
+                    <a:pt x="296" y="301"/>
+                  </a:cubicBezTo>
+                  <a:cubicBezTo>
+                    <a:pt x="344" y="298"/>
+                    <a:pt x="323" y="268"/>
+                    <a:pt x="344" y="237"/>
+                  </a:cubicBezTo>
+                  <a:cubicBezTo>
+                    <a:pt x="376" y="188"/>
+                    <a:pt x="400" y="163"/>
+                    <a:pt x="456" y="149"/>
+                  </a:cubicBezTo>
+                  <a:cubicBezTo>
+                    <a:pt x="505" y="116"/>
+                    <a:pt x="504" y="70"/>
+                    <a:pt x="504" y="13"/>
+                  </a:cubicBezTo>
+                  <a:cubicBezTo>
+                    <a:pt x="454" y="0"/>
+                    <a:pt x="451" y="11"/>
+                    <a:pt x="408" y="29"/>
+                  </a:cubicBezTo>
+                  <a:cubicBezTo>
+                    <a:pt x="376" y="43"/>
+                    <a:pt x="350" y="49"/>
+                    <a:pt x="320" y="69"/>
+                  </a:cubicBezTo>
+                  <a:cubicBezTo>
+                    <a:pt x="303" y="94"/>
+                    <a:pt x="299" y="123"/>
+                    <a:pt x="272" y="141"/>
+                  </a:cubicBezTo>
+                  <a:cubicBezTo>
+                    <a:pt x="265" y="146"/>
+                    <a:pt x="255" y="145"/>
+                    <a:pt x="248" y="149"/>
+                  </a:cubicBezTo>
+                  <a:cubicBezTo>
+                    <a:pt x="205" y="173"/>
+                    <a:pt x="205" y="176"/>
+                    <a:pt x="176" y="205"/>
+                  </a:cubicBezTo>
+                  <a:cubicBezTo>
+                    <a:pt x="158" y="259"/>
+                    <a:pt x="106" y="255"/>
+                    <a:pt x="56" y="261"/>
+                  </a:cubicBezTo>
+                  <a:cubicBezTo>
+                    <a:pt x="3" y="296"/>
+                    <a:pt x="17" y="276"/>
+                    <a:pt x="0" y="309"/>
+                  </a:cubicBezTo>
+                  <a:close/>
+                </a:path>
+              </a:pathLst>
+            </a:custGeom>
+            <a:solidFill>
+              <a:schemeClr val="bg1"/>
+            </a:solidFill>
+            <a:ln w="9525" cap="flat" cmpd="sng">
+              <a:noFill/>
+              <a:prstDash val="solid"/>
+              <a:miter lim="800000"/>
+              <a:headEnd type="none" w="med" len="med"/>
+              <a:tailEnd type="none" w="med" len="med"/>
+            </a:ln>
+            <a:effectLst/>
+          </p:spPr>
+          <p:txBody>
+            <a:bodyPr wrap="none"/>
+            <a:lstStyle/>
+            <a:p>
+              <a:endParaRPr lang="en-US"/>
+            </a:p>
+          </p:txBody>
+        </p:sp>
+      </p:grpSp>
+      <p:sp>
+        <p:nvSpPr>
+          <p:cNvPr id="167948" name="Oval 12"/>
+          <p:cNvSpPr>
+            <a:spLocks noChangeArrowheads="1"/>
+          </p:cNvSpPr>
+          <p:nvPr/>
+        </p:nvSpPr>
+        <p:spPr bwMode="auto">
+          <a:xfrm>
+            <a:off x="2999510" y="1900385"/>
+            <a:ext cx="3124200" cy="3035300"/>
+          </a:xfrm>
+          <a:prstGeom prst="ellipse">
+            <a:avLst/>
+          </a:prstGeom>
+          <a:solidFill>
+            <a:schemeClr val="accent1"/>
+          </a:solidFill>
+          <a:ln w="9525">
+            <a:solidFill>
+              <a:schemeClr val="tx1"/>
+            </a:solidFill>
+            <a:miter lim="800000"/>
+            <a:headEnd/>
+            <a:tailEnd/>
+          </a:ln>
+          <a:effectLst/>
+        </p:spPr>
+        <p:txBody>
+          <a:bodyPr wrap="none" anchor="ctr"/>
+          <a:lstStyle/>
+          <a:p>
+            <a:pPr algn="ctr"/>
+            <a:endParaRPr lang="en-US"/>
+          </a:p>
+        </p:txBody>
+      </p:sp>
+      <p:sp>
+        <p:nvSpPr>
+          <p:cNvPr id="167944" name="Text Box 8"/>
+          <p:cNvSpPr txBox="1">
+            <a:spLocks noChangeArrowheads="1"/>
+          </p:cNvSpPr>
+          <p:nvPr/>
+        </p:nvSpPr>
+        <p:spPr bwMode="auto">
+          <a:xfrm>
+            <a:off x="4510953" y="3684735"/>
+            <a:ext cx="342900" cy="336550"/>
+          </a:xfrm>
+          <a:prstGeom prst="rect">
+            <a:avLst/>
+          </a:prstGeom>
+          <a:noFill/>
+          <a:ln w="9525">
+            <a:noFill/>
+            <a:miter lim="800000"/>
+            <a:headEnd/>
+            <a:tailEnd/>
+          </a:ln>
+          <a:effectLst/>
+        </p:spPr>
+        <p:txBody>
+          <a:bodyPr wrap="none">
+            <a:spAutoFit/>
+          </a:bodyPr>
+          <a:lstStyle/>
+          <a:p>
+            <a:r>
+              <a:rPr lang="en-US"/>
+              <a:t>Q</a:t>
+            </a:r>
+          </a:p>
+        </p:txBody>
+      </p:sp>
+      <p:sp>
+        <p:nvSpPr>
+          <p:cNvPr id="167949" name="Freeform 13"/>
+          <p:cNvSpPr>
+            <a:spLocks/>
+          </p:cNvSpPr>
+          <p:nvPr/>
+        </p:nvSpPr>
+        <p:spPr bwMode="auto">
+          <a:xfrm>
+            <a:off x="4660035" y="4003823"/>
+            <a:ext cx="1211263" cy="588963"/>
+          </a:xfrm>
+          <a:custGeom>
+            <a:avLst/>
+            <a:gdLst/>
+            <a:ahLst/>
+            <a:cxnLst>
+              <a:cxn ang="0">
+                <a:pos x="0" y="309"/>
+              </a:cxn>
+              <a:cxn ang="0">
+                <a:pos x="296" y="301"/>
+              </a:cxn>
+              <a:cxn ang="0">
+                <a:pos x="344" y="237"/>
+              </a:cxn>
+              <a:cxn ang="0">
+                <a:pos x="456" y="149"/>
+              </a:cxn>
+              <a:cxn ang="0">
+                <a:pos x="504" y="13"/>
+              </a:cxn>
+              <a:cxn ang="0">
+                <a:pos x="408" y="29"/>
+              </a:cxn>
+              <a:cxn ang="0">
+                <a:pos x="320" y="69"/>
+              </a:cxn>
+              <a:cxn ang="0">
+                <a:pos x="272" y="141"/>
+              </a:cxn>
+              <a:cxn ang="0">
+                <a:pos x="248" y="149"/>
+              </a:cxn>
+              <a:cxn ang="0">
+                <a:pos x="176" y="205"/>
+              </a:cxn>
+              <a:cxn ang="0">
+                <a:pos x="56" y="261"/>
+              </a:cxn>
+              <a:cxn ang="0">
+                <a:pos x="0" y="309"/>
+              </a:cxn>
+            </a:cxnLst>
+            <a:rect l="0" t="0" r="r" b="b"/>
+            <a:pathLst>
+              <a:path w="505" h="309">
+                <a:moveTo>
+                  <a:pt x="0" y="309"/>
+                </a:moveTo>
+                <a:cubicBezTo>
+                  <a:pt x="99" y="306"/>
+                  <a:pt x="198" y="308"/>
+                  <a:pt x="296" y="301"/>
+                </a:cubicBezTo>
+                <a:cubicBezTo>
+                  <a:pt x="344" y="298"/>
+                  <a:pt x="323" y="268"/>
+                  <a:pt x="344" y="237"/>
+                </a:cubicBezTo>
+                <a:cubicBezTo>
+                  <a:pt x="376" y="188"/>
+                  <a:pt x="400" y="163"/>
+                  <a:pt x="456" y="149"/>
+                </a:cubicBezTo>
+                <a:cubicBezTo>
+                  <a:pt x="505" y="116"/>
+                  <a:pt x="504" y="70"/>
+                  <a:pt x="504" y="13"/>
+                </a:cubicBezTo>
+                <a:cubicBezTo>
+                  <a:pt x="454" y="0"/>
+                  <a:pt x="451" y="11"/>
+                  <a:pt x="408" y="29"/>
+                </a:cubicBezTo>
+                <a:cubicBezTo>
+                  <a:pt x="376" y="43"/>
+                  <a:pt x="350" y="49"/>
+                  <a:pt x="320" y="69"/>
+                </a:cubicBezTo>
+                <a:cubicBezTo>
+                  <a:pt x="303" y="94"/>
+                  <a:pt x="299" y="123"/>
+                  <a:pt x="272" y="141"/>
+                </a:cubicBezTo>
+                <a:cubicBezTo>
+                  <a:pt x="265" y="146"/>
+                  <a:pt x="255" y="145"/>
+                  <a:pt x="248" y="149"/>
+                </a:cubicBezTo>
+                <a:cubicBezTo>
+                  <a:pt x="205" y="173"/>
+                  <a:pt x="205" y="176"/>
+                  <a:pt x="176" y="205"/>
+                </a:cubicBezTo>
+                <a:cubicBezTo>
+                  <a:pt x="158" y="259"/>
+                  <a:pt x="106" y="255"/>
+                  <a:pt x="56" y="261"/>
+                </a:cubicBezTo>
+                <a:cubicBezTo>
+                  <a:pt x="3" y="296"/>
+                  <a:pt x="17" y="276"/>
+                  <a:pt x="0" y="309"/>
+                </a:cubicBezTo>
+                <a:close/>
+              </a:path>
+            </a:pathLst>
+          </a:custGeom>
+          <a:solidFill>
+            <a:schemeClr val="bg1"/>
+          </a:solidFill>
+          <a:ln w="9525" cap="flat" cmpd="sng">
+            <a:noFill/>
+            <a:prstDash val="solid"/>
+            <a:miter lim="800000"/>
+            <a:headEnd type="none" w="med" len="med"/>
+            <a:tailEnd type="none" w="med" len="med"/>
+          </a:ln>
+          <a:effectLst/>
+        </p:spPr>
+        <p:txBody>
+          <a:bodyPr wrap="none"/>
+          <a:lstStyle/>
+          <a:p>
+            <a:endParaRPr lang="en-US"/>
+          </a:p>
+        </p:txBody>
+      </p:sp>
+      <p:grpSp>
+        <p:nvGrpSpPr>
+          <p:cNvPr id="26" name="Group 25"/>
+          <p:cNvGrpSpPr/>
+          <p:nvPr/>
+        </p:nvGrpSpPr>
+        <p:grpSpPr>
+          <a:xfrm>
+            <a:off x="942109" y="0"/>
+            <a:ext cx="7301346" cy="6858000"/>
+            <a:chOff x="942109" y="0"/>
+            <a:chExt cx="7301346" cy="6858000"/>
+          </a:xfrm>
+        </p:grpSpPr>
+        <p:cxnSp>
+          <p:nvCxnSpPr>
+            <p:cNvPr id="17" name="Straight Arrow Connector 16"/>
+            <p:cNvCxnSpPr/>
+            <p:nvPr/>
+          </p:nvCxnSpPr>
+          <p:spPr bwMode="auto">
+            <a:xfrm>
+              <a:off x="4599709" y="3394364"/>
+              <a:ext cx="3643746" cy="0"/>
+            </a:xfrm>
+            <a:prstGeom prst="straightConnector1">
+              <a:avLst/>
+            </a:prstGeom>
+            <a:solidFill>
+              <a:schemeClr val="accent1"/>
+            </a:solidFill>
+            <a:ln w="28575" cap="flat" cmpd="sng" algn="ctr">
+              <a:solidFill>
+                <a:srgbClr val="FF0000"/>
+              </a:solidFill>
+              <a:prstDash val="solid"/>
+              <a:miter lim="800000"/>
+              <a:headEnd type="none" w="med" len="med"/>
+              <a:tailEnd type="arrow"/>
+            </a:ln>
+            <a:effectLst/>
+          </p:spPr>
+        </p:cxnSp>
+        <p:cxnSp>
+          <p:nvCxnSpPr>
+            <p:cNvPr id="18" name="Straight Arrow Connector 17"/>
+            <p:cNvCxnSpPr/>
+            <p:nvPr/>
+          </p:nvCxnSpPr>
+          <p:spPr bwMode="auto">
+            <a:xfrm flipH="1" flipV="1">
+              <a:off x="4544291" y="0"/>
+              <a:ext cx="13854" cy="3394364"/>
+            </a:xfrm>
+            <a:prstGeom prst="straightConnector1">
+              <a:avLst/>
+            </a:prstGeom>
+            <a:solidFill>
+              <a:schemeClr val="accent1"/>
+            </a:solidFill>
+            <a:ln w="28575" cap="flat" cmpd="sng" algn="ctr">
+              <a:solidFill>
+                <a:srgbClr val="FF0000"/>
+              </a:solidFill>
+              <a:prstDash val="solid"/>
+              <a:miter lim="800000"/>
+              <a:headEnd type="none" w="med" len="med"/>
+              <a:tailEnd type="arrow"/>
+            </a:ln>
+            <a:effectLst/>
+          </p:spPr>
+        </p:cxnSp>
+        <p:cxnSp>
+          <p:nvCxnSpPr>
+            <p:cNvPr id="20" name="Straight Arrow Connector 19"/>
+            <p:cNvCxnSpPr/>
+            <p:nvPr/>
+          </p:nvCxnSpPr>
+          <p:spPr bwMode="auto">
+            <a:xfrm flipH="1">
+              <a:off x="942109" y="3394364"/>
+              <a:ext cx="3616036" cy="41563"/>
+            </a:xfrm>
+            <a:prstGeom prst="straightConnector1">
+              <a:avLst/>
+            </a:prstGeom>
+            <a:solidFill>
+              <a:schemeClr val="accent1"/>
+            </a:solidFill>
+            <a:ln w="28575" cap="flat" cmpd="sng" algn="ctr">
+              <a:solidFill>
+                <a:srgbClr val="FF0000"/>
+              </a:solidFill>
+              <a:prstDash val="solid"/>
+              <a:miter lim="800000"/>
+              <a:headEnd type="none" w="med" len="med"/>
+              <a:tailEnd type="arrow"/>
+            </a:ln>
+            <a:effectLst/>
+          </p:spPr>
+        </p:cxnSp>
+        <p:cxnSp>
+          <p:nvCxnSpPr>
+            <p:cNvPr id="23" name="Straight Arrow Connector 22"/>
+            <p:cNvCxnSpPr/>
+            <p:nvPr/>
+          </p:nvCxnSpPr>
+          <p:spPr bwMode="auto">
+            <a:xfrm>
+              <a:off x="4572000" y="3408218"/>
+              <a:ext cx="27709" cy="3449782"/>
+            </a:xfrm>
+            <a:prstGeom prst="straightConnector1">
+              <a:avLst/>
+            </a:prstGeom>
+            <a:solidFill>
+              <a:schemeClr val="accent1"/>
+            </a:solidFill>
+            <a:ln w="28575" cap="flat" cmpd="sng" algn="ctr">
+              <a:solidFill>
+                <a:srgbClr val="FF0000"/>
+              </a:solidFill>
+              <a:prstDash val="solid"/>
+              <a:miter lim="800000"/>
+              <a:headEnd type="none" w="med" len="med"/>
+              <a:tailEnd type="arrow"/>
+            </a:ln>
+            <a:effectLst/>
+          </p:spPr>
+        </p:cxnSp>
+      </p:grpSp>
+      <p:grpSp>
+        <p:nvGrpSpPr>
+          <p:cNvPr id="27" name="Group 26"/>
+          <p:cNvGrpSpPr/>
+          <p:nvPr/>
+        </p:nvGrpSpPr>
+        <p:grpSpPr>
+          <a:xfrm rot="2700000">
+            <a:off x="928249" y="27705"/>
+            <a:ext cx="7301346" cy="6858000"/>
+            <a:chOff x="942109" y="0"/>
+            <a:chExt cx="7301346" cy="6858000"/>
+          </a:xfrm>
+        </p:grpSpPr>
+        <p:cxnSp>
+          <p:nvCxnSpPr>
+            <p:cNvPr id="28" name="Straight Arrow Connector 27"/>
+            <p:cNvCxnSpPr/>
+            <p:nvPr/>
+          </p:nvCxnSpPr>
+          <p:spPr bwMode="auto">
+            <a:xfrm>
+              <a:off x="4599709" y="3394364"/>
+              <a:ext cx="3643746" cy="0"/>
+            </a:xfrm>
+            <a:prstGeom prst="straightConnector1">
+              <a:avLst/>
+            </a:prstGeom>
+            <a:solidFill>
+              <a:schemeClr val="accent1"/>
+            </a:solidFill>
+            <a:ln w="28575" cap="flat" cmpd="sng" algn="ctr">
+              <a:solidFill>
+                <a:srgbClr val="FF0000"/>
+              </a:solidFill>
+              <a:prstDash val="solid"/>
+              <a:miter lim="800000"/>
+              <a:headEnd type="none" w="med" len="med"/>
+              <a:tailEnd type="arrow"/>
+            </a:ln>
+            <a:effectLst/>
+          </p:spPr>
+        </p:cxnSp>
+        <p:cxnSp>
+          <p:nvCxnSpPr>
+            <p:cNvPr id="29" name="Straight Arrow Connector 28"/>
+            <p:cNvCxnSpPr/>
+            <p:nvPr/>
+          </p:nvCxnSpPr>
+          <p:spPr bwMode="auto">
+            <a:xfrm flipH="1" flipV="1">
+              <a:off x="4544291" y="0"/>
+              <a:ext cx="13854" cy="3394364"/>
+            </a:xfrm>
+            <a:prstGeom prst="straightConnector1">
+              <a:avLst/>
+            </a:prstGeom>
+            <a:solidFill>
+              <a:schemeClr val="accent1"/>
+            </a:solidFill>
+            <a:ln w="28575" cap="flat" cmpd="sng" algn="ctr">
+              <a:solidFill>
+                <a:srgbClr val="FF0000"/>
+              </a:solidFill>
+              <a:prstDash val="solid"/>
+              <a:miter lim="800000"/>
+              <a:headEnd type="none" w="med" len="med"/>
+              <a:tailEnd type="arrow"/>
+            </a:ln>
+            <a:effectLst/>
+          </p:spPr>
+        </p:cxnSp>
+        <p:cxnSp>
+          <p:nvCxnSpPr>
+            <p:cNvPr id="30" name="Straight Arrow Connector 29"/>
+            <p:cNvCxnSpPr/>
+            <p:nvPr/>
+          </p:nvCxnSpPr>
+          <p:spPr bwMode="auto">
+            <a:xfrm flipH="1">
+              <a:off x="942109" y="3394364"/>
+              <a:ext cx="3616036" cy="41563"/>
+            </a:xfrm>
+            <a:prstGeom prst="straightConnector1">
+              <a:avLst/>
+            </a:prstGeom>
+            <a:solidFill>
+              <a:schemeClr val="accent1"/>
+            </a:solidFill>
+            <a:ln w="28575" cap="flat" cmpd="sng" algn="ctr">
+              <a:solidFill>
+                <a:srgbClr val="FF0000"/>
+              </a:solidFill>
+              <a:prstDash val="solid"/>
+              <a:miter lim="800000"/>
+              <a:headEnd type="none" w="med" len="med"/>
+              <a:tailEnd type="arrow"/>
+            </a:ln>
+            <a:effectLst/>
+          </p:spPr>
+        </p:cxnSp>
+        <p:cxnSp>
+          <p:nvCxnSpPr>
+            <p:cNvPr id="31" name="Straight Arrow Connector 30"/>
+            <p:cNvCxnSpPr/>
+            <p:nvPr/>
+          </p:nvCxnSpPr>
+          <p:spPr bwMode="auto">
+            <a:xfrm>
+              <a:off x="4572000" y="3408218"/>
+              <a:ext cx="27709" cy="3449782"/>
+            </a:xfrm>
+            <a:prstGeom prst="straightConnector1">
+              <a:avLst/>
+            </a:prstGeom>
+            <a:solidFill>
+              <a:schemeClr val="accent1"/>
+            </a:solidFill>
+            <a:ln w="28575" cap="flat" cmpd="sng" algn="ctr">
+              <a:solidFill>
+                <a:srgbClr val="FF0000"/>
+              </a:solidFill>
+              <a:prstDash val="solid"/>
+              <a:miter lim="800000"/>
+              <a:headEnd type="none" w="med" len="med"/>
+              <a:tailEnd type="arrow"/>
+            </a:ln>
+            <a:effectLst/>
+          </p:spPr>
+        </p:cxnSp>
+      </p:grpSp>
+      <p:sp>
+        <p:nvSpPr>
+          <p:cNvPr id="167943" name="Oval 7"/>
+          <p:cNvSpPr>
+            <a:spLocks noChangeArrowheads="1"/>
+          </p:cNvSpPr>
+          <p:nvPr/>
+        </p:nvSpPr>
+        <p:spPr bwMode="auto">
+          <a:xfrm>
+            <a:off x="4326803" y="3189435"/>
+            <a:ext cx="493713" cy="434975"/>
+          </a:xfrm>
+          <a:prstGeom prst="ellipse">
+            <a:avLst/>
+          </a:prstGeom>
+          <a:gradFill rotWithShape="1">
+            <a:gsLst>
+              <a:gs pos="0">
+                <a:srgbClr val="FFCC99">
+                  <a:gamma/>
+                  <a:shade val="46275"/>
+                  <a:invGamma/>
+                </a:srgbClr>
+              </a:gs>
+              <a:gs pos="50000">
+                <a:srgbClr val="FFCC99"/>
+              </a:gs>
+              <a:gs pos="100000">
+                <a:srgbClr val="FFCC99">
+                  <a:gamma/>
+                  <a:shade val="46275"/>
+                  <a:invGamma/>
+                </a:srgbClr>
+              </a:gs>
+            </a:gsLst>
+            <a:lin ang="18900000" scaled="1"/>
+          </a:gradFill>
+          <a:ln w="9525">
+            <a:noFill/>
+            <a:miter lim="800000"/>
+            <a:headEnd/>
+            <a:tailEnd/>
+          </a:ln>
+          <a:effectLst/>
+        </p:spPr>
+        <p:txBody>
+          <a:bodyPr wrap="none" anchor="ctr"/>
+          <a:lstStyle/>
+          <a:p>
+            <a:pPr algn="ctr"/>
+            <a:r>
+              <a:rPr lang="en-US" dirty="0"/>
+              <a:t>+</a:t>
+            </a:r>
+          </a:p>
+        </p:txBody>
+      </p:sp>
+    </p:spTree>
+  </p:cSld>
+  <p:clrMapOvr>
+    <a:masterClrMapping/>
+  </p:clrMapOvr>
+</p:sld>
+</file>
+
+<file path=ppt/slides/slide40.xml><?xml version="1.0" encoding="utf-8"?>
 <p:sld xmlns:a="http://schemas.openxmlformats.org/drawingml/2006/main" xmlns:r="http://schemas.openxmlformats.org/officeDocument/2006/relationships" xmlns:p="http://schemas.openxmlformats.org/presentationml/2006/main">
   <p:cSld>
     <p:spTree>
@@ -41735,953 +42851,6 @@
                 <a:sym typeface="Symbol" pitchFamily="18" charset="2"/>
               </a:rPr>
               <a:t>S</a:t>
-            </a:r>
-          </a:p>
-        </p:txBody>
-      </p:sp>
-    </p:spTree>
-  </p:cSld>
-  <p:clrMapOvr>
-    <a:masterClrMapping/>
-  </p:clrMapOvr>
-</p:sld>
-</file>
-
-<file path=ppt/slides/slide4.xml><?xml version="1.0" encoding="utf-8"?>
-<p:sld xmlns:a="http://schemas.openxmlformats.org/drawingml/2006/main" xmlns:r="http://schemas.openxmlformats.org/officeDocument/2006/relationships" xmlns:p="http://schemas.openxmlformats.org/presentationml/2006/main">
-  <p:cSld>
-    <p:spTree>
-      <p:nvGrpSpPr>
-        <p:cNvPr id="1" name=""/>
-        <p:cNvGrpSpPr/>
-        <p:nvPr/>
-      </p:nvGrpSpPr>
-      <p:grpSpPr>
-        <a:xfrm>
-          <a:off x="0" y="0"/>
-          <a:ext cx="0" cy="0"/>
-          <a:chOff x="0" y="0"/>
-          <a:chExt cx="0" cy="0"/>
-        </a:xfrm>
-      </p:grpSpPr>
-      <p:grpSp>
-        <p:nvGrpSpPr>
-          <p:cNvPr id="12" name="Group 11"/>
-          <p:cNvGrpSpPr/>
-          <p:nvPr/>
-        </p:nvGrpSpPr>
-        <p:grpSpPr>
-          <a:xfrm>
-            <a:off x="1835729" y="720437"/>
-            <a:ext cx="5493326" cy="5403272"/>
-            <a:chOff x="3151910" y="2052785"/>
-            <a:chExt cx="3124200" cy="3035300"/>
-          </a:xfrm>
-        </p:grpSpPr>
-        <p:sp>
-          <p:nvSpPr>
-            <p:cNvPr id="8" name="Oval 12"/>
-            <p:cNvSpPr>
-              <a:spLocks noChangeArrowheads="1"/>
-            </p:cNvSpPr>
-            <p:nvPr/>
-          </p:nvSpPr>
-          <p:spPr bwMode="auto">
-            <a:xfrm>
-              <a:off x="3151910" y="2052785"/>
-              <a:ext cx="3124200" cy="3035300"/>
-            </a:xfrm>
-            <a:prstGeom prst="ellipse">
-              <a:avLst/>
-            </a:prstGeom>
-            <a:solidFill>
-              <a:schemeClr val="accent1"/>
-            </a:solidFill>
-            <a:ln w="9525">
-              <a:solidFill>
-                <a:schemeClr val="tx1"/>
-              </a:solidFill>
-              <a:miter lim="800000"/>
-              <a:headEnd/>
-              <a:tailEnd/>
-            </a:ln>
-            <a:effectLst/>
-          </p:spPr>
-          <p:txBody>
-            <a:bodyPr wrap="none" anchor="ctr"/>
-            <a:lstStyle/>
-            <a:p>
-              <a:pPr algn="ctr"/>
-              <a:endParaRPr lang="en-US"/>
-            </a:p>
-          </p:txBody>
-        </p:sp>
-        <p:sp>
-          <p:nvSpPr>
-            <p:cNvPr id="10" name="Freeform 13"/>
-            <p:cNvSpPr>
-              <a:spLocks/>
-            </p:cNvSpPr>
-            <p:nvPr/>
-          </p:nvSpPr>
-          <p:spPr bwMode="auto">
-            <a:xfrm>
-              <a:off x="4812435" y="4156223"/>
-              <a:ext cx="1211263" cy="588963"/>
-            </a:xfrm>
-            <a:custGeom>
-              <a:avLst/>
-              <a:gdLst/>
-              <a:ahLst/>
-              <a:cxnLst>
-                <a:cxn ang="0">
-                  <a:pos x="0" y="309"/>
-                </a:cxn>
-                <a:cxn ang="0">
-                  <a:pos x="296" y="301"/>
-                </a:cxn>
-                <a:cxn ang="0">
-                  <a:pos x="344" y="237"/>
-                </a:cxn>
-                <a:cxn ang="0">
-                  <a:pos x="456" y="149"/>
-                </a:cxn>
-                <a:cxn ang="0">
-                  <a:pos x="504" y="13"/>
-                </a:cxn>
-                <a:cxn ang="0">
-                  <a:pos x="408" y="29"/>
-                </a:cxn>
-                <a:cxn ang="0">
-                  <a:pos x="320" y="69"/>
-                </a:cxn>
-                <a:cxn ang="0">
-                  <a:pos x="272" y="141"/>
-                </a:cxn>
-                <a:cxn ang="0">
-                  <a:pos x="248" y="149"/>
-                </a:cxn>
-                <a:cxn ang="0">
-                  <a:pos x="176" y="205"/>
-                </a:cxn>
-                <a:cxn ang="0">
-                  <a:pos x="56" y="261"/>
-                </a:cxn>
-                <a:cxn ang="0">
-                  <a:pos x="0" y="309"/>
-                </a:cxn>
-              </a:cxnLst>
-              <a:rect l="0" t="0" r="r" b="b"/>
-              <a:pathLst>
-                <a:path w="505" h="309">
-                  <a:moveTo>
-                    <a:pt x="0" y="309"/>
-                  </a:moveTo>
-                  <a:cubicBezTo>
-                    <a:pt x="99" y="306"/>
-                    <a:pt x="198" y="308"/>
-                    <a:pt x="296" y="301"/>
-                  </a:cubicBezTo>
-                  <a:cubicBezTo>
-                    <a:pt x="344" y="298"/>
-                    <a:pt x="323" y="268"/>
-                    <a:pt x="344" y="237"/>
-                  </a:cubicBezTo>
-                  <a:cubicBezTo>
-                    <a:pt x="376" y="188"/>
-                    <a:pt x="400" y="163"/>
-                    <a:pt x="456" y="149"/>
-                  </a:cubicBezTo>
-                  <a:cubicBezTo>
-                    <a:pt x="505" y="116"/>
-                    <a:pt x="504" y="70"/>
-                    <a:pt x="504" y="13"/>
-                  </a:cubicBezTo>
-                  <a:cubicBezTo>
-                    <a:pt x="454" y="0"/>
-                    <a:pt x="451" y="11"/>
-                    <a:pt x="408" y="29"/>
-                  </a:cubicBezTo>
-                  <a:cubicBezTo>
-                    <a:pt x="376" y="43"/>
-                    <a:pt x="350" y="49"/>
-                    <a:pt x="320" y="69"/>
-                  </a:cubicBezTo>
-                  <a:cubicBezTo>
-                    <a:pt x="303" y="94"/>
-                    <a:pt x="299" y="123"/>
-                    <a:pt x="272" y="141"/>
-                  </a:cubicBezTo>
-                  <a:cubicBezTo>
-                    <a:pt x="265" y="146"/>
-                    <a:pt x="255" y="145"/>
-                    <a:pt x="248" y="149"/>
-                  </a:cubicBezTo>
-                  <a:cubicBezTo>
-                    <a:pt x="205" y="173"/>
-                    <a:pt x="205" y="176"/>
-                    <a:pt x="176" y="205"/>
-                  </a:cubicBezTo>
-                  <a:cubicBezTo>
-                    <a:pt x="158" y="259"/>
-                    <a:pt x="106" y="255"/>
-                    <a:pt x="56" y="261"/>
-                  </a:cubicBezTo>
-                  <a:cubicBezTo>
-                    <a:pt x="3" y="296"/>
-                    <a:pt x="17" y="276"/>
-                    <a:pt x="0" y="309"/>
-                  </a:cubicBezTo>
-                  <a:close/>
-                </a:path>
-              </a:pathLst>
-            </a:custGeom>
-            <a:solidFill>
-              <a:schemeClr val="bg1"/>
-            </a:solidFill>
-            <a:ln w="9525" cap="flat" cmpd="sng">
-              <a:noFill/>
-              <a:prstDash val="solid"/>
-              <a:miter lim="800000"/>
-              <a:headEnd type="none" w="med" len="med"/>
-              <a:tailEnd type="none" w="med" len="med"/>
-            </a:ln>
-            <a:effectLst/>
-          </p:spPr>
-          <p:txBody>
-            <a:bodyPr wrap="none"/>
-            <a:lstStyle/>
-            <a:p>
-              <a:endParaRPr lang="en-US"/>
-            </a:p>
-          </p:txBody>
-        </p:sp>
-      </p:grpSp>
-      <p:grpSp>
-        <p:nvGrpSpPr>
-          <p:cNvPr id="13" name="Group 12"/>
-          <p:cNvGrpSpPr/>
-          <p:nvPr/>
-        </p:nvGrpSpPr>
-        <p:grpSpPr>
-          <a:xfrm>
-            <a:off x="2341418" y="1080655"/>
-            <a:ext cx="4558146" cy="4724400"/>
-            <a:chOff x="3151910" y="2052785"/>
-            <a:chExt cx="3124200" cy="3035300"/>
-          </a:xfrm>
-        </p:grpSpPr>
-        <p:sp>
-          <p:nvSpPr>
-            <p:cNvPr id="14" name="Oval 12"/>
-            <p:cNvSpPr>
-              <a:spLocks noChangeArrowheads="1"/>
-            </p:cNvSpPr>
-            <p:nvPr/>
-          </p:nvSpPr>
-          <p:spPr bwMode="auto">
-            <a:xfrm>
-              <a:off x="3151910" y="2052785"/>
-              <a:ext cx="3124200" cy="3035300"/>
-            </a:xfrm>
-            <a:prstGeom prst="ellipse">
-              <a:avLst/>
-            </a:prstGeom>
-            <a:solidFill>
-              <a:schemeClr val="accent1"/>
-            </a:solidFill>
-            <a:ln w="9525">
-              <a:solidFill>
-                <a:schemeClr val="tx1"/>
-              </a:solidFill>
-              <a:miter lim="800000"/>
-              <a:headEnd/>
-              <a:tailEnd/>
-            </a:ln>
-            <a:effectLst/>
-          </p:spPr>
-          <p:txBody>
-            <a:bodyPr wrap="none" anchor="ctr"/>
-            <a:lstStyle/>
-            <a:p>
-              <a:pPr algn="ctr"/>
-              <a:endParaRPr lang="en-US"/>
-            </a:p>
-          </p:txBody>
-        </p:sp>
-        <p:sp>
-          <p:nvSpPr>
-            <p:cNvPr id="15" name="Freeform 13"/>
-            <p:cNvSpPr>
-              <a:spLocks/>
-            </p:cNvSpPr>
-            <p:nvPr/>
-          </p:nvSpPr>
-          <p:spPr bwMode="auto">
-            <a:xfrm>
-              <a:off x="4812435" y="4156223"/>
-              <a:ext cx="1211263" cy="588963"/>
-            </a:xfrm>
-            <a:custGeom>
-              <a:avLst/>
-              <a:gdLst/>
-              <a:ahLst/>
-              <a:cxnLst>
-                <a:cxn ang="0">
-                  <a:pos x="0" y="309"/>
-                </a:cxn>
-                <a:cxn ang="0">
-                  <a:pos x="296" y="301"/>
-                </a:cxn>
-                <a:cxn ang="0">
-                  <a:pos x="344" y="237"/>
-                </a:cxn>
-                <a:cxn ang="0">
-                  <a:pos x="456" y="149"/>
-                </a:cxn>
-                <a:cxn ang="0">
-                  <a:pos x="504" y="13"/>
-                </a:cxn>
-                <a:cxn ang="0">
-                  <a:pos x="408" y="29"/>
-                </a:cxn>
-                <a:cxn ang="0">
-                  <a:pos x="320" y="69"/>
-                </a:cxn>
-                <a:cxn ang="0">
-                  <a:pos x="272" y="141"/>
-                </a:cxn>
-                <a:cxn ang="0">
-                  <a:pos x="248" y="149"/>
-                </a:cxn>
-                <a:cxn ang="0">
-                  <a:pos x="176" y="205"/>
-                </a:cxn>
-                <a:cxn ang="0">
-                  <a:pos x="56" y="261"/>
-                </a:cxn>
-                <a:cxn ang="0">
-                  <a:pos x="0" y="309"/>
-                </a:cxn>
-              </a:cxnLst>
-              <a:rect l="0" t="0" r="r" b="b"/>
-              <a:pathLst>
-                <a:path w="505" h="309">
-                  <a:moveTo>
-                    <a:pt x="0" y="309"/>
-                  </a:moveTo>
-                  <a:cubicBezTo>
-                    <a:pt x="99" y="306"/>
-                    <a:pt x="198" y="308"/>
-                    <a:pt x="296" y="301"/>
-                  </a:cubicBezTo>
-                  <a:cubicBezTo>
-                    <a:pt x="344" y="298"/>
-                    <a:pt x="323" y="268"/>
-                    <a:pt x="344" y="237"/>
-                  </a:cubicBezTo>
-                  <a:cubicBezTo>
-                    <a:pt x="376" y="188"/>
-                    <a:pt x="400" y="163"/>
-                    <a:pt x="456" y="149"/>
-                  </a:cubicBezTo>
-                  <a:cubicBezTo>
-                    <a:pt x="505" y="116"/>
-                    <a:pt x="504" y="70"/>
-                    <a:pt x="504" y="13"/>
-                  </a:cubicBezTo>
-                  <a:cubicBezTo>
-                    <a:pt x="454" y="0"/>
-                    <a:pt x="451" y="11"/>
-                    <a:pt x="408" y="29"/>
-                  </a:cubicBezTo>
-                  <a:cubicBezTo>
-                    <a:pt x="376" y="43"/>
-                    <a:pt x="350" y="49"/>
-                    <a:pt x="320" y="69"/>
-                  </a:cubicBezTo>
-                  <a:cubicBezTo>
-                    <a:pt x="303" y="94"/>
-                    <a:pt x="299" y="123"/>
-                    <a:pt x="272" y="141"/>
-                  </a:cubicBezTo>
-                  <a:cubicBezTo>
-                    <a:pt x="265" y="146"/>
-                    <a:pt x="255" y="145"/>
-                    <a:pt x="248" y="149"/>
-                  </a:cubicBezTo>
-                  <a:cubicBezTo>
-                    <a:pt x="205" y="173"/>
-                    <a:pt x="205" y="176"/>
-                    <a:pt x="176" y="205"/>
-                  </a:cubicBezTo>
-                  <a:cubicBezTo>
-                    <a:pt x="158" y="259"/>
-                    <a:pt x="106" y="255"/>
-                    <a:pt x="56" y="261"/>
-                  </a:cubicBezTo>
-                  <a:cubicBezTo>
-                    <a:pt x="3" y="296"/>
-                    <a:pt x="17" y="276"/>
-                    <a:pt x="0" y="309"/>
-                  </a:cubicBezTo>
-                  <a:close/>
-                </a:path>
-              </a:pathLst>
-            </a:custGeom>
-            <a:solidFill>
-              <a:schemeClr val="bg1"/>
-            </a:solidFill>
-            <a:ln w="9525" cap="flat" cmpd="sng">
-              <a:noFill/>
-              <a:prstDash val="solid"/>
-              <a:miter lim="800000"/>
-              <a:headEnd type="none" w="med" len="med"/>
-              <a:tailEnd type="none" w="med" len="med"/>
-            </a:ln>
-            <a:effectLst/>
-          </p:spPr>
-          <p:txBody>
-            <a:bodyPr wrap="none"/>
-            <a:lstStyle/>
-            <a:p>
-              <a:endParaRPr lang="en-US"/>
-            </a:p>
-          </p:txBody>
-        </p:sp>
-      </p:grpSp>
-      <p:sp>
-        <p:nvSpPr>
-          <p:cNvPr id="167948" name="Oval 12"/>
-          <p:cNvSpPr>
-            <a:spLocks noChangeArrowheads="1"/>
-          </p:cNvSpPr>
-          <p:nvPr/>
-        </p:nvSpPr>
-        <p:spPr bwMode="auto">
-          <a:xfrm>
-            <a:off x="2999510" y="1900385"/>
-            <a:ext cx="3124200" cy="3035300"/>
-          </a:xfrm>
-          <a:prstGeom prst="ellipse">
-            <a:avLst/>
-          </a:prstGeom>
-          <a:solidFill>
-            <a:schemeClr val="accent1"/>
-          </a:solidFill>
-          <a:ln w="9525">
-            <a:solidFill>
-              <a:schemeClr val="tx1"/>
-            </a:solidFill>
-            <a:miter lim="800000"/>
-            <a:headEnd/>
-            <a:tailEnd/>
-          </a:ln>
-          <a:effectLst/>
-        </p:spPr>
-        <p:txBody>
-          <a:bodyPr wrap="none" anchor="ctr"/>
-          <a:lstStyle/>
-          <a:p>
-            <a:pPr algn="ctr"/>
-            <a:endParaRPr lang="en-US"/>
-          </a:p>
-        </p:txBody>
-      </p:sp>
-      <p:sp>
-        <p:nvSpPr>
-          <p:cNvPr id="167944" name="Text Box 8"/>
-          <p:cNvSpPr txBox="1">
-            <a:spLocks noChangeArrowheads="1"/>
-          </p:cNvSpPr>
-          <p:nvPr/>
-        </p:nvSpPr>
-        <p:spPr bwMode="auto">
-          <a:xfrm>
-            <a:off x="4510953" y="3684735"/>
-            <a:ext cx="342900" cy="336550"/>
-          </a:xfrm>
-          <a:prstGeom prst="rect">
-            <a:avLst/>
-          </a:prstGeom>
-          <a:noFill/>
-          <a:ln w="9525">
-            <a:noFill/>
-            <a:miter lim="800000"/>
-            <a:headEnd/>
-            <a:tailEnd/>
-          </a:ln>
-          <a:effectLst/>
-        </p:spPr>
-        <p:txBody>
-          <a:bodyPr wrap="none">
-            <a:spAutoFit/>
-          </a:bodyPr>
-          <a:lstStyle/>
-          <a:p>
-            <a:r>
-              <a:rPr lang="en-US"/>
-              <a:t>Q</a:t>
-            </a:r>
-          </a:p>
-        </p:txBody>
-      </p:sp>
-      <p:sp>
-        <p:nvSpPr>
-          <p:cNvPr id="167949" name="Freeform 13"/>
-          <p:cNvSpPr>
-            <a:spLocks/>
-          </p:cNvSpPr>
-          <p:nvPr/>
-        </p:nvSpPr>
-        <p:spPr bwMode="auto">
-          <a:xfrm>
-            <a:off x="4660035" y="4003823"/>
-            <a:ext cx="1211263" cy="588963"/>
-          </a:xfrm>
-          <a:custGeom>
-            <a:avLst/>
-            <a:gdLst/>
-            <a:ahLst/>
-            <a:cxnLst>
-              <a:cxn ang="0">
-                <a:pos x="0" y="309"/>
-              </a:cxn>
-              <a:cxn ang="0">
-                <a:pos x="296" y="301"/>
-              </a:cxn>
-              <a:cxn ang="0">
-                <a:pos x="344" y="237"/>
-              </a:cxn>
-              <a:cxn ang="0">
-                <a:pos x="456" y="149"/>
-              </a:cxn>
-              <a:cxn ang="0">
-                <a:pos x="504" y="13"/>
-              </a:cxn>
-              <a:cxn ang="0">
-                <a:pos x="408" y="29"/>
-              </a:cxn>
-              <a:cxn ang="0">
-                <a:pos x="320" y="69"/>
-              </a:cxn>
-              <a:cxn ang="0">
-                <a:pos x="272" y="141"/>
-              </a:cxn>
-              <a:cxn ang="0">
-                <a:pos x="248" y="149"/>
-              </a:cxn>
-              <a:cxn ang="0">
-                <a:pos x="176" y="205"/>
-              </a:cxn>
-              <a:cxn ang="0">
-                <a:pos x="56" y="261"/>
-              </a:cxn>
-              <a:cxn ang="0">
-                <a:pos x="0" y="309"/>
-              </a:cxn>
-            </a:cxnLst>
-            <a:rect l="0" t="0" r="r" b="b"/>
-            <a:pathLst>
-              <a:path w="505" h="309">
-                <a:moveTo>
-                  <a:pt x="0" y="309"/>
-                </a:moveTo>
-                <a:cubicBezTo>
-                  <a:pt x="99" y="306"/>
-                  <a:pt x="198" y="308"/>
-                  <a:pt x="296" y="301"/>
-                </a:cubicBezTo>
-                <a:cubicBezTo>
-                  <a:pt x="344" y="298"/>
-                  <a:pt x="323" y="268"/>
-                  <a:pt x="344" y="237"/>
-                </a:cubicBezTo>
-                <a:cubicBezTo>
-                  <a:pt x="376" y="188"/>
-                  <a:pt x="400" y="163"/>
-                  <a:pt x="456" y="149"/>
-                </a:cubicBezTo>
-                <a:cubicBezTo>
-                  <a:pt x="505" y="116"/>
-                  <a:pt x="504" y="70"/>
-                  <a:pt x="504" y="13"/>
-                </a:cubicBezTo>
-                <a:cubicBezTo>
-                  <a:pt x="454" y="0"/>
-                  <a:pt x="451" y="11"/>
-                  <a:pt x="408" y="29"/>
-                </a:cubicBezTo>
-                <a:cubicBezTo>
-                  <a:pt x="376" y="43"/>
-                  <a:pt x="350" y="49"/>
-                  <a:pt x="320" y="69"/>
-                </a:cubicBezTo>
-                <a:cubicBezTo>
-                  <a:pt x="303" y="94"/>
-                  <a:pt x="299" y="123"/>
-                  <a:pt x="272" y="141"/>
-                </a:cubicBezTo>
-                <a:cubicBezTo>
-                  <a:pt x="265" y="146"/>
-                  <a:pt x="255" y="145"/>
-                  <a:pt x="248" y="149"/>
-                </a:cubicBezTo>
-                <a:cubicBezTo>
-                  <a:pt x="205" y="173"/>
-                  <a:pt x="205" y="176"/>
-                  <a:pt x="176" y="205"/>
-                </a:cubicBezTo>
-                <a:cubicBezTo>
-                  <a:pt x="158" y="259"/>
-                  <a:pt x="106" y="255"/>
-                  <a:pt x="56" y="261"/>
-                </a:cubicBezTo>
-                <a:cubicBezTo>
-                  <a:pt x="3" y="296"/>
-                  <a:pt x="17" y="276"/>
-                  <a:pt x="0" y="309"/>
-                </a:cubicBezTo>
-                <a:close/>
-              </a:path>
-            </a:pathLst>
-          </a:custGeom>
-          <a:solidFill>
-            <a:schemeClr val="bg1"/>
-          </a:solidFill>
-          <a:ln w="9525" cap="flat" cmpd="sng">
-            <a:noFill/>
-            <a:prstDash val="solid"/>
-            <a:miter lim="800000"/>
-            <a:headEnd type="none" w="med" len="med"/>
-            <a:tailEnd type="none" w="med" len="med"/>
-          </a:ln>
-          <a:effectLst/>
-        </p:spPr>
-        <p:txBody>
-          <a:bodyPr wrap="none"/>
-          <a:lstStyle/>
-          <a:p>
-            <a:endParaRPr lang="en-US"/>
-          </a:p>
-        </p:txBody>
-      </p:sp>
-      <p:grpSp>
-        <p:nvGrpSpPr>
-          <p:cNvPr id="26" name="Group 25"/>
-          <p:cNvGrpSpPr/>
-          <p:nvPr/>
-        </p:nvGrpSpPr>
-        <p:grpSpPr>
-          <a:xfrm>
-            <a:off x="942109" y="0"/>
-            <a:ext cx="7301346" cy="6858000"/>
-            <a:chOff x="942109" y="0"/>
-            <a:chExt cx="7301346" cy="6858000"/>
-          </a:xfrm>
-        </p:grpSpPr>
-        <p:cxnSp>
-          <p:nvCxnSpPr>
-            <p:cNvPr id="17" name="Straight Arrow Connector 16"/>
-            <p:cNvCxnSpPr/>
-            <p:nvPr/>
-          </p:nvCxnSpPr>
-          <p:spPr bwMode="auto">
-            <a:xfrm>
-              <a:off x="4599709" y="3394364"/>
-              <a:ext cx="3643746" cy="0"/>
-            </a:xfrm>
-            <a:prstGeom prst="straightConnector1">
-              <a:avLst/>
-            </a:prstGeom>
-            <a:solidFill>
-              <a:schemeClr val="accent1"/>
-            </a:solidFill>
-            <a:ln w="28575" cap="flat" cmpd="sng" algn="ctr">
-              <a:solidFill>
-                <a:srgbClr val="FF0000"/>
-              </a:solidFill>
-              <a:prstDash val="solid"/>
-              <a:miter lim="800000"/>
-              <a:headEnd type="none" w="med" len="med"/>
-              <a:tailEnd type="arrow"/>
-            </a:ln>
-            <a:effectLst/>
-          </p:spPr>
-        </p:cxnSp>
-        <p:cxnSp>
-          <p:nvCxnSpPr>
-            <p:cNvPr id="18" name="Straight Arrow Connector 17"/>
-            <p:cNvCxnSpPr/>
-            <p:nvPr/>
-          </p:nvCxnSpPr>
-          <p:spPr bwMode="auto">
-            <a:xfrm flipH="1" flipV="1">
-              <a:off x="4544291" y="0"/>
-              <a:ext cx="13854" cy="3394364"/>
-            </a:xfrm>
-            <a:prstGeom prst="straightConnector1">
-              <a:avLst/>
-            </a:prstGeom>
-            <a:solidFill>
-              <a:schemeClr val="accent1"/>
-            </a:solidFill>
-            <a:ln w="28575" cap="flat" cmpd="sng" algn="ctr">
-              <a:solidFill>
-                <a:srgbClr val="FF0000"/>
-              </a:solidFill>
-              <a:prstDash val="solid"/>
-              <a:miter lim="800000"/>
-              <a:headEnd type="none" w="med" len="med"/>
-              <a:tailEnd type="arrow"/>
-            </a:ln>
-            <a:effectLst/>
-          </p:spPr>
-        </p:cxnSp>
-        <p:cxnSp>
-          <p:nvCxnSpPr>
-            <p:cNvPr id="20" name="Straight Arrow Connector 19"/>
-            <p:cNvCxnSpPr/>
-            <p:nvPr/>
-          </p:nvCxnSpPr>
-          <p:spPr bwMode="auto">
-            <a:xfrm flipH="1">
-              <a:off x="942109" y="3394364"/>
-              <a:ext cx="3616036" cy="41563"/>
-            </a:xfrm>
-            <a:prstGeom prst="straightConnector1">
-              <a:avLst/>
-            </a:prstGeom>
-            <a:solidFill>
-              <a:schemeClr val="accent1"/>
-            </a:solidFill>
-            <a:ln w="28575" cap="flat" cmpd="sng" algn="ctr">
-              <a:solidFill>
-                <a:srgbClr val="FF0000"/>
-              </a:solidFill>
-              <a:prstDash val="solid"/>
-              <a:miter lim="800000"/>
-              <a:headEnd type="none" w="med" len="med"/>
-              <a:tailEnd type="arrow"/>
-            </a:ln>
-            <a:effectLst/>
-          </p:spPr>
-        </p:cxnSp>
-        <p:cxnSp>
-          <p:nvCxnSpPr>
-            <p:cNvPr id="23" name="Straight Arrow Connector 22"/>
-            <p:cNvCxnSpPr/>
-            <p:nvPr/>
-          </p:nvCxnSpPr>
-          <p:spPr bwMode="auto">
-            <a:xfrm>
-              <a:off x="4572000" y="3408218"/>
-              <a:ext cx="27709" cy="3449782"/>
-            </a:xfrm>
-            <a:prstGeom prst="straightConnector1">
-              <a:avLst/>
-            </a:prstGeom>
-            <a:solidFill>
-              <a:schemeClr val="accent1"/>
-            </a:solidFill>
-            <a:ln w="28575" cap="flat" cmpd="sng" algn="ctr">
-              <a:solidFill>
-                <a:srgbClr val="FF0000"/>
-              </a:solidFill>
-              <a:prstDash val="solid"/>
-              <a:miter lim="800000"/>
-              <a:headEnd type="none" w="med" len="med"/>
-              <a:tailEnd type="arrow"/>
-            </a:ln>
-            <a:effectLst/>
-          </p:spPr>
-        </p:cxnSp>
-      </p:grpSp>
-      <p:grpSp>
-        <p:nvGrpSpPr>
-          <p:cNvPr id="27" name="Group 26"/>
-          <p:cNvGrpSpPr/>
-          <p:nvPr/>
-        </p:nvGrpSpPr>
-        <p:grpSpPr>
-          <a:xfrm rot="2700000">
-            <a:off x="928249" y="27705"/>
-            <a:ext cx="7301346" cy="6858000"/>
-            <a:chOff x="942109" y="0"/>
-            <a:chExt cx="7301346" cy="6858000"/>
-          </a:xfrm>
-        </p:grpSpPr>
-        <p:cxnSp>
-          <p:nvCxnSpPr>
-            <p:cNvPr id="28" name="Straight Arrow Connector 27"/>
-            <p:cNvCxnSpPr/>
-            <p:nvPr/>
-          </p:nvCxnSpPr>
-          <p:spPr bwMode="auto">
-            <a:xfrm>
-              <a:off x="4599709" y="3394364"/>
-              <a:ext cx="3643746" cy="0"/>
-            </a:xfrm>
-            <a:prstGeom prst="straightConnector1">
-              <a:avLst/>
-            </a:prstGeom>
-            <a:solidFill>
-              <a:schemeClr val="accent1"/>
-            </a:solidFill>
-            <a:ln w="28575" cap="flat" cmpd="sng" algn="ctr">
-              <a:solidFill>
-                <a:srgbClr val="FF0000"/>
-              </a:solidFill>
-              <a:prstDash val="solid"/>
-              <a:miter lim="800000"/>
-              <a:headEnd type="none" w="med" len="med"/>
-              <a:tailEnd type="arrow"/>
-            </a:ln>
-            <a:effectLst/>
-          </p:spPr>
-        </p:cxnSp>
-        <p:cxnSp>
-          <p:nvCxnSpPr>
-            <p:cNvPr id="29" name="Straight Arrow Connector 28"/>
-            <p:cNvCxnSpPr/>
-            <p:nvPr/>
-          </p:nvCxnSpPr>
-          <p:spPr bwMode="auto">
-            <a:xfrm flipH="1" flipV="1">
-              <a:off x="4544291" y="0"/>
-              <a:ext cx="13854" cy="3394364"/>
-            </a:xfrm>
-            <a:prstGeom prst="straightConnector1">
-              <a:avLst/>
-            </a:prstGeom>
-            <a:solidFill>
-              <a:schemeClr val="accent1"/>
-            </a:solidFill>
-            <a:ln w="28575" cap="flat" cmpd="sng" algn="ctr">
-              <a:solidFill>
-                <a:srgbClr val="FF0000"/>
-              </a:solidFill>
-              <a:prstDash val="solid"/>
-              <a:miter lim="800000"/>
-              <a:headEnd type="none" w="med" len="med"/>
-              <a:tailEnd type="arrow"/>
-            </a:ln>
-            <a:effectLst/>
-          </p:spPr>
-        </p:cxnSp>
-        <p:cxnSp>
-          <p:nvCxnSpPr>
-            <p:cNvPr id="30" name="Straight Arrow Connector 29"/>
-            <p:cNvCxnSpPr/>
-            <p:nvPr/>
-          </p:nvCxnSpPr>
-          <p:spPr bwMode="auto">
-            <a:xfrm flipH="1">
-              <a:off x="942109" y="3394364"/>
-              <a:ext cx="3616036" cy="41563"/>
-            </a:xfrm>
-            <a:prstGeom prst="straightConnector1">
-              <a:avLst/>
-            </a:prstGeom>
-            <a:solidFill>
-              <a:schemeClr val="accent1"/>
-            </a:solidFill>
-            <a:ln w="28575" cap="flat" cmpd="sng" algn="ctr">
-              <a:solidFill>
-                <a:srgbClr val="FF0000"/>
-              </a:solidFill>
-              <a:prstDash val="solid"/>
-              <a:miter lim="800000"/>
-              <a:headEnd type="none" w="med" len="med"/>
-              <a:tailEnd type="arrow"/>
-            </a:ln>
-            <a:effectLst/>
-          </p:spPr>
-        </p:cxnSp>
-        <p:cxnSp>
-          <p:nvCxnSpPr>
-            <p:cNvPr id="31" name="Straight Arrow Connector 30"/>
-            <p:cNvCxnSpPr/>
-            <p:nvPr/>
-          </p:nvCxnSpPr>
-          <p:spPr bwMode="auto">
-            <a:xfrm>
-              <a:off x="4572000" y="3408218"/>
-              <a:ext cx="27709" cy="3449782"/>
-            </a:xfrm>
-            <a:prstGeom prst="straightConnector1">
-              <a:avLst/>
-            </a:prstGeom>
-            <a:solidFill>
-              <a:schemeClr val="accent1"/>
-            </a:solidFill>
-            <a:ln w="28575" cap="flat" cmpd="sng" algn="ctr">
-              <a:solidFill>
-                <a:srgbClr val="FF0000"/>
-              </a:solidFill>
-              <a:prstDash val="solid"/>
-              <a:miter lim="800000"/>
-              <a:headEnd type="none" w="med" len="med"/>
-              <a:tailEnd type="arrow"/>
-            </a:ln>
-            <a:effectLst/>
-          </p:spPr>
-        </p:cxnSp>
-      </p:grpSp>
-      <p:sp>
-        <p:nvSpPr>
-          <p:cNvPr id="167943" name="Oval 7"/>
-          <p:cNvSpPr>
-            <a:spLocks noChangeArrowheads="1"/>
-          </p:cNvSpPr>
-          <p:nvPr/>
-        </p:nvSpPr>
-        <p:spPr bwMode="auto">
-          <a:xfrm>
-            <a:off x="4326803" y="3189435"/>
-            <a:ext cx="493713" cy="434975"/>
-          </a:xfrm>
-          <a:prstGeom prst="ellipse">
-            <a:avLst/>
-          </a:prstGeom>
-          <a:gradFill rotWithShape="1">
-            <a:gsLst>
-              <a:gs pos="0">
-                <a:srgbClr val="FFCC99">
-                  <a:gamma/>
-                  <a:shade val="46275"/>
-                  <a:invGamma/>
-                </a:srgbClr>
-              </a:gs>
-              <a:gs pos="50000">
-                <a:srgbClr val="FFCC99"/>
-              </a:gs>
-              <a:gs pos="100000">
-                <a:srgbClr val="FFCC99">
-                  <a:gamma/>
-                  <a:shade val="46275"/>
-                  <a:invGamma/>
-                </a:srgbClr>
-              </a:gs>
-            </a:gsLst>
-            <a:lin ang="18900000" scaled="1"/>
-          </a:gradFill>
-          <a:ln w="9525">
-            <a:noFill/>
-            <a:miter lim="800000"/>
-            <a:headEnd/>
-            <a:tailEnd/>
-          </a:ln>
-          <a:effectLst/>
-        </p:spPr>
-        <p:txBody>
-          <a:bodyPr wrap="none" anchor="ctr"/>
-          <a:lstStyle/>
-          <a:p>
-            <a:pPr algn="ctr"/>
-            <a:r>
-              <a:rPr lang="en-US" dirty="0"/>
-              <a:t>+</a:t>
             </a:r>
           </a:p>
         </p:txBody>

--- a/Slides/PH223_Lecture_27.pptx
+++ b/Slides/PH223_Lecture_27.pptx
@@ -193,14 +193,6 @@
     </p:ext>
   </p:extLst>
 </p:presentation>
-</file>
-
-<file path=ppt/revisionInfo.xml><?xml version="1.0" encoding="utf-8"?>
-<p1510:revInfo xmlns:a="http://schemas.openxmlformats.org/drawingml/2006/main" xmlns:r="http://schemas.openxmlformats.org/officeDocument/2006/relationships" xmlns:p1510="http://schemas.microsoft.com/office/powerpoint/2015/10/main">
-  <p1510:revLst>
-    <p1510:client id="{6C834937-053C-4B4E-BFF1-A81537BB7B9F}" v="1" dt="2024-06-05T16:15:51.429"/>
-  </p1510:revLst>
-</p1510:revInfo>
 </file>
 
 <file path=ppt/changesInfos/changesInfo1.xml><?xml version="1.0" encoding="utf-8"?>
@@ -2278,6 +2270,30 @@
             <pc:docMk/>
             <pc:sldMk cId="2012179342" sldId="746"/>
             <ac:spMk id="5" creationId="{27D985F2-5275-D6D1-4138-A76EACFD53BB}"/>
+          </ac:spMkLst>
+        </pc:spChg>
+      </pc:sldChg>
+    </pc:docChg>
+  </pc:docChgLst>
+  <pc:docChgLst>
+    <pc:chgData name="Lines, Todd" userId="afaf7c3a-e8aa-4568-882a-02ad8f9e19b0" providerId="ADAL" clId="{1018E0F7-3549-48A2-A347-CEB4A064C028}"/>
+    <pc:docChg chg="custSel modSld">
+      <pc:chgData name="Lines, Todd" userId="afaf7c3a-e8aa-4568-882a-02ad8f9e19b0" providerId="ADAL" clId="{1018E0F7-3549-48A2-A347-CEB4A064C028}" dt="2024-10-29T16:58:23.114" v="0" actId="313"/>
+      <pc:docMkLst>
+        <pc:docMk/>
+      </pc:docMkLst>
+      <pc:sldChg chg="modSp mod">
+        <pc:chgData name="Lines, Todd" userId="afaf7c3a-e8aa-4568-882a-02ad8f9e19b0" providerId="ADAL" clId="{1018E0F7-3549-48A2-A347-CEB4A064C028}" dt="2024-10-29T16:58:23.114" v="0" actId="313"/>
+        <pc:sldMkLst>
+          <pc:docMk/>
+          <pc:sldMk cId="4265386314" sldId="747"/>
+        </pc:sldMkLst>
+        <pc:spChg chg="mod">
+          <ac:chgData name="Lines, Todd" userId="afaf7c3a-e8aa-4568-882a-02ad8f9e19b0" providerId="ADAL" clId="{1018E0F7-3549-48A2-A347-CEB4A064C028}" dt="2024-10-29T16:58:23.114" v="0" actId="313"/>
+          <ac:spMkLst>
+            <pc:docMk/>
+            <pc:sldMk cId="4265386314" sldId="747"/>
+            <ac:spMk id="4" creationId="{FE8FCA8D-F239-B8E2-E6DA-C7226B220FD9}"/>
           </ac:spMkLst>
         </pc:spChg>
       </pc:sldChg>
@@ -8238,8 +8254,8 @@
           </a:p>
         </p:txBody>
       </p:sp>
-      <mc:AlternateContent xmlns:mc="http://schemas.openxmlformats.org/markup-compatibility/2006">
-        <mc:Choice xmlns:a14="http://schemas.microsoft.com/office/drawing/2010/main" Requires="a14">
+      <mc:AlternateContent xmlns:mc="http://schemas.openxmlformats.org/markup-compatibility/2006" xmlns:a14="http://schemas.microsoft.com/office/drawing/2010/main">
+        <mc:Choice Requires="a14">
           <p:sp>
             <p:nvSpPr>
               <p:cNvPr id="3" name="Content Placeholder 2">
@@ -8529,7 +8545,7 @@
             </p:txBody>
           </p:sp>
         </mc:Choice>
-        <mc:Fallback>
+        <mc:Fallback xmlns="">
           <p:sp>
             <p:nvSpPr>
               <p:cNvPr id="3" name="Content Placeholder 2">
@@ -11876,8 +11892,8 @@
           </a:p>
         </p:txBody>
       </p:sp>
-      <mc:AlternateContent xmlns:mc="http://schemas.openxmlformats.org/markup-compatibility/2006">
-        <mc:Choice xmlns:a14="http://schemas.microsoft.com/office/drawing/2010/main" Requires="a14">
+      <mc:AlternateContent xmlns:mc="http://schemas.openxmlformats.org/markup-compatibility/2006" xmlns:a14="http://schemas.microsoft.com/office/drawing/2010/main">
+        <mc:Choice Requires="a14">
           <p:sp>
             <p:nvSpPr>
               <p:cNvPr id="3" name="Content Placeholder 2">
@@ -12167,7 +12183,7 @@
             </p:txBody>
           </p:sp>
         </mc:Choice>
-        <mc:Fallback>
+        <mc:Fallback xmlns="">
           <p:sp>
             <p:nvSpPr>
               <p:cNvPr id="3" name="Content Placeholder 2">
@@ -14276,12 +14292,8 @@
           <a:lstStyle/>
           <a:p>
             <a:r>
-              <a:rPr lang="en-US" dirty="0" err="1"/>
-              <a:t>Finelly</a:t>
-            </a:r>
-            <a:r>
               <a:rPr lang="en-US" dirty="0"/>
-              <a:t>, Spherical Shells!</a:t>
+              <a:t>Finally, Spherical Shells!</a:t>
             </a:r>
           </a:p>
         </p:txBody>
@@ -14307,7 +14319,7 @@
           <a:bodyPr/>
           <a:lstStyle/>
           <a:p>
-            <a:endParaRPr lang="en-US"/>
+            <a:endParaRPr lang="en-US" dirty="0"/>
           </a:p>
         </p:txBody>
       </p:sp>
@@ -19291,8 +19303,8 @@
           </p:sp>
         </mc:Fallback>
       </mc:AlternateContent>
-      <mc:AlternateContent xmlns:mc="http://schemas.openxmlformats.org/markup-compatibility/2006">
-        <mc:Choice xmlns:a14="http://schemas.microsoft.com/office/drawing/2010/main" Requires="a14">
+      <mc:AlternateContent xmlns:mc="http://schemas.openxmlformats.org/markup-compatibility/2006" xmlns:a14="http://schemas.microsoft.com/office/drawing/2010/main">
+        <mc:Choice Requires="a14">
           <p:sp>
             <p:nvSpPr>
               <p:cNvPr id="29" name="TextBox 28"/>
@@ -19345,7 +19357,7 @@
             </p:txBody>
           </p:sp>
         </mc:Choice>
-        <mc:Fallback>
+        <mc:Fallback xmlns="">
           <p:sp>
             <p:nvSpPr>
               <p:cNvPr id="29" name="TextBox 28"/>
